--- a/docs/PRESENTATION_SLIDES.pptx
+++ b/docs/PRESENTATION_SLIDES.pptx
@@ -16,7 +16,6 @@
     <p:sldId id="264" r:id="rId15"/>
     <p:sldId id="265" r:id="rId16"/>
     <p:sldId id="266" r:id="rId17"/>
-    <p:sldId id="267" r:id="rId18"/>
   </p:sldIdLst>
   <p:sldSz cx="12191695" cy="6858000" type="screen4x3"/>
   <p:notesSz cx="6858000" cy="9144000"/>
@@ -3092,6 +3091,14 @@
 <file path=ppt/slides/slide1.xml><?xml version="1.0" encoding="utf-8"?>
 <p:sld xmlns:a="http://schemas.openxmlformats.org/drawingml/2006/main" xmlns:p="http://schemas.openxmlformats.org/presentationml/2006/main" xmlns:r="http://schemas.openxmlformats.org/officeDocument/2006/relationships">
   <p:cSld>
+    <p:bg>
+      <p:bgPr>
+        <a:solidFill>
+          <a:srgbClr val="0F172A"/>
+        </a:solidFill>
+        <a:effectLst/>
+      </p:bgPr>
+    </p:bg>
     <p:spTree>
       <p:nvGrpSpPr>
         <p:cNvPr id="1" name=""/>
@@ -3101,57 +3108,251 @@
       <p:grpSpPr/>
       <p:sp>
         <p:nvSpPr>
-          <p:cNvPr id="2" name="Title 1"/>
-          <p:cNvSpPr>
-            <a:spLocks noGrp="1"/>
-          </p:cNvSpPr>
-          <p:nvPr>
-            <p:ph type="ctrTitle"/>
-          </p:nvPr>
-        </p:nvSpPr>
-        <p:spPr/>
-        <p:txBody>
-          <a:bodyPr/>
-          <a:lstStyle/>
-          <a:p>
-            <a:r>
-              <a:t>EventHub: Event &amp; RSVP Management API</a:t>
-            </a:r>
-          </a:p>
-        </p:txBody>
-      </p:sp>
-      <p:sp>
-        <p:nvSpPr>
-          <p:cNvPr id="3" name="Subtitle 2"/>
-          <p:cNvSpPr>
-            <a:spLocks noGrp="1"/>
-          </p:cNvSpPr>
-          <p:nvPr>
-            <p:ph type="subTitle" idx="1"/>
-          </p:nvPr>
-        </p:nvSpPr>
-        <p:spPr/>
-        <p:txBody>
-          <a:bodyPr/>
-          <a:lstStyle/>
-          <a:p>
-            <a:r>
-              <a:t>COMP3011 Coursework 1 – Oral Examination</a:t>
-            </a:r>
-          </a:p>
-          <a:p/>
-          <a:p>
-            <a:r>
-              <a:t>Nathaniel Sebastian (sc232ns)</a:t>
-            </a:r>
-          </a:p>
-          <a:p>
-            <a:r>
-              <a:t>4 February 2026</a:t>
-            </a:r>
-          </a:p>
-        </p:txBody>
-      </p:sp>
+          <p:cNvPr id="2" name="Rectangle 1"/>
+          <p:cNvSpPr/>
+          <p:nvPr/>
+        </p:nvSpPr>
+        <p:spPr>
+          <a:xfrm>
+            <a:off x="914400" y="1371600"/>
+            <a:ext cx="3657600" cy="45720"/>
+          </a:xfrm>
+          <a:prstGeom prst="rect">
+            <a:avLst/>
+          </a:prstGeom>
+          <a:solidFill>
+            <a:srgbClr val="00B4D8"/>
+          </a:solidFill>
+          <a:ln>
+            <a:noFill/>
+          </a:ln>
+        </p:spPr>
+        <p:style>
+          <a:lnRef idx="1">
+            <a:schemeClr val="accent1"/>
+          </a:lnRef>
+          <a:fillRef idx="3">
+            <a:schemeClr val="accent1"/>
+          </a:fillRef>
+          <a:effectRef idx="2">
+            <a:schemeClr val="accent1"/>
+          </a:effectRef>
+          <a:fontRef idx="minor">
+            <a:schemeClr val="lt1"/>
+          </a:fontRef>
+        </p:style>
+        <p:txBody>
+          <a:bodyPr rtlCol="0" anchor="ctr"/>
+          <a:lstStyle/>
+          <a:p>
+            <a:pPr algn="ctr"/>
+          </a:p>
+        </p:txBody>
+      </p:sp>
+      <p:sp>
+        <p:nvSpPr>
+          <p:cNvPr id="3" name="TextBox 2"/>
+          <p:cNvSpPr txBox="1"/>
+          <p:nvPr/>
+        </p:nvSpPr>
+        <p:spPr>
+          <a:xfrm>
+            <a:off x="914400" y="1554480"/>
+            <a:ext cx="10058400" cy="1097280"/>
+          </a:xfrm>
+          <a:prstGeom prst="rect">
+            <a:avLst/>
+          </a:prstGeom>
+          <a:noFill/>
+        </p:spPr>
+        <p:txBody>
+          <a:bodyPr wrap="square">
+            <a:spAutoFit/>
+          </a:bodyPr>
+          <a:lstStyle/>
+          <a:p>
+            <a:pPr algn="l">
+              <a:defRPr sz="5400" b="1">
+                <a:solidFill>
+                  <a:srgbClr val="00B4D8"/>
+                </a:solidFill>
+              </a:defRPr>
+            </a:pPr>
+            <a:r>
+              <a:t>EventHub</a:t>
+            </a:r>
+          </a:p>
+        </p:txBody>
+      </p:sp>
+      <p:sp>
+        <p:nvSpPr>
+          <p:cNvPr id="4" name="TextBox 3"/>
+          <p:cNvSpPr txBox="1"/>
+          <p:nvPr/>
+        </p:nvSpPr>
+        <p:spPr>
+          <a:xfrm>
+            <a:off x="914400" y="2377440"/>
+            <a:ext cx="10058400" cy="731520"/>
+          </a:xfrm>
+          <a:prstGeom prst="rect">
+            <a:avLst/>
+          </a:prstGeom>
+          <a:noFill/>
+        </p:spPr>
+        <p:txBody>
+          <a:bodyPr wrap="square">
+            <a:spAutoFit/>
+          </a:bodyPr>
+          <a:lstStyle/>
+          <a:p>
+            <a:pPr algn="l">
+              <a:defRPr sz="3200" b="0">
+                <a:solidFill>
+                  <a:srgbClr val="FFFFFF"/>
+                </a:solidFill>
+              </a:defRPr>
+            </a:pPr>
+            <a:r>
+              <a:t>Event &amp; RSVP Management API</a:t>
+            </a:r>
+          </a:p>
+        </p:txBody>
+      </p:sp>
+      <p:sp>
+        <p:nvSpPr>
+          <p:cNvPr id="5" name="TextBox 4"/>
+          <p:cNvSpPr txBox="1"/>
+          <p:nvPr/>
+        </p:nvSpPr>
+        <p:spPr>
+          <a:xfrm>
+            <a:off x="914400" y="3474720"/>
+            <a:ext cx="5486400" cy="2743200"/>
+          </a:xfrm>
+          <a:prstGeom prst="rect">
+            <a:avLst/>
+          </a:prstGeom>
+          <a:noFill/>
+        </p:spPr>
+        <p:txBody>
+          <a:bodyPr wrap="square">
+            <a:spAutoFit/>
+          </a:bodyPr>
+          <a:lstStyle/>
+          <a:p>
+            <a:pPr>
+              <a:spcAft>
+                <a:spcPts val="600"/>
+              </a:spcAft>
+              <a:defRPr sz="1800">
+                <a:solidFill>
+                  <a:srgbClr val="B0B8C8"/>
+                </a:solidFill>
+              </a:defRPr>
+            </a:pPr>
+            <a:r>
+              <a:t>Nathaniel Sebastian  (sc232ns)</a:t>
+            </a:r>
+          </a:p>
+          <a:p>
+            <a:pPr>
+              <a:spcAft>
+                <a:spcPts val="600"/>
+              </a:spcAft>
+              <a:defRPr sz="1800">
+                <a:solidFill>
+                  <a:srgbClr val="B0B8C8"/>
+                </a:solidFill>
+              </a:defRPr>
+            </a:pPr>
+            <a:r>
+              <a:t>COMP3011 – Web Services and Web Data</a:t>
+            </a:r>
+          </a:p>
+          <a:p>
+            <a:pPr>
+              <a:spcAft>
+                <a:spcPts val="600"/>
+              </a:spcAft>
+              <a:defRPr sz="1800">
+                <a:solidFill>
+                  <a:srgbClr val="B0B8C8"/>
+                </a:solidFill>
+              </a:defRPr>
+            </a:pPr>
+            <a:r>
+              <a:t>University of Leeds  •  February 2026</a:t>
+            </a:r>
+          </a:p>
+          <a:p>
+            <a:pPr>
+              <a:spcAft>
+                <a:spcPts val="600"/>
+              </a:spcAft>
+              <a:defRPr sz="1800">
+                <a:solidFill>
+                  <a:srgbClr val="B0B8C8"/>
+                </a:solidFill>
+              </a:defRPr>
+            </a:pPr>
+          </a:p>
+          <a:p>
+            <a:pPr>
+              <a:spcAft>
+                <a:spcPts val="600"/>
+              </a:spcAft>
+              <a:defRPr sz="1800">
+                <a:solidFill>
+                  <a:srgbClr val="B0B8C8"/>
+                </a:solidFill>
+              </a:defRPr>
+            </a:pPr>
+            <a:r>
+              <a:t>🔗  comp3011-cw1-api.onrender.com</a:t>
+            </a:r>
+          </a:p>
+          <a:p>
+            <a:pPr>
+              <a:spcAft>
+                <a:spcPts val="600"/>
+              </a:spcAft>
+              <a:defRPr sz="1800">
+                <a:solidFill>
+                  <a:srgbClr val="B0B8C8"/>
+                </a:solidFill>
+              </a:defRPr>
+            </a:pPr>
+            <a:r>
+              <a:t>📂  github.com/NathS04/comp3011-cw1-api</a:t>
+            </a:r>
+          </a:p>
+        </p:txBody>
+      </p:sp>
+      <p:pic>
+        <p:nvPicPr>
+          <p:cNvPr id="6" name="Picture 5" descr="swagger_ui_top_1770726073631.png"/>
+          <p:cNvPicPr>
+            <a:picLocks noChangeAspect="1"/>
+          </p:cNvPicPr>
+          <p:nvPr/>
+        </p:nvPicPr>
+        <p:blipFill>
+          <a:blip r:embed="rId2"/>
+          <a:stretch>
+            <a:fillRect/>
+          </a:stretch>
+        </p:blipFill>
+        <p:spPr>
+          <a:xfrm>
+            <a:off x="6858000" y="2286000"/>
+            <a:ext cx="4572000" cy="3840480"/>
+          </a:xfrm>
+          <a:prstGeom prst="rect">
+            <a:avLst/>
+          </a:prstGeom>
+        </p:spPr>
+      </p:pic>
     </p:spTree>
   </p:cSld>
   <p:clrMapOvr>
@@ -3163,6 +3364,14 @@
 <file path=ppt/slides/slide10.xml><?xml version="1.0" encoding="utf-8"?>
 <p:sld xmlns:a="http://schemas.openxmlformats.org/drawingml/2006/main" xmlns:p="http://schemas.openxmlformats.org/presentationml/2006/main" xmlns:r="http://schemas.openxmlformats.org/officeDocument/2006/relationships">
   <p:cSld>
+    <p:bg>
+      <p:bgPr>
+        <a:solidFill>
+          <a:srgbClr val="0F172A"/>
+        </a:solidFill>
+        <a:effectLst/>
+      </p:bgPr>
+    </p:bg>
     <p:spTree>
       <p:nvGrpSpPr>
         <p:cNvPr id="1" name=""/>
@@ -3172,66 +3381,776 @@
       <p:grpSpPr/>
       <p:sp>
         <p:nvSpPr>
-          <p:cNvPr id="2" name="Title 1"/>
-          <p:cNvSpPr>
-            <a:spLocks noGrp="1"/>
-          </p:cNvSpPr>
-          <p:nvPr>
-            <p:ph type="title"/>
-          </p:nvPr>
-        </p:nvSpPr>
-        <p:spPr/>
-        <p:txBody>
-          <a:bodyPr/>
-          <a:lstStyle/>
-          <a:p>
-            <a:r>
-              <a:t>Live Demo Script</a:t>
-            </a:r>
-          </a:p>
-        </p:txBody>
-      </p:sp>
-      <p:sp>
-        <p:nvSpPr>
-          <p:cNvPr id="3" name="Content Placeholder 2"/>
-          <p:cNvSpPr>
-            <a:spLocks noGrp="1"/>
-          </p:cNvSpPr>
-          <p:nvPr>
-            <p:ph idx="1"/>
-          </p:nvPr>
-        </p:nvSpPr>
-        <p:spPr/>
-        <p:txBody>
-          <a:bodyPr/>
-          <a:lstStyle/>
-          <a:p>
-            <a:r>
-              <a:t>1. Visit /docs (Swagger UI)</a:t>
-            </a:r>
-          </a:p>
-          <a:p>
-            <a:pPr/>
-            <a:r>
-              <a:t>2. POST /auth/register → Create user</a:t>
-            </a:r>
-          </a:p>
-          <a:p>
-            <a:pPr/>
-            <a:r>
-              <a:t>3. POST /auth/login → Get JWT token</a:t>
-            </a:r>
-          </a:p>
-          <a:p>
-            <a:pPr/>
-            <a:r>
-              <a:t>4. POST /events → Create event (with auth)</a:t>
-            </a:r>
-          </a:p>
-          <a:p>
-            <a:pPr/>
-            <a:r>
-              <a:t>5. GET /analytics/events/trending → View analytics</a:t>
+          <p:cNvPr id="2" name="TextBox 1"/>
+          <p:cNvSpPr txBox="1"/>
+          <p:nvPr/>
+        </p:nvSpPr>
+        <p:spPr>
+          <a:xfrm>
+            <a:off x="731520" y="274320"/>
+            <a:ext cx="10058400" cy="731520"/>
+          </a:xfrm>
+          <a:prstGeom prst="rect">
+            <a:avLst/>
+          </a:prstGeom>
+          <a:noFill/>
+        </p:spPr>
+        <p:txBody>
+          <a:bodyPr wrap="square">
+            <a:spAutoFit/>
+          </a:bodyPr>
+          <a:lstStyle/>
+          <a:p>
+            <a:pPr algn="l">
+              <a:defRPr sz="4000" b="1">
+                <a:solidFill>
+                  <a:srgbClr val="00B4D8"/>
+                </a:solidFill>
+              </a:defRPr>
+            </a:pPr>
+            <a:r>
+              <a:t>Creative GenAI Usage</a:t>
+            </a:r>
+          </a:p>
+        </p:txBody>
+      </p:sp>
+      <p:sp>
+        <p:nvSpPr>
+          <p:cNvPr id="3" name="Rectangle 2"/>
+          <p:cNvSpPr/>
+          <p:nvPr/>
+        </p:nvSpPr>
+        <p:spPr>
+          <a:xfrm>
+            <a:off x="731520" y="914400"/>
+            <a:ext cx="2743200" cy="45720"/>
+          </a:xfrm>
+          <a:prstGeom prst="rect">
+            <a:avLst/>
+          </a:prstGeom>
+          <a:solidFill>
+            <a:srgbClr val="00B4D8"/>
+          </a:solidFill>
+          <a:ln>
+            <a:noFill/>
+          </a:ln>
+        </p:spPr>
+        <p:style>
+          <a:lnRef idx="1">
+            <a:schemeClr val="accent1"/>
+          </a:lnRef>
+          <a:fillRef idx="3">
+            <a:schemeClr val="accent1"/>
+          </a:fillRef>
+          <a:effectRef idx="2">
+            <a:schemeClr val="accent1"/>
+          </a:effectRef>
+          <a:fontRef idx="minor">
+            <a:schemeClr val="lt1"/>
+          </a:fontRef>
+        </p:style>
+        <p:txBody>
+          <a:bodyPr rtlCol="0" anchor="ctr"/>
+          <a:lstStyle/>
+          <a:p>
+            <a:pPr algn="ctr"/>
+          </a:p>
+        </p:txBody>
+      </p:sp>
+      <p:sp>
+        <p:nvSpPr>
+          <p:cNvPr id="4" name="Rounded Rectangle 3"/>
+          <p:cNvSpPr/>
+          <p:nvPr/>
+        </p:nvSpPr>
+        <p:spPr>
+          <a:xfrm>
+            <a:off x="731520" y="1371600"/>
+            <a:ext cx="5029200" cy="731520"/>
+          </a:xfrm>
+          <a:prstGeom prst="roundRect">
+            <a:avLst/>
+          </a:prstGeom>
+          <a:solidFill>
+            <a:srgbClr val="1A253C"/>
+          </a:solidFill>
+          <a:ln>
+            <a:noFill/>
+          </a:ln>
+        </p:spPr>
+        <p:style>
+          <a:lnRef idx="1">
+            <a:schemeClr val="accent1"/>
+          </a:lnRef>
+          <a:fillRef idx="3">
+            <a:schemeClr val="accent1"/>
+          </a:fillRef>
+          <a:effectRef idx="2">
+            <a:schemeClr val="accent1"/>
+          </a:effectRef>
+          <a:fontRef idx="minor">
+            <a:schemeClr val="lt1"/>
+          </a:fontRef>
+        </p:style>
+        <p:txBody>
+          <a:bodyPr rtlCol="0" anchor="ctr"/>
+          <a:lstStyle/>
+          <a:p>
+            <a:pPr algn="ctr"/>
+          </a:p>
+        </p:txBody>
+      </p:sp>
+      <p:sp>
+        <p:nvSpPr>
+          <p:cNvPr id="5" name="TextBox 4"/>
+          <p:cNvSpPr txBox="1"/>
+          <p:nvPr/>
+        </p:nvSpPr>
+        <p:spPr>
+          <a:xfrm>
+            <a:off x="1097280" y="1417320"/>
+            <a:ext cx="1828800" cy="320040"/>
+          </a:xfrm>
+          <a:prstGeom prst="rect">
+            <a:avLst/>
+          </a:prstGeom>
+          <a:noFill/>
+        </p:spPr>
+        <p:txBody>
+          <a:bodyPr wrap="square">
+            <a:spAutoFit/>
+          </a:bodyPr>
+          <a:lstStyle/>
+          <a:p>
+            <a:pPr algn="l">
+              <a:defRPr sz="1800" b="1">
+                <a:solidFill>
+                  <a:srgbClr val="00B4D8"/>
+                </a:solidFill>
+              </a:defRPr>
+            </a:pPr>
+            <a:r>
+              <a:t>Google Gemini</a:t>
+            </a:r>
+          </a:p>
+        </p:txBody>
+      </p:sp>
+      <p:sp>
+        <p:nvSpPr>
+          <p:cNvPr id="6" name="TextBox 5"/>
+          <p:cNvSpPr txBox="1"/>
+          <p:nvPr/>
+        </p:nvSpPr>
+        <p:spPr>
+          <a:xfrm>
+            <a:off x="1097280" y="1737360"/>
+            <a:ext cx="4389120" cy="320040"/>
+          </a:xfrm>
+          <a:prstGeom prst="rect">
+            <a:avLst/>
+          </a:prstGeom>
+          <a:noFill/>
+        </p:spPr>
+        <p:txBody>
+          <a:bodyPr wrap="square">
+            <a:spAutoFit/>
+          </a:bodyPr>
+          <a:lstStyle/>
+          <a:p>
+            <a:pPr algn="l">
+              <a:defRPr sz="1300" b="0">
+                <a:solidFill>
+                  <a:srgbClr val="B0B8C8"/>
+                </a:solidFill>
+              </a:defRPr>
+            </a:pPr>
+            <a:r>
+              <a:t>Architecture, code generation, deployment automation</a:t>
+            </a:r>
+          </a:p>
+        </p:txBody>
+      </p:sp>
+      <p:sp>
+        <p:nvSpPr>
+          <p:cNvPr id="7" name="Rounded Rectangle 6"/>
+          <p:cNvSpPr/>
+          <p:nvPr/>
+        </p:nvSpPr>
+        <p:spPr>
+          <a:xfrm>
+            <a:off x="731520" y="2286000"/>
+            <a:ext cx="5029200" cy="731520"/>
+          </a:xfrm>
+          <a:prstGeom prst="roundRect">
+            <a:avLst/>
+          </a:prstGeom>
+          <a:solidFill>
+            <a:srgbClr val="1A253C"/>
+          </a:solidFill>
+          <a:ln>
+            <a:noFill/>
+          </a:ln>
+        </p:spPr>
+        <p:style>
+          <a:lnRef idx="1">
+            <a:schemeClr val="accent1"/>
+          </a:lnRef>
+          <a:fillRef idx="3">
+            <a:schemeClr val="accent1"/>
+          </a:fillRef>
+          <a:effectRef idx="2">
+            <a:schemeClr val="accent1"/>
+          </a:effectRef>
+          <a:fontRef idx="minor">
+            <a:schemeClr val="lt1"/>
+          </a:fontRef>
+        </p:style>
+        <p:txBody>
+          <a:bodyPr rtlCol="0" anchor="ctr"/>
+          <a:lstStyle/>
+          <a:p>
+            <a:pPr algn="ctr"/>
+          </a:p>
+        </p:txBody>
+      </p:sp>
+      <p:sp>
+        <p:nvSpPr>
+          <p:cNvPr id="8" name="TextBox 7"/>
+          <p:cNvSpPr txBox="1"/>
+          <p:nvPr/>
+        </p:nvSpPr>
+        <p:spPr>
+          <a:xfrm>
+            <a:off x="1097280" y="2331720"/>
+            <a:ext cx="1828800" cy="320040"/>
+          </a:xfrm>
+          <a:prstGeom prst="rect">
+            <a:avLst/>
+          </a:prstGeom>
+          <a:noFill/>
+        </p:spPr>
+        <p:txBody>
+          <a:bodyPr wrap="square">
+            <a:spAutoFit/>
+          </a:bodyPr>
+          <a:lstStyle/>
+          <a:p>
+            <a:pPr algn="l">
+              <a:defRPr sz="1800" b="1">
+                <a:solidFill>
+                  <a:srgbClr val="2ECC71"/>
+                </a:solidFill>
+              </a:defRPr>
+            </a:pPr>
+            <a:r>
+              <a:t>Claude</a:t>
+            </a:r>
+          </a:p>
+        </p:txBody>
+      </p:sp>
+      <p:sp>
+        <p:nvSpPr>
+          <p:cNvPr id="9" name="TextBox 8"/>
+          <p:cNvSpPr txBox="1"/>
+          <p:nvPr/>
+        </p:nvSpPr>
+        <p:spPr>
+          <a:xfrm>
+            <a:off x="1097280" y="2651760"/>
+            <a:ext cx="4389120" cy="320040"/>
+          </a:xfrm>
+          <a:prstGeom prst="rect">
+            <a:avLst/>
+          </a:prstGeom>
+          <a:noFill/>
+        </p:spPr>
+        <p:txBody>
+          <a:bodyPr wrap="square">
+            <a:spAutoFit/>
+          </a:bodyPr>
+          <a:lstStyle/>
+          <a:p>
+            <a:pPr algn="l">
+              <a:defRPr sz="1300" b="0">
+                <a:solidFill>
+                  <a:srgbClr val="B0B8C8"/>
+                </a:solidFill>
+              </a:defRPr>
+            </a:pPr>
+            <a:r>
+              <a:t>Documentation QA, PDF generation, consistency audits</a:t>
+            </a:r>
+          </a:p>
+        </p:txBody>
+      </p:sp>
+      <p:sp>
+        <p:nvSpPr>
+          <p:cNvPr id="10" name="Rounded Rectangle 9"/>
+          <p:cNvSpPr/>
+          <p:nvPr/>
+        </p:nvSpPr>
+        <p:spPr>
+          <a:xfrm>
+            <a:off x="731520" y="3200400"/>
+            <a:ext cx="5029200" cy="731520"/>
+          </a:xfrm>
+          <a:prstGeom prst="roundRect">
+            <a:avLst/>
+          </a:prstGeom>
+          <a:solidFill>
+            <a:srgbClr val="1A253C"/>
+          </a:solidFill>
+          <a:ln>
+            <a:noFill/>
+          </a:ln>
+        </p:spPr>
+        <p:style>
+          <a:lnRef idx="1">
+            <a:schemeClr val="accent1"/>
+          </a:lnRef>
+          <a:fillRef idx="3">
+            <a:schemeClr val="accent1"/>
+          </a:fillRef>
+          <a:effectRef idx="2">
+            <a:schemeClr val="accent1"/>
+          </a:effectRef>
+          <a:fontRef idx="minor">
+            <a:schemeClr val="lt1"/>
+          </a:fontRef>
+        </p:style>
+        <p:txBody>
+          <a:bodyPr rtlCol="0" anchor="ctr"/>
+          <a:lstStyle/>
+          <a:p>
+            <a:pPr algn="ctr"/>
+          </a:p>
+        </p:txBody>
+      </p:sp>
+      <p:sp>
+        <p:nvSpPr>
+          <p:cNvPr id="11" name="TextBox 10"/>
+          <p:cNvSpPr txBox="1"/>
+          <p:nvPr/>
+        </p:nvSpPr>
+        <p:spPr>
+          <a:xfrm>
+            <a:off x="1097280" y="3246120"/>
+            <a:ext cx="1828800" cy="320040"/>
+          </a:xfrm>
+          <a:prstGeom prst="rect">
+            <a:avLst/>
+          </a:prstGeom>
+          <a:noFill/>
+        </p:spPr>
+        <p:txBody>
+          <a:bodyPr wrap="square">
+            <a:spAutoFit/>
+          </a:bodyPr>
+          <a:lstStyle/>
+          <a:p>
+            <a:pPr algn="l">
+              <a:defRPr sz="1800" b="1">
+                <a:solidFill>
+                  <a:srgbClr val="F39C12"/>
+                </a:solidFill>
+              </a:defRPr>
+            </a:pPr>
+            <a:r>
+              <a:t>ChatGPT</a:t>
+            </a:r>
+          </a:p>
+        </p:txBody>
+      </p:sp>
+      <p:sp>
+        <p:nvSpPr>
+          <p:cNvPr id="12" name="TextBox 11"/>
+          <p:cNvSpPr txBox="1"/>
+          <p:nvPr/>
+        </p:nvSpPr>
+        <p:spPr>
+          <a:xfrm>
+            <a:off x="1097280" y="3566160"/>
+            <a:ext cx="4389120" cy="320040"/>
+          </a:xfrm>
+          <a:prstGeom prst="rect">
+            <a:avLst/>
+          </a:prstGeom>
+          <a:noFill/>
+        </p:spPr>
+        <p:txBody>
+          <a:bodyPr wrap="square">
+            <a:spAutoFit/>
+          </a:bodyPr>
+          <a:lstStyle/>
+          <a:p>
+            <a:pPr algn="l">
+              <a:defRPr sz="1300" b="0">
+                <a:solidFill>
+                  <a:srgbClr val="B0B8C8"/>
+                </a:solidFill>
+              </a:defRPr>
+            </a:pPr>
+            <a:r>
+              <a:t>Research, alternative exploration, debugging</a:t>
+            </a:r>
+          </a:p>
+        </p:txBody>
+      </p:sp>
+      <p:sp>
+        <p:nvSpPr>
+          <p:cNvPr id="13" name="TextBox 12"/>
+          <p:cNvSpPr txBox="1"/>
+          <p:nvPr/>
+        </p:nvSpPr>
+        <p:spPr>
+          <a:xfrm>
+            <a:off x="731520" y="4389120"/>
+            <a:ext cx="5029200" cy="365760"/>
+          </a:xfrm>
+          <a:prstGeom prst="rect">
+            <a:avLst/>
+          </a:prstGeom>
+          <a:noFill/>
+        </p:spPr>
+        <p:txBody>
+          <a:bodyPr wrap="square">
+            <a:spAutoFit/>
+          </a:bodyPr>
+          <a:lstStyle/>
+          <a:p>
+            <a:pPr algn="l">
+              <a:defRPr sz="2000" b="1">
+                <a:solidFill>
+                  <a:srgbClr val="00B4D8"/>
+                </a:solidFill>
+              </a:defRPr>
+            </a:pPr>
+            <a:r>
+              <a:t>Design Decisions Explored</a:t>
+            </a:r>
+          </a:p>
+        </p:txBody>
+      </p:sp>
+      <p:sp>
+        <p:nvSpPr>
+          <p:cNvPr id="14" name="TextBox 13"/>
+          <p:cNvSpPr txBox="1"/>
+          <p:nvPr/>
+        </p:nvSpPr>
+        <p:spPr>
+          <a:xfrm>
+            <a:off x="731520" y="4846320"/>
+            <a:ext cx="5029200" cy="1828800"/>
+          </a:xfrm>
+          <a:prstGeom prst="rect">
+            <a:avLst/>
+          </a:prstGeom>
+          <a:noFill/>
+        </p:spPr>
+        <p:txBody>
+          <a:bodyPr wrap="square">
+            <a:spAutoFit/>
+          </a:bodyPr>
+          <a:lstStyle/>
+          <a:p>
+            <a:pPr>
+              <a:spcAft>
+                <a:spcPts val="600"/>
+              </a:spcAft>
+              <a:defRPr sz="1400">
+                <a:solidFill>
+                  <a:srgbClr val="B0B8C8"/>
+                </a:solidFill>
+              </a:defRPr>
+            </a:pPr>
+            <a:r>
+              <a:t>1. RSVP: embedded vs relational → chose relational</a:t>
+            </a:r>
+          </a:p>
+          <a:p>
+            <a:pPr>
+              <a:spcAft>
+                <a:spcPts val="600"/>
+              </a:spcAft>
+              <a:defRPr sz="1400">
+                <a:solidFill>
+                  <a:srgbClr val="B0B8C8"/>
+                </a:solidFill>
+              </a:defRPr>
+            </a:pPr>
+            <a:r>
+              <a:t>2. Rate limiting: in-memory vs Redis → in-memory</a:t>
+            </a:r>
+          </a:p>
+          <a:p>
+            <a:pPr>
+              <a:spcAft>
+                <a:spcPts val="600"/>
+              </a:spcAft>
+              <a:defRPr sz="1400">
+                <a:solidFill>
+                  <a:srgbClr val="B0B8C8"/>
+                </a:solidFill>
+              </a:defRPr>
+            </a:pPr>
+            <a:r>
+              <a:t>3. ETag: manual vs library → manual (RFC 7232)</a:t>
+            </a:r>
+          </a:p>
+          <a:p>
+            <a:pPr>
+              <a:spcAft>
+                <a:spcPts val="600"/>
+              </a:spcAft>
+              <a:defRPr sz="1400">
+                <a:solidFill>
+                  <a:srgbClr val="B0B8C8"/>
+                </a:solidFill>
+              </a:defRPr>
+            </a:pPr>
+            <a:r>
+              <a:t>4. Middleware order: security-first pipeline</a:t>
+            </a:r>
+          </a:p>
+        </p:txBody>
+      </p:sp>
+      <p:sp>
+        <p:nvSpPr>
+          <p:cNvPr id="15" name="TextBox 14"/>
+          <p:cNvSpPr txBox="1"/>
+          <p:nvPr/>
+        </p:nvSpPr>
+        <p:spPr>
+          <a:xfrm>
+            <a:off x="6400800" y="1371600"/>
+            <a:ext cx="5029200" cy="365760"/>
+          </a:xfrm>
+          <a:prstGeom prst="rect">
+            <a:avLst/>
+          </a:prstGeom>
+          <a:noFill/>
+        </p:spPr>
+        <p:txBody>
+          <a:bodyPr wrap="square">
+            <a:spAutoFit/>
+          </a:bodyPr>
+          <a:lstStyle/>
+          <a:p>
+            <a:pPr algn="l">
+              <a:defRPr sz="2400" b="1">
+                <a:solidFill>
+                  <a:srgbClr val="E74C3C"/>
+                </a:solidFill>
+              </a:defRPr>
+            </a:pPr>
+            <a:r>
+              <a:t>Failures &amp; Lessons</a:t>
+            </a:r>
+          </a:p>
+        </p:txBody>
+      </p:sp>
+      <p:sp>
+        <p:nvSpPr>
+          <p:cNvPr id="16" name="TextBox 15"/>
+          <p:cNvSpPr txBox="1"/>
+          <p:nvPr/>
+        </p:nvSpPr>
+        <p:spPr>
+          <a:xfrm>
+            <a:off x="6400800" y="1828800"/>
+            <a:ext cx="5029200" cy="4572000"/>
+          </a:xfrm>
+          <a:prstGeom prst="rect">
+            <a:avLst/>
+          </a:prstGeom>
+          <a:noFill/>
+        </p:spPr>
+        <p:txBody>
+          <a:bodyPr wrap="square">
+            <a:spAutoFit/>
+          </a:bodyPr>
+          <a:lstStyle/>
+          <a:p>
+            <a:pPr>
+              <a:spcAft>
+                <a:spcPts val="600"/>
+              </a:spcAft>
+              <a:defRPr sz="1400">
+                <a:solidFill>
+                  <a:srgbClr val="B0B8C8"/>
+                </a:solidFill>
+              </a:defRPr>
+            </a:pPr>
+            <a:r>
+              <a:t>❌ Missing `requests` → ModuleNotFoundError</a:t>
+            </a:r>
+          </a:p>
+          <a:p>
+            <a:pPr>
+              <a:spcAft>
+                <a:spcPts val="600"/>
+              </a:spcAft>
+              <a:defRPr sz="1400">
+                <a:solidFill>
+                  <a:srgbClr val="B0B8C8"/>
+                </a:solidFill>
+              </a:defRPr>
+            </a:pPr>
+            <a:r>
+              <a:t>   → Added to requirements.txt</a:t>
+            </a:r>
+          </a:p>
+          <a:p>
+            <a:pPr>
+              <a:spcAft>
+                <a:spcPts val="600"/>
+              </a:spcAft>
+              <a:defRPr sz="1400">
+                <a:solidFill>
+                  <a:srgbClr val="B0B8C8"/>
+                </a:solidFill>
+              </a:defRPr>
+            </a:pPr>
+          </a:p>
+          <a:p>
+            <a:pPr>
+              <a:spcAft>
+                <a:spcPts val="600"/>
+              </a:spcAft>
+              <a:defRPr sz="1400">
+                <a:solidFill>
+                  <a:srgbClr val="B0B8C8"/>
+                </a:solidFill>
+              </a:defRPr>
+            </a:pPr>
+            <a:r>
+              <a:t>❌ Placeholder test with `pass`</a:t>
+            </a:r>
+          </a:p>
+          <a:p>
+            <a:pPr>
+              <a:spcAft>
+                <a:spcPts val="600"/>
+              </a:spcAft>
+              <a:defRPr sz="1400">
+                <a:solidFill>
+                  <a:srgbClr val="B0B8C8"/>
+                </a:solidFill>
+              </a:defRPr>
+            </a:pPr>
+            <a:r>
+              <a:t>   → False coverage; replaced with real assertions</a:t>
+            </a:r>
+          </a:p>
+          <a:p>
+            <a:pPr>
+              <a:spcAft>
+                <a:spcPts val="600"/>
+              </a:spcAft>
+              <a:defRPr sz="1400">
+                <a:solidFill>
+                  <a:srgbClr val="B0B8C8"/>
+                </a:solidFill>
+              </a:defRPr>
+            </a:pPr>
+          </a:p>
+          <a:p>
+            <a:pPr>
+              <a:spcAft>
+                <a:spcPts val="600"/>
+              </a:spcAft>
+              <a:defRPr sz="1400">
+                <a:solidFill>
+                  <a:srgbClr val="B0B8C8"/>
+                </a:solidFill>
+              </a:defRPr>
+            </a:pPr>
+            <a:r>
+              <a:t>❌ Deprecated Query(regex=...)</a:t>
+            </a:r>
+          </a:p>
+          <a:p>
+            <a:pPr>
+              <a:spcAft>
+                <a:spcPts val="600"/>
+              </a:spcAft>
+              <a:defRPr sz="1400">
+                <a:solidFill>
+                  <a:srgbClr val="B0B8C8"/>
+                </a:solidFill>
+              </a:defRPr>
+            </a:pPr>
+            <a:r>
+              <a:t>   → Updated to modern Pydantic validation</a:t>
+            </a:r>
+          </a:p>
+          <a:p>
+            <a:pPr>
+              <a:spcAft>
+                <a:spcPts val="600"/>
+              </a:spcAft>
+              <a:defRPr sz="1400">
+                <a:solidFill>
+                  <a:srgbClr val="B0B8C8"/>
+                </a:solidFill>
+              </a:defRPr>
+            </a:pPr>
+          </a:p>
+          <a:p>
+            <a:pPr>
+              <a:spcAft>
+                <a:spcPts val="600"/>
+              </a:spcAft>
+              <a:defRPr sz="1400">
+                <a:solidFill>
+                  <a:srgbClr val="B0B8C8"/>
+                </a:solidFill>
+              </a:defRPr>
+            </a:pPr>
+            <a:r>
+              <a:t>❌ Headers missing from 429 responses</a:t>
+            </a:r>
+          </a:p>
+          <a:p>
+            <a:pPr>
+              <a:spcAft>
+                <a:spcPts val="600"/>
+              </a:spcAft>
+              <a:defRPr sz="1400">
+                <a:solidFill>
+                  <a:srgbClr val="B0B8C8"/>
+                </a:solidFill>
+              </a:defRPr>
+            </a:pPr>
+            <a:r>
+              <a:t>   → Fixed middleware to apply headers to ALL paths</a:t>
+            </a:r>
+          </a:p>
+          <a:p>
+            <a:pPr>
+              <a:spcAft>
+                <a:spcPts val="600"/>
+              </a:spcAft>
+              <a:defRPr sz="1400">
+                <a:solidFill>
+                  <a:srgbClr val="B0B8C8"/>
+                </a:solidFill>
+              </a:defRPr>
+            </a:pPr>
+          </a:p>
+          <a:p>
+            <a:pPr>
+              <a:spcAft>
+                <a:spcPts val="600"/>
+              </a:spcAft>
+              <a:defRPr sz="1400">
+                <a:solidFill>
+                  <a:srgbClr val="B0B8C8"/>
+                </a:solidFill>
+              </a:defRPr>
+            </a:pPr>
+            <a:r>
+              <a:t>Full logs: docs/GENAI_EXPORT_LOGS.pdf</a:t>
             </a:r>
           </a:p>
         </p:txBody>
@@ -3247,6 +4166,14 @@
 <file path=ppt/slides/slide11.xml><?xml version="1.0" encoding="utf-8"?>
 <p:sld xmlns:a="http://schemas.openxmlformats.org/drawingml/2006/main" xmlns:p="http://schemas.openxmlformats.org/presentationml/2006/main" xmlns:r="http://schemas.openxmlformats.org/officeDocument/2006/relationships">
   <p:cSld>
+    <p:bg>
+      <p:bgPr>
+        <a:solidFill>
+          <a:srgbClr val="0F172A"/>
+        </a:solidFill>
+        <a:effectLst/>
+      </p:bgPr>
+    </p:bg>
     <p:spTree>
       <p:nvGrpSpPr>
         <p:cNvPr id="1" name=""/>
@@ -3256,150 +4183,931 @@
       <p:grpSpPr/>
       <p:sp>
         <p:nvSpPr>
-          <p:cNvPr id="2" name="Title 1"/>
-          <p:cNvSpPr>
-            <a:spLocks noGrp="1"/>
-          </p:cNvSpPr>
-          <p:nvPr>
-            <p:ph type="title"/>
-          </p:nvPr>
-        </p:nvSpPr>
-        <p:spPr/>
-        <p:txBody>
-          <a:bodyPr/>
-          <a:lstStyle/>
-          <a:p>
-            <a:r>
-              <a:t>Generative AI Usage</a:t>
-            </a:r>
-          </a:p>
-        </p:txBody>
-      </p:sp>
-      <p:sp>
-        <p:nvSpPr>
-          <p:cNvPr id="3" name="Content Placeholder 2"/>
-          <p:cNvSpPr>
-            <a:spLocks noGrp="1"/>
-          </p:cNvSpPr>
-          <p:nvPr>
-            <p:ph idx="1"/>
-          </p:nvPr>
-        </p:nvSpPr>
-        <p:spPr/>
-        <p:txBody>
-          <a:bodyPr/>
-          <a:lstStyle/>
-          <a:p>
-            <a:r>
-              <a:t>Primary Tool: Google Gemini (Antigravity) for coding</a:t>
-            </a:r>
-          </a:p>
-          <a:p>
-            <a:pPr/>
-            <a:r>
-              <a:t>Secondary: ChatGPT for feedback interpretation</a:t>
-            </a:r>
-          </a:p>
-          <a:p>
-            <a:pPr/>
-            <a:r>
-              <a:t>Usage: Architecture planning, scaffolding, debugging</a:t>
-            </a:r>
-          </a:p>
-          <a:p>
-            <a:pPr/>
-            <a:r>
-              <a:t>Critical Evaluation: Explored alternatives (JWT vs sessions)</a:t>
-            </a:r>
-          </a:p>
-          <a:p>
-            <a:pPr/>
-            <a:r>
-              <a:t>Full logs attached in docs/appendix_genai_logs.md</a:t>
-            </a:r>
-          </a:p>
-        </p:txBody>
-      </p:sp>
-    </p:spTree>
-  </p:cSld>
-  <p:clrMapOvr>
-    <a:masterClrMapping/>
-  </p:clrMapOvr>
-</p:sld>
-</file>
-
-<file path=ppt/slides/slide12.xml><?xml version="1.0" encoding="utf-8"?>
-<p:sld xmlns:a="http://schemas.openxmlformats.org/drawingml/2006/main" xmlns:p="http://schemas.openxmlformats.org/presentationml/2006/main" xmlns:r="http://schemas.openxmlformats.org/officeDocument/2006/relationships">
-  <p:cSld>
-    <p:spTree>
-      <p:nvGrpSpPr>
-        <p:cNvPr id="1" name=""/>
-        <p:cNvGrpSpPr/>
-        <p:nvPr/>
-      </p:nvGrpSpPr>
-      <p:grpSpPr/>
-      <p:sp>
-        <p:nvSpPr>
-          <p:cNvPr id="2" name="Title 1"/>
-          <p:cNvSpPr>
-            <a:spLocks noGrp="1"/>
-          </p:cNvSpPr>
-          <p:nvPr>
-            <p:ph type="title"/>
-          </p:nvPr>
-        </p:nvSpPr>
-        <p:spPr/>
-        <p:txBody>
-          <a:bodyPr/>
-          <a:lstStyle/>
-          <a:p>
-            <a:r>
-              <a:t>Limitations &amp; Future Work</a:t>
-            </a:r>
-          </a:p>
-        </p:txBody>
-      </p:sp>
-      <p:sp>
-        <p:nvSpPr>
-          <p:cNvPr id="3" name="Content Placeholder 2"/>
-          <p:cNvSpPr>
-            <a:spLocks noGrp="1"/>
-          </p:cNvSpPr>
-          <p:nvPr>
-            <p:ph idx="1"/>
-          </p:nvPr>
-        </p:nvSpPr>
-        <p:spPr/>
-        <p:txBody>
-          <a:bodyPr/>
-          <a:lstStyle/>
-          <a:p>
-            <a:r>
-              <a:t>Current: Single-tenant (no role-based access)</a:t>
-            </a:r>
-          </a:p>
-          <a:p>
-            <a:pPr/>
-            <a:r>
-              <a:t>Current: No email verification, 30-min token expiry</a:t>
-            </a:r>
-          </a:p>
-          <a:p>
-            <a:pPr/>
-            <a:r>
-              <a:t>Future: PostgreSQL for production scalability</a:t>
-            </a:r>
-          </a:p>
-          <a:p>
-            <a:pPr/>
-            <a:r>
-              <a:t>Future: Role-based permissions (admin vs user)</a:t>
-            </a:r>
-          </a:p>
-          <a:p>
-            <a:pPr/>
-            <a:r>
-              <a:t>Future: Capacity enforcement &amp; email notifications</a:t>
+          <p:cNvPr id="2" name="TextBox 1"/>
+          <p:cNvSpPr txBox="1"/>
+          <p:nvPr/>
+        </p:nvSpPr>
+        <p:spPr>
+          <a:xfrm>
+            <a:off x="731520" y="274320"/>
+            <a:ext cx="10058400" cy="731520"/>
+          </a:xfrm>
+          <a:prstGeom prst="rect">
+            <a:avLst/>
+          </a:prstGeom>
+          <a:noFill/>
+        </p:spPr>
+        <p:txBody>
+          <a:bodyPr wrap="square">
+            <a:spAutoFit/>
+          </a:bodyPr>
+          <a:lstStyle/>
+          <a:p>
+            <a:pPr algn="l">
+              <a:defRPr sz="4000" b="1">
+                <a:solidFill>
+                  <a:srgbClr val="00B4D8"/>
+                </a:solidFill>
+              </a:defRPr>
+            </a:pPr>
+            <a:r>
+              <a:t>Summary</a:t>
+            </a:r>
+          </a:p>
+        </p:txBody>
+      </p:sp>
+      <p:sp>
+        <p:nvSpPr>
+          <p:cNvPr id="3" name="Rectangle 2"/>
+          <p:cNvSpPr/>
+          <p:nvPr/>
+        </p:nvSpPr>
+        <p:spPr>
+          <a:xfrm>
+            <a:off x="731520" y="914400"/>
+            <a:ext cx="2743200" cy="45720"/>
+          </a:xfrm>
+          <a:prstGeom prst="rect">
+            <a:avLst/>
+          </a:prstGeom>
+          <a:solidFill>
+            <a:srgbClr val="00B4D8"/>
+          </a:solidFill>
+          <a:ln>
+            <a:noFill/>
+          </a:ln>
+        </p:spPr>
+        <p:style>
+          <a:lnRef idx="1">
+            <a:schemeClr val="accent1"/>
+          </a:lnRef>
+          <a:fillRef idx="3">
+            <a:schemeClr val="accent1"/>
+          </a:fillRef>
+          <a:effectRef idx="2">
+            <a:schemeClr val="accent1"/>
+          </a:effectRef>
+          <a:fontRef idx="minor">
+            <a:schemeClr val="lt1"/>
+          </a:fontRef>
+        </p:style>
+        <p:txBody>
+          <a:bodyPr rtlCol="0" anchor="ctr"/>
+          <a:lstStyle/>
+          <a:p>
+            <a:pPr algn="ctr"/>
+          </a:p>
+        </p:txBody>
+      </p:sp>
+      <p:sp>
+        <p:nvSpPr>
+          <p:cNvPr id="4" name="Rounded Rectangle 3"/>
+          <p:cNvSpPr/>
+          <p:nvPr/>
+        </p:nvSpPr>
+        <p:spPr>
+          <a:xfrm>
+            <a:off x="731520" y="1371600"/>
+            <a:ext cx="1645920" cy="1371600"/>
+          </a:xfrm>
+          <a:prstGeom prst="roundRect">
+            <a:avLst/>
+          </a:prstGeom>
+          <a:solidFill>
+            <a:srgbClr val="1A253C"/>
+          </a:solidFill>
+          <a:ln>
+            <a:noFill/>
+          </a:ln>
+        </p:spPr>
+        <p:style>
+          <a:lnRef idx="1">
+            <a:schemeClr val="accent1"/>
+          </a:lnRef>
+          <a:fillRef idx="3">
+            <a:schemeClr val="accent1"/>
+          </a:fillRef>
+          <a:effectRef idx="2">
+            <a:schemeClr val="accent1"/>
+          </a:effectRef>
+          <a:fontRef idx="minor">
+            <a:schemeClr val="lt1"/>
+          </a:fontRef>
+        </p:style>
+        <p:txBody>
+          <a:bodyPr rtlCol="0" anchor="ctr"/>
+          <a:lstStyle/>
+          <a:p>
+            <a:pPr algn="ctr"/>
+          </a:p>
+        </p:txBody>
+      </p:sp>
+      <p:sp>
+        <p:nvSpPr>
+          <p:cNvPr id="5" name="TextBox 4"/>
+          <p:cNvSpPr txBox="1"/>
+          <p:nvPr/>
+        </p:nvSpPr>
+        <p:spPr>
+          <a:xfrm>
+            <a:off x="822960" y="1463040"/>
+            <a:ext cx="1463040" cy="640080"/>
+          </a:xfrm>
+          <a:prstGeom prst="rect">
+            <a:avLst/>
+          </a:prstGeom>
+          <a:noFill/>
+        </p:spPr>
+        <p:txBody>
+          <a:bodyPr wrap="square">
+            <a:spAutoFit/>
+          </a:bodyPr>
+          <a:lstStyle/>
+          <a:p>
+            <a:pPr algn="ctr">
+              <a:defRPr sz="3600" b="1">
+                <a:solidFill>
+                  <a:srgbClr val="2ECC71"/>
+                </a:solidFill>
+              </a:defRPr>
+            </a:pPr>
+            <a:r>
+              <a:t>21</a:t>
+            </a:r>
+          </a:p>
+        </p:txBody>
+      </p:sp>
+      <p:sp>
+        <p:nvSpPr>
+          <p:cNvPr id="6" name="TextBox 5"/>
+          <p:cNvSpPr txBox="1"/>
+          <p:nvPr/>
+        </p:nvSpPr>
+        <p:spPr>
+          <a:xfrm>
+            <a:off x="822960" y="2103120"/>
+            <a:ext cx="1463040" cy="365760"/>
+          </a:xfrm>
+          <a:prstGeom prst="rect">
+            <a:avLst/>
+          </a:prstGeom>
+          <a:noFill/>
+        </p:spPr>
+        <p:txBody>
+          <a:bodyPr wrap="square">
+            <a:spAutoFit/>
+          </a:bodyPr>
+          <a:lstStyle/>
+          <a:p>
+            <a:pPr algn="ctr">
+              <a:defRPr sz="1400" b="0">
+                <a:solidFill>
+                  <a:srgbClr val="B0B8C8"/>
+                </a:solidFill>
+              </a:defRPr>
+            </a:pPr>
+            <a:r>
+              <a:t>API Endpoints</a:t>
+            </a:r>
+          </a:p>
+        </p:txBody>
+      </p:sp>
+      <p:sp>
+        <p:nvSpPr>
+          <p:cNvPr id="7" name="Rounded Rectangle 6"/>
+          <p:cNvSpPr/>
+          <p:nvPr/>
+        </p:nvSpPr>
+        <p:spPr>
+          <a:xfrm>
+            <a:off x="2560320" y="1371600"/>
+            <a:ext cx="1645920" cy="1371600"/>
+          </a:xfrm>
+          <a:prstGeom prst="roundRect">
+            <a:avLst/>
+          </a:prstGeom>
+          <a:solidFill>
+            <a:srgbClr val="1A253C"/>
+          </a:solidFill>
+          <a:ln>
+            <a:noFill/>
+          </a:ln>
+        </p:spPr>
+        <p:style>
+          <a:lnRef idx="1">
+            <a:schemeClr val="accent1"/>
+          </a:lnRef>
+          <a:fillRef idx="3">
+            <a:schemeClr val="accent1"/>
+          </a:fillRef>
+          <a:effectRef idx="2">
+            <a:schemeClr val="accent1"/>
+          </a:effectRef>
+          <a:fontRef idx="minor">
+            <a:schemeClr val="lt1"/>
+          </a:fontRef>
+        </p:style>
+        <p:txBody>
+          <a:bodyPr rtlCol="0" anchor="ctr"/>
+          <a:lstStyle/>
+          <a:p>
+            <a:pPr algn="ctr"/>
+          </a:p>
+        </p:txBody>
+      </p:sp>
+      <p:sp>
+        <p:nvSpPr>
+          <p:cNvPr id="8" name="TextBox 7"/>
+          <p:cNvSpPr txBox="1"/>
+          <p:nvPr/>
+        </p:nvSpPr>
+        <p:spPr>
+          <a:xfrm>
+            <a:off x="2651760" y="1463040"/>
+            <a:ext cx="1463040" cy="640080"/>
+          </a:xfrm>
+          <a:prstGeom prst="rect">
+            <a:avLst/>
+          </a:prstGeom>
+          <a:noFill/>
+        </p:spPr>
+        <p:txBody>
+          <a:bodyPr wrap="square">
+            <a:spAutoFit/>
+          </a:bodyPr>
+          <a:lstStyle/>
+          <a:p>
+            <a:pPr algn="ctr">
+              <a:defRPr sz="3600" b="1">
+                <a:solidFill>
+                  <a:srgbClr val="2ECC71"/>
+                </a:solidFill>
+              </a:defRPr>
+            </a:pPr>
+            <a:r>
+              <a:t>41</a:t>
+            </a:r>
+          </a:p>
+        </p:txBody>
+      </p:sp>
+      <p:sp>
+        <p:nvSpPr>
+          <p:cNvPr id="9" name="TextBox 8"/>
+          <p:cNvSpPr txBox="1"/>
+          <p:nvPr/>
+        </p:nvSpPr>
+        <p:spPr>
+          <a:xfrm>
+            <a:off x="2651760" y="2103120"/>
+            <a:ext cx="1463040" cy="365760"/>
+          </a:xfrm>
+          <a:prstGeom prst="rect">
+            <a:avLst/>
+          </a:prstGeom>
+          <a:noFill/>
+        </p:spPr>
+        <p:txBody>
+          <a:bodyPr wrap="square">
+            <a:spAutoFit/>
+          </a:bodyPr>
+          <a:lstStyle/>
+          <a:p>
+            <a:pPr algn="ctr">
+              <a:defRPr sz="1400" b="0">
+                <a:solidFill>
+                  <a:srgbClr val="B0B8C8"/>
+                </a:solidFill>
+              </a:defRPr>
+            </a:pPr>
+            <a:r>
+              <a:t>Tests Passing</a:t>
+            </a:r>
+          </a:p>
+        </p:txBody>
+      </p:sp>
+      <p:sp>
+        <p:nvSpPr>
+          <p:cNvPr id="10" name="Rounded Rectangle 9"/>
+          <p:cNvSpPr/>
+          <p:nvPr/>
+        </p:nvSpPr>
+        <p:spPr>
+          <a:xfrm>
+            <a:off x="4389120" y="1371600"/>
+            <a:ext cx="1645920" cy="1371600"/>
+          </a:xfrm>
+          <a:prstGeom prst="roundRect">
+            <a:avLst/>
+          </a:prstGeom>
+          <a:solidFill>
+            <a:srgbClr val="1A253C"/>
+          </a:solidFill>
+          <a:ln>
+            <a:noFill/>
+          </a:ln>
+        </p:spPr>
+        <p:style>
+          <a:lnRef idx="1">
+            <a:schemeClr val="accent1"/>
+          </a:lnRef>
+          <a:fillRef idx="3">
+            <a:schemeClr val="accent1"/>
+          </a:fillRef>
+          <a:effectRef idx="2">
+            <a:schemeClr val="accent1"/>
+          </a:effectRef>
+          <a:fontRef idx="minor">
+            <a:schemeClr val="lt1"/>
+          </a:fontRef>
+        </p:style>
+        <p:txBody>
+          <a:bodyPr rtlCol="0" anchor="ctr"/>
+          <a:lstStyle/>
+          <a:p>
+            <a:pPr algn="ctr"/>
+          </a:p>
+        </p:txBody>
+      </p:sp>
+      <p:sp>
+        <p:nvSpPr>
+          <p:cNvPr id="11" name="TextBox 10"/>
+          <p:cNvSpPr txBox="1"/>
+          <p:nvPr/>
+        </p:nvSpPr>
+        <p:spPr>
+          <a:xfrm>
+            <a:off x="4480559" y="1463040"/>
+            <a:ext cx="1463040" cy="640080"/>
+          </a:xfrm>
+          <a:prstGeom prst="rect">
+            <a:avLst/>
+          </a:prstGeom>
+          <a:noFill/>
+        </p:spPr>
+        <p:txBody>
+          <a:bodyPr wrap="square">
+            <a:spAutoFit/>
+          </a:bodyPr>
+          <a:lstStyle/>
+          <a:p>
+            <a:pPr algn="ctr">
+              <a:defRPr sz="3600" b="1">
+                <a:solidFill>
+                  <a:srgbClr val="2ECC71"/>
+                </a:solidFill>
+              </a:defRPr>
+            </a:pPr>
+            <a:r>
+              <a:t>126+</a:t>
+            </a:r>
+          </a:p>
+        </p:txBody>
+      </p:sp>
+      <p:sp>
+        <p:nvSpPr>
+          <p:cNvPr id="12" name="TextBox 11"/>
+          <p:cNvSpPr txBox="1"/>
+          <p:nvPr/>
+        </p:nvSpPr>
+        <p:spPr>
+          <a:xfrm>
+            <a:off x="4480559" y="2103120"/>
+            <a:ext cx="1463040" cy="365760"/>
+          </a:xfrm>
+          <a:prstGeom prst="rect">
+            <a:avLst/>
+          </a:prstGeom>
+          <a:noFill/>
+        </p:spPr>
+        <p:txBody>
+          <a:bodyPr wrap="square">
+            <a:spAutoFit/>
+          </a:bodyPr>
+          <a:lstStyle/>
+          <a:p>
+            <a:pPr algn="ctr">
+              <a:defRPr sz="1400" b="0">
+                <a:solidFill>
+                  <a:srgbClr val="B0B8C8"/>
+                </a:solidFill>
+              </a:defRPr>
+            </a:pPr>
+            <a:r>
+              <a:t>Commits</a:t>
+            </a:r>
+          </a:p>
+        </p:txBody>
+      </p:sp>
+      <p:sp>
+        <p:nvSpPr>
+          <p:cNvPr id="13" name="Rounded Rectangle 12"/>
+          <p:cNvSpPr/>
+          <p:nvPr/>
+        </p:nvSpPr>
+        <p:spPr>
+          <a:xfrm>
+            <a:off x="6217920" y="1371600"/>
+            <a:ext cx="1645920" cy="1371600"/>
+          </a:xfrm>
+          <a:prstGeom prst="roundRect">
+            <a:avLst/>
+          </a:prstGeom>
+          <a:solidFill>
+            <a:srgbClr val="1A253C"/>
+          </a:solidFill>
+          <a:ln>
+            <a:noFill/>
+          </a:ln>
+        </p:spPr>
+        <p:style>
+          <a:lnRef idx="1">
+            <a:schemeClr val="accent1"/>
+          </a:lnRef>
+          <a:fillRef idx="3">
+            <a:schemeClr val="accent1"/>
+          </a:fillRef>
+          <a:effectRef idx="2">
+            <a:schemeClr val="accent1"/>
+          </a:effectRef>
+          <a:fontRef idx="minor">
+            <a:schemeClr val="lt1"/>
+          </a:fontRef>
+        </p:style>
+        <p:txBody>
+          <a:bodyPr rtlCol="0" anchor="ctr"/>
+          <a:lstStyle/>
+          <a:p>
+            <a:pPr algn="ctr"/>
+          </a:p>
+        </p:txBody>
+      </p:sp>
+      <p:sp>
+        <p:nvSpPr>
+          <p:cNvPr id="14" name="TextBox 13"/>
+          <p:cNvSpPr txBox="1"/>
+          <p:nvPr/>
+        </p:nvSpPr>
+        <p:spPr>
+          <a:xfrm>
+            <a:off x="6309359" y="1463040"/>
+            <a:ext cx="1463040" cy="640080"/>
+          </a:xfrm>
+          <a:prstGeom prst="rect">
+            <a:avLst/>
+          </a:prstGeom>
+          <a:noFill/>
+        </p:spPr>
+        <p:txBody>
+          <a:bodyPr wrap="square">
+            <a:spAutoFit/>
+          </a:bodyPr>
+          <a:lstStyle/>
+          <a:p>
+            <a:pPr algn="ctr">
+              <a:defRPr sz="3600" b="1">
+                <a:solidFill>
+                  <a:srgbClr val="2ECC71"/>
+                </a:solidFill>
+              </a:defRPr>
+            </a:pPr>
+            <a:r>
+              <a:t>7</a:t>
+            </a:r>
+          </a:p>
+        </p:txBody>
+      </p:sp>
+      <p:sp>
+        <p:nvSpPr>
+          <p:cNvPr id="15" name="TextBox 14"/>
+          <p:cNvSpPr txBox="1"/>
+          <p:nvPr/>
+        </p:nvSpPr>
+        <p:spPr>
+          <a:xfrm>
+            <a:off x="6309359" y="2103120"/>
+            <a:ext cx="1463040" cy="365760"/>
+          </a:xfrm>
+          <a:prstGeom prst="rect">
+            <a:avLst/>
+          </a:prstGeom>
+          <a:noFill/>
+        </p:spPr>
+        <p:txBody>
+          <a:bodyPr wrap="square">
+            <a:spAutoFit/>
+          </a:bodyPr>
+          <a:lstStyle/>
+          <a:p>
+            <a:pPr algn="ctr">
+              <a:defRPr sz="1400" b="0">
+                <a:solidFill>
+                  <a:srgbClr val="B0B8C8"/>
+                </a:solidFill>
+              </a:defRPr>
+            </a:pPr>
+            <a:r>
+              <a:t>Security Headers</a:t>
+            </a:r>
+          </a:p>
+        </p:txBody>
+      </p:sp>
+      <p:sp>
+        <p:nvSpPr>
+          <p:cNvPr id="16" name="Rounded Rectangle 15"/>
+          <p:cNvSpPr/>
+          <p:nvPr/>
+        </p:nvSpPr>
+        <p:spPr>
+          <a:xfrm>
+            <a:off x="8046720" y="1371600"/>
+            <a:ext cx="1645920" cy="1371600"/>
+          </a:xfrm>
+          <a:prstGeom prst="roundRect">
+            <a:avLst/>
+          </a:prstGeom>
+          <a:solidFill>
+            <a:srgbClr val="1A253C"/>
+          </a:solidFill>
+          <a:ln>
+            <a:noFill/>
+          </a:ln>
+        </p:spPr>
+        <p:style>
+          <a:lnRef idx="1">
+            <a:schemeClr val="accent1"/>
+          </a:lnRef>
+          <a:fillRef idx="3">
+            <a:schemeClr val="accent1"/>
+          </a:fillRef>
+          <a:effectRef idx="2">
+            <a:schemeClr val="accent1"/>
+          </a:effectRef>
+          <a:fontRef idx="minor">
+            <a:schemeClr val="lt1"/>
+          </a:fontRef>
+        </p:style>
+        <p:txBody>
+          <a:bodyPr rtlCol="0" anchor="ctr"/>
+          <a:lstStyle/>
+          <a:p>
+            <a:pPr algn="ctr"/>
+          </a:p>
+        </p:txBody>
+      </p:sp>
+      <p:sp>
+        <p:nvSpPr>
+          <p:cNvPr id="17" name="TextBox 16"/>
+          <p:cNvSpPr txBox="1"/>
+          <p:nvPr/>
+        </p:nvSpPr>
+        <p:spPr>
+          <a:xfrm>
+            <a:off x="8138160" y="1463040"/>
+            <a:ext cx="1463040" cy="640080"/>
+          </a:xfrm>
+          <a:prstGeom prst="rect">
+            <a:avLst/>
+          </a:prstGeom>
+          <a:noFill/>
+        </p:spPr>
+        <p:txBody>
+          <a:bodyPr wrap="square">
+            <a:spAutoFit/>
+          </a:bodyPr>
+          <a:lstStyle/>
+          <a:p>
+            <a:pPr algn="ctr">
+              <a:defRPr sz="3600" b="1">
+                <a:solidFill>
+                  <a:srgbClr val="2ECC71"/>
+                </a:solidFill>
+              </a:defRPr>
+            </a:pPr>
+            <a:r>
+              <a:t>3</a:t>
+            </a:r>
+          </a:p>
+        </p:txBody>
+      </p:sp>
+      <p:sp>
+        <p:nvSpPr>
+          <p:cNvPr id="18" name="TextBox 17"/>
+          <p:cNvSpPr txBox="1"/>
+          <p:nvPr/>
+        </p:nvSpPr>
+        <p:spPr>
+          <a:xfrm>
+            <a:off x="8138160" y="2103120"/>
+            <a:ext cx="1463040" cy="365760"/>
+          </a:xfrm>
+          <a:prstGeom prst="rect">
+            <a:avLst/>
+          </a:prstGeom>
+          <a:noFill/>
+        </p:spPr>
+        <p:txBody>
+          <a:bodyPr wrap="square">
+            <a:spAutoFit/>
+          </a:bodyPr>
+          <a:lstStyle/>
+          <a:p>
+            <a:pPr algn="ctr">
+              <a:defRPr sz="1400" b="0">
+                <a:solidFill>
+                  <a:srgbClr val="B0B8C8"/>
+                </a:solidFill>
+              </a:defRPr>
+            </a:pPr>
+            <a:r>
+              <a:t>Data Models</a:t>
+            </a:r>
+          </a:p>
+        </p:txBody>
+      </p:sp>
+      <p:sp>
+        <p:nvSpPr>
+          <p:cNvPr id="19" name="Rounded Rectangle 18"/>
+          <p:cNvSpPr/>
+          <p:nvPr/>
+        </p:nvSpPr>
+        <p:spPr>
+          <a:xfrm>
+            <a:off x="9875520" y="1371600"/>
+            <a:ext cx="1645920" cy="1371600"/>
+          </a:xfrm>
+          <a:prstGeom prst="roundRect">
+            <a:avLst/>
+          </a:prstGeom>
+          <a:solidFill>
+            <a:srgbClr val="1A253C"/>
+          </a:solidFill>
+          <a:ln>
+            <a:noFill/>
+          </a:ln>
+        </p:spPr>
+        <p:style>
+          <a:lnRef idx="1">
+            <a:schemeClr val="accent1"/>
+          </a:lnRef>
+          <a:fillRef idx="3">
+            <a:schemeClr val="accent1"/>
+          </a:fillRef>
+          <a:effectRef idx="2">
+            <a:schemeClr val="accent1"/>
+          </a:effectRef>
+          <a:fontRef idx="minor">
+            <a:schemeClr val="lt1"/>
+          </a:fontRef>
+        </p:style>
+        <p:txBody>
+          <a:bodyPr rtlCol="0" anchor="ctr"/>
+          <a:lstStyle/>
+          <a:p>
+            <a:pPr algn="ctr"/>
+          </a:p>
+        </p:txBody>
+      </p:sp>
+      <p:sp>
+        <p:nvSpPr>
+          <p:cNvPr id="20" name="TextBox 19"/>
+          <p:cNvSpPr txBox="1"/>
+          <p:nvPr/>
+        </p:nvSpPr>
+        <p:spPr>
+          <a:xfrm>
+            <a:off x="9966960" y="1463040"/>
+            <a:ext cx="1463040" cy="640080"/>
+          </a:xfrm>
+          <a:prstGeom prst="rect">
+            <a:avLst/>
+          </a:prstGeom>
+          <a:noFill/>
+        </p:spPr>
+        <p:txBody>
+          <a:bodyPr wrap="square">
+            <a:spAutoFit/>
+          </a:bodyPr>
+          <a:lstStyle/>
+          <a:p>
+            <a:pPr algn="ctr">
+              <a:defRPr sz="3600" b="1">
+                <a:solidFill>
+                  <a:srgbClr val="2ECC71"/>
+                </a:solidFill>
+              </a:defRPr>
+            </a:pPr>
+            <a:r>
+              <a:t>3</a:t>
+            </a:r>
+          </a:p>
+        </p:txBody>
+      </p:sp>
+      <p:sp>
+        <p:nvSpPr>
+          <p:cNvPr id="21" name="TextBox 20"/>
+          <p:cNvSpPr txBox="1"/>
+          <p:nvPr/>
+        </p:nvSpPr>
+        <p:spPr>
+          <a:xfrm>
+            <a:off x="9966960" y="2103120"/>
+            <a:ext cx="1463040" cy="365760"/>
+          </a:xfrm>
+          <a:prstGeom prst="rect">
+            <a:avLst/>
+          </a:prstGeom>
+          <a:noFill/>
+        </p:spPr>
+        <p:txBody>
+          <a:bodyPr wrap="square">
+            <a:spAutoFit/>
+          </a:bodyPr>
+          <a:lstStyle/>
+          <a:p>
+            <a:pPr algn="ctr">
+              <a:defRPr sz="1400" b="0">
+                <a:solidFill>
+                  <a:srgbClr val="B0B8C8"/>
+                </a:solidFill>
+              </a:defRPr>
+            </a:pPr>
+            <a:r>
+              <a:t>GenAI Tools</a:t>
+            </a:r>
+          </a:p>
+        </p:txBody>
+      </p:sp>
+      <p:sp>
+        <p:nvSpPr>
+          <p:cNvPr id="22" name="TextBox 21"/>
+          <p:cNvSpPr txBox="1"/>
+          <p:nvPr/>
+        </p:nvSpPr>
+        <p:spPr>
+          <a:xfrm>
+            <a:off x="731520" y="3200400"/>
+            <a:ext cx="10058400" cy="2743200"/>
+          </a:xfrm>
+          <a:prstGeom prst="rect">
+            <a:avLst/>
+          </a:prstGeom>
+          <a:noFill/>
+        </p:spPr>
+        <p:txBody>
+          <a:bodyPr wrap="square">
+            <a:spAutoFit/>
+          </a:bodyPr>
+          <a:lstStyle/>
+          <a:p>
+            <a:pPr>
+              <a:spcAft>
+                <a:spcPts val="600"/>
+              </a:spcAft>
+              <a:defRPr sz="2000">
+                <a:solidFill>
+                  <a:srgbClr val="B0B8C8"/>
+                </a:solidFill>
+              </a:defRPr>
+            </a:pPr>
+            <a:r>
+              <a:t>✅  Production-grade API with comprehensive security</a:t>
+            </a:r>
+          </a:p>
+          <a:p>
+            <a:pPr>
+              <a:spcAft>
+                <a:spcPts val="600"/>
+              </a:spcAft>
+              <a:defRPr sz="2000">
+                <a:solidFill>
+                  <a:srgbClr val="B0B8C8"/>
+                </a:solidFill>
+              </a:defRPr>
+            </a:pPr>
+            <a:r>
+              <a:t>✅  Novel data integration with provenance tracking</a:t>
+            </a:r>
+          </a:p>
+          <a:p>
+            <a:pPr>
+              <a:spcAft>
+                <a:spcPts val="600"/>
+              </a:spcAft>
+              <a:defRPr sz="2000">
+                <a:solidFill>
+                  <a:srgbClr val="B0B8C8"/>
+                </a:solidFill>
+              </a:defRPr>
+            </a:pPr>
+            <a:r>
+              <a:t>✅  Publication-quality documentation (6 deliverables)</a:t>
+            </a:r>
+          </a:p>
+          <a:p>
+            <a:pPr>
+              <a:spcAft>
+                <a:spcPts val="600"/>
+              </a:spcAft>
+              <a:defRPr sz="2000">
+                <a:solidFill>
+                  <a:srgbClr val="B0B8C8"/>
+                </a:solidFill>
+              </a:defRPr>
+            </a:pPr>
+            <a:r>
+              <a:t>✅  Creative GenAI usage with honest failure analysis</a:t>
+            </a:r>
+          </a:p>
+          <a:p>
+            <a:pPr>
+              <a:spcAft>
+                <a:spcPts val="600"/>
+              </a:spcAft>
+              <a:defRPr sz="2000">
+                <a:solidFill>
+                  <a:srgbClr val="B0B8C8"/>
+                </a:solidFill>
+              </a:defRPr>
+            </a:pPr>
+            <a:r>
+              <a:t>✅  126+ incremental commits with clean history</a:t>
+            </a:r>
+          </a:p>
+          <a:p>
+            <a:pPr>
+              <a:spcAft>
+                <a:spcPts val="600"/>
+              </a:spcAft>
+              <a:defRPr sz="2000">
+                <a:solidFill>
+                  <a:srgbClr val="B0B8C8"/>
+                </a:solidFill>
+              </a:defRPr>
+            </a:pPr>
+          </a:p>
+          <a:p>
+            <a:pPr>
+              <a:spcAft>
+                <a:spcPts val="600"/>
+              </a:spcAft>
+              <a:defRPr sz="2000">
+                <a:solidFill>
+                  <a:srgbClr val="B0B8C8"/>
+                </a:solidFill>
+              </a:defRPr>
+            </a:pPr>
+            <a:r>
+              <a:t>🔗  Live: comp3011-cw1-api.onrender.com</a:t>
+            </a:r>
+          </a:p>
+          <a:p>
+            <a:pPr>
+              <a:spcAft>
+                <a:spcPts val="600"/>
+              </a:spcAft>
+              <a:defRPr sz="2000">
+                <a:solidFill>
+                  <a:srgbClr val="B0B8C8"/>
+                </a:solidFill>
+              </a:defRPr>
+            </a:pPr>
+            <a:r>
+              <a:t>📂  Code: github.com/NathS04/comp3011-cw1-api</a:t>
+            </a:r>
+          </a:p>
+        </p:txBody>
+      </p:sp>
+      <p:sp>
+        <p:nvSpPr>
+          <p:cNvPr id="23" name="TextBox 22"/>
+          <p:cNvSpPr txBox="1"/>
+          <p:nvPr/>
+        </p:nvSpPr>
+        <p:spPr>
+          <a:xfrm>
+            <a:off x="731520" y="5669280"/>
+            <a:ext cx="10058400" cy="731520"/>
+          </a:xfrm>
+          <a:prstGeom prst="rect">
+            <a:avLst/>
+          </a:prstGeom>
+          <a:noFill/>
+        </p:spPr>
+        <p:txBody>
+          <a:bodyPr wrap="square">
+            <a:spAutoFit/>
+          </a:bodyPr>
+          <a:lstStyle/>
+          <a:p>
+            <a:pPr algn="ctr">
+              <a:defRPr sz="3200" b="1">
+                <a:solidFill>
+                  <a:srgbClr val="00B4D8"/>
+                </a:solidFill>
+              </a:defRPr>
+            </a:pPr>
+            <a:r>
+              <a:t>Thank You — Questions?</a:t>
             </a:r>
           </a:p>
         </p:txBody>
@@ -3415,6 +5123,14 @@
 <file path=ppt/slides/slide2.xml><?xml version="1.0" encoding="utf-8"?>
 <p:sld xmlns:a="http://schemas.openxmlformats.org/drawingml/2006/main" xmlns:p="http://schemas.openxmlformats.org/presentationml/2006/main" xmlns:r="http://schemas.openxmlformats.org/officeDocument/2006/relationships">
   <p:cSld>
+    <p:bg>
+      <p:bgPr>
+        <a:solidFill>
+          <a:srgbClr val="0F172A"/>
+        </a:solidFill>
+        <a:effectLst/>
+      </p:bgPr>
+    </p:bg>
     <p:spTree>
       <p:nvGrpSpPr>
         <p:cNvPr id="1" name=""/>
@@ -3424,70 +5140,428 @@
       <p:grpSpPr/>
       <p:sp>
         <p:nvSpPr>
-          <p:cNvPr id="2" name="Title 1"/>
-          <p:cNvSpPr>
-            <a:spLocks noGrp="1"/>
-          </p:cNvSpPr>
-          <p:nvPr>
-            <p:ph type="title"/>
-          </p:nvPr>
-        </p:nvSpPr>
-        <p:spPr/>
-        <p:txBody>
-          <a:bodyPr/>
-          <a:lstStyle/>
-          <a:p>
-            <a:r>
-              <a:t>Problem &amp; Scope</a:t>
-            </a:r>
-          </a:p>
-        </p:txBody>
-      </p:sp>
-      <p:sp>
-        <p:nvSpPr>
-          <p:cNvPr id="3" name="Content Placeholder 2"/>
-          <p:cNvSpPr>
-            <a:spLocks noGrp="1"/>
-          </p:cNvSpPr>
-          <p:nvPr>
-            <p:ph idx="1"/>
-          </p:nvPr>
-        </p:nvSpPr>
-        <p:spPr/>
-        <p:txBody>
-          <a:bodyPr/>
-          <a:lstStyle/>
-          <a:p>
-            <a:r>
-              <a:t>Event registration is a universal need for societies and organisations</a:t>
-            </a:r>
-          </a:p>
-          <a:p>
-            <a:pPr/>
-            <a:r>
-              <a:t>Challenge: Create, track capacity, understand attendance patterns</a:t>
-            </a:r>
-          </a:p>
-          <a:p>
-            <a:pPr/>
-            <a:r>
-              <a:t>Solution: RESTful API for event management with analytics</a:t>
-            </a:r>
-          </a:p>
-          <a:p>
-            <a:pPr/>
-            <a:r>
-              <a:t>Target Users: University societies, community organisers</a:t>
-            </a:r>
-          </a:p>
-          <a:p>
-            <a:pPr/>
-            <a:r>
-              <a:t>Scope: Backend API only (no frontend)</a:t>
-            </a:r>
-          </a:p>
-        </p:txBody>
-      </p:sp>
+          <p:cNvPr id="2" name="TextBox 1"/>
+          <p:cNvSpPr txBox="1"/>
+          <p:nvPr/>
+        </p:nvSpPr>
+        <p:spPr>
+          <a:xfrm>
+            <a:off x="731520" y="457200"/>
+            <a:ext cx="10058400" cy="731520"/>
+          </a:xfrm>
+          <a:prstGeom prst="rect">
+            <a:avLst/>
+          </a:prstGeom>
+          <a:noFill/>
+        </p:spPr>
+        <p:txBody>
+          <a:bodyPr wrap="square">
+            <a:spAutoFit/>
+          </a:bodyPr>
+          <a:lstStyle/>
+          <a:p>
+            <a:pPr algn="l">
+              <a:defRPr sz="4000" b="1">
+                <a:solidFill>
+                  <a:srgbClr val="00B4D8"/>
+                </a:solidFill>
+              </a:defRPr>
+            </a:pPr>
+            <a:r>
+              <a:t>Problem &amp; Solution</a:t>
+            </a:r>
+          </a:p>
+        </p:txBody>
+      </p:sp>
+      <p:sp>
+        <p:nvSpPr>
+          <p:cNvPr id="3" name="Rectangle 2"/>
+          <p:cNvSpPr/>
+          <p:nvPr/>
+        </p:nvSpPr>
+        <p:spPr>
+          <a:xfrm>
+            <a:off x="731520" y="1097280"/>
+            <a:ext cx="2743200" cy="45720"/>
+          </a:xfrm>
+          <a:prstGeom prst="rect">
+            <a:avLst/>
+          </a:prstGeom>
+          <a:solidFill>
+            <a:srgbClr val="00B4D8"/>
+          </a:solidFill>
+          <a:ln>
+            <a:noFill/>
+          </a:ln>
+        </p:spPr>
+        <p:style>
+          <a:lnRef idx="1">
+            <a:schemeClr val="accent1"/>
+          </a:lnRef>
+          <a:fillRef idx="3">
+            <a:schemeClr val="accent1"/>
+          </a:fillRef>
+          <a:effectRef idx="2">
+            <a:schemeClr val="accent1"/>
+          </a:effectRef>
+          <a:fontRef idx="minor">
+            <a:schemeClr val="lt1"/>
+          </a:fontRef>
+        </p:style>
+        <p:txBody>
+          <a:bodyPr rtlCol="0" anchor="ctr"/>
+          <a:lstStyle/>
+          <a:p>
+            <a:pPr algn="ctr"/>
+          </a:p>
+        </p:txBody>
+      </p:sp>
+      <p:sp>
+        <p:nvSpPr>
+          <p:cNvPr id="4" name="Rounded Rectangle 3"/>
+          <p:cNvSpPr/>
+          <p:nvPr/>
+        </p:nvSpPr>
+        <p:spPr>
+          <a:xfrm>
+            <a:off x="731520" y="1463040"/>
+            <a:ext cx="5029200" cy="2011680"/>
+          </a:xfrm>
+          <a:prstGeom prst="roundRect">
+            <a:avLst/>
+          </a:prstGeom>
+          <a:solidFill>
+            <a:srgbClr val="1A253C"/>
+          </a:solidFill>
+          <a:ln>
+            <a:noFill/>
+          </a:ln>
+        </p:spPr>
+        <p:style>
+          <a:lnRef idx="1">
+            <a:schemeClr val="accent1"/>
+          </a:lnRef>
+          <a:fillRef idx="3">
+            <a:schemeClr val="accent1"/>
+          </a:fillRef>
+          <a:effectRef idx="2">
+            <a:schemeClr val="accent1"/>
+          </a:effectRef>
+          <a:fontRef idx="minor">
+            <a:schemeClr val="lt1"/>
+          </a:fontRef>
+        </p:style>
+        <p:txBody>
+          <a:bodyPr rtlCol="0" anchor="ctr"/>
+          <a:lstStyle/>
+          <a:p>
+            <a:pPr algn="ctr"/>
+          </a:p>
+        </p:txBody>
+      </p:sp>
+      <p:sp>
+        <p:nvSpPr>
+          <p:cNvPr id="5" name="TextBox 4"/>
+          <p:cNvSpPr txBox="1"/>
+          <p:nvPr/>
+        </p:nvSpPr>
+        <p:spPr>
+          <a:xfrm>
+            <a:off x="1097280" y="1645920"/>
+            <a:ext cx="4572000" cy="457200"/>
+          </a:xfrm>
+          <a:prstGeom prst="rect">
+            <a:avLst/>
+          </a:prstGeom>
+          <a:noFill/>
+        </p:spPr>
+        <p:txBody>
+          <a:bodyPr wrap="square">
+            <a:spAutoFit/>
+          </a:bodyPr>
+          <a:lstStyle/>
+          <a:p>
+            <a:pPr algn="l">
+              <a:defRPr sz="2400" b="1">
+                <a:solidFill>
+                  <a:srgbClr val="F39C12"/>
+                </a:solidFill>
+              </a:defRPr>
+            </a:pPr>
+            <a:r>
+              <a:t>❌  Problem</a:t>
+            </a:r>
+          </a:p>
+        </p:txBody>
+      </p:sp>
+      <p:sp>
+        <p:nvSpPr>
+          <p:cNvPr id="6" name="TextBox 5"/>
+          <p:cNvSpPr txBox="1"/>
+          <p:nvPr/>
+        </p:nvSpPr>
+        <p:spPr>
+          <a:xfrm>
+            <a:off x="1097280" y="2194560"/>
+            <a:ext cx="4389120" cy="1097280"/>
+          </a:xfrm>
+          <a:prstGeom prst="rect">
+            <a:avLst/>
+          </a:prstGeom>
+          <a:noFill/>
+        </p:spPr>
+        <p:txBody>
+          <a:bodyPr wrap="square">
+            <a:spAutoFit/>
+          </a:bodyPr>
+          <a:lstStyle/>
+          <a:p>
+            <a:pPr>
+              <a:spcAft>
+                <a:spcPts val="600"/>
+              </a:spcAft>
+              <a:defRPr sz="1600">
+                <a:solidFill>
+                  <a:srgbClr val="B0B8C8"/>
+                </a:solidFill>
+              </a:defRPr>
+            </a:pPr>
+            <a:r>
+              <a:t>Student societies lack event management tools</a:t>
+            </a:r>
+          </a:p>
+          <a:p>
+            <a:pPr>
+              <a:spcAft>
+                <a:spcPts val="600"/>
+              </a:spcAft>
+              <a:defRPr sz="1600">
+                <a:solidFill>
+                  <a:srgbClr val="B0B8C8"/>
+                </a:solidFill>
+              </a:defRPr>
+            </a:pPr>
+            <a:r>
+              <a:t>No centralised RSVP tracking</a:t>
+            </a:r>
+          </a:p>
+          <a:p>
+            <a:pPr>
+              <a:spcAft>
+                <a:spcPts val="600"/>
+              </a:spcAft>
+              <a:defRPr sz="1600">
+                <a:solidFill>
+                  <a:srgbClr val="B0B8C8"/>
+                </a:solidFill>
+              </a:defRPr>
+            </a:pPr>
+            <a:r>
+              <a:t>Manual attendance, no analytics</a:t>
+            </a:r>
+          </a:p>
+        </p:txBody>
+      </p:sp>
+      <p:sp>
+        <p:nvSpPr>
+          <p:cNvPr id="7" name="Rounded Rectangle 6"/>
+          <p:cNvSpPr/>
+          <p:nvPr/>
+        </p:nvSpPr>
+        <p:spPr>
+          <a:xfrm>
+            <a:off x="731520" y="3840480"/>
+            <a:ext cx="5029200" cy="2560320"/>
+          </a:xfrm>
+          <a:prstGeom prst="roundRect">
+            <a:avLst/>
+          </a:prstGeom>
+          <a:solidFill>
+            <a:srgbClr val="1A253C"/>
+          </a:solidFill>
+          <a:ln>
+            <a:noFill/>
+          </a:ln>
+        </p:spPr>
+        <p:style>
+          <a:lnRef idx="1">
+            <a:schemeClr val="accent1"/>
+          </a:lnRef>
+          <a:fillRef idx="3">
+            <a:schemeClr val="accent1"/>
+          </a:fillRef>
+          <a:effectRef idx="2">
+            <a:schemeClr val="accent1"/>
+          </a:effectRef>
+          <a:fontRef idx="minor">
+            <a:schemeClr val="lt1"/>
+          </a:fontRef>
+        </p:style>
+        <p:txBody>
+          <a:bodyPr rtlCol="0" anchor="ctr"/>
+          <a:lstStyle/>
+          <a:p>
+            <a:pPr algn="ctr"/>
+          </a:p>
+        </p:txBody>
+      </p:sp>
+      <p:sp>
+        <p:nvSpPr>
+          <p:cNvPr id="8" name="TextBox 7"/>
+          <p:cNvSpPr txBox="1"/>
+          <p:nvPr/>
+        </p:nvSpPr>
+        <p:spPr>
+          <a:xfrm>
+            <a:off x="1097280" y="4023360"/>
+            <a:ext cx="4572000" cy="457200"/>
+          </a:xfrm>
+          <a:prstGeom prst="rect">
+            <a:avLst/>
+          </a:prstGeom>
+          <a:noFill/>
+        </p:spPr>
+        <p:txBody>
+          <a:bodyPr wrap="square">
+            <a:spAutoFit/>
+          </a:bodyPr>
+          <a:lstStyle/>
+          <a:p>
+            <a:pPr algn="l">
+              <a:defRPr sz="2400" b="1">
+                <a:solidFill>
+                  <a:srgbClr val="2ECC71"/>
+                </a:solidFill>
+              </a:defRPr>
+            </a:pPr>
+            <a:r>
+              <a:t>✅  Solution</a:t>
+            </a:r>
+          </a:p>
+        </p:txBody>
+      </p:sp>
+      <p:sp>
+        <p:nvSpPr>
+          <p:cNvPr id="9" name="TextBox 8"/>
+          <p:cNvSpPr txBox="1"/>
+          <p:nvPr/>
+        </p:nvSpPr>
+        <p:spPr>
+          <a:xfrm>
+            <a:off x="1097280" y="4572000"/>
+            <a:ext cx="4389120" cy="1828800"/>
+          </a:xfrm>
+          <a:prstGeom prst="rect">
+            <a:avLst/>
+          </a:prstGeom>
+          <a:noFill/>
+        </p:spPr>
+        <p:txBody>
+          <a:bodyPr wrap="square">
+            <a:spAutoFit/>
+          </a:bodyPr>
+          <a:lstStyle/>
+          <a:p>
+            <a:pPr>
+              <a:spcAft>
+                <a:spcPts val="600"/>
+              </a:spcAft>
+              <a:defRPr sz="1600">
+                <a:solidFill>
+                  <a:srgbClr val="B0B8C8"/>
+                </a:solidFill>
+              </a:defRPr>
+            </a:pPr>
+            <a:r>
+              <a:t>RESTful API with JWT Authentication</a:t>
+            </a:r>
+          </a:p>
+          <a:p>
+            <a:pPr>
+              <a:spcAft>
+                <a:spcPts val="600"/>
+              </a:spcAft>
+              <a:defRPr sz="1600">
+                <a:solidFill>
+                  <a:srgbClr val="B0B8C8"/>
+                </a:solidFill>
+              </a:defRPr>
+            </a:pPr>
+            <a:r>
+              <a:t>Full CRUD for Events, Attendees, RSVPs</a:t>
+            </a:r>
+          </a:p>
+          <a:p>
+            <a:pPr>
+              <a:spcAft>
+                <a:spcPts val="600"/>
+              </a:spcAft>
+              <a:defRPr sz="1600">
+                <a:solidFill>
+                  <a:srgbClr val="B0B8C8"/>
+                </a:solidFill>
+              </a:defRPr>
+            </a:pPr>
+            <a:r>
+              <a:t>Real-world data integration (Leeds TEN Dataset)</a:t>
+            </a:r>
+          </a:p>
+          <a:p>
+            <a:pPr>
+              <a:spcAft>
+                <a:spcPts val="600"/>
+              </a:spcAft>
+              <a:defRPr sz="1600">
+                <a:solidFill>
+                  <a:srgbClr val="B0B8C8"/>
+                </a:solidFill>
+              </a:defRPr>
+            </a:pPr>
+            <a:r>
+              <a:t>Analytics: seasonality, trending, recommendations</a:t>
+            </a:r>
+          </a:p>
+          <a:p>
+            <a:pPr>
+              <a:spcAft>
+                <a:spcPts val="600"/>
+              </a:spcAft>
+              <a:defRPr sz="1600">
+                <a:solidFill>
+                  <a:srgbClr val="B0B8C8"/>
+                </a:solidFill>
+              </a:defRPr>
+            </a:pPr>
+            <a:r>
+              <a:t>Production-grade security (RBAC, headers, ETag)</a:t>
+            </a:r>
+          </a:p>
+        </p:txBody>
+      </p:sp>
+      <p:pic>
+        <p:nvPicPr>
+          <p:cNvPr id="10" name="Picture 9" descr="swagger_ui_middle_1770726102586.png"/>
+          <p:cNvPicPr>
+            <a:picLocks noChangeAspect="1"/>
+          </p:cNvPicPr>
+          <p:nvPr/>
+        </p:nvPicPr>
+        <p:blipFill>
+          <a:blip r:embed="rId2"/>
+          <a:stretch>
+            <a:fillRect/>
+          </a:stretch>
+        </p:blipFill>
+        <p:spPr>
+          <a:xfrm>
+            <a:off x="6400800" y="1463040"/>
+            <a:ext cx="5029200" cy="4754880"/>
+          </a:xfrm>
+          <a:prstGeom prst="rect">
+            <a:avLst/>
+          </a:prstGeom>
+        </p:spPr>
+      </p:pic>
     </p:spTree>
   </p:cSld>
   <p:clrMapOvr>
@@ -3499,6 +5573,14 @@
 <file path=ppt/slides/slide3.xml><?xml version="1.0" encoding="utf-8"?>
 <p:sld xmlns:a="http://schemas.openxmlformats.org/drawingml/2006/main" xmlns:p="http://schemas.openxmlformats.org/presentationml/2006/main" xmlns:r="http://schemas.openxmlformats.org/officeDocument/2006/relationships">
   <p:cSld>
+    <p:bg>
+      <p:bgPr>
+        <a:solidFill>
+          <a:srgbClr val="0F172A"/>
+        </a:solidFill>
+        <a:effectLst/>
+      </p:bgPr>
+    </p:bg>
     <p:spTree>
       <p:nvGrpSpPr>
         <p:cNvPr id="1" name=""/>
@@ -3508,70 +5590,106 @@
       <p:grpSpPr/>
       <p:sp>
         <p:nvSpPr>
-          <p:cNvPr id="2" name="Title 1"/>
-          <p:cNvSpPr>
-            <a:spLocks noGrp="1"/>
-          </p:cNvSpPr>
-          <p:nvPr>
-            <p:ph type="title"/>
-          </p:nvPr>
-        </p:nvSpPr>
-        <p:spPr/>
-        <p:txBody>
-          <a:bodyPr/>
-          <a:lstStyle/>
-          <a:p>
-            <a:r>
-              <a:t>Core API Features</a:t>
-            </a:r>
-          </a:p>
-        </p:txBody>
-      </p:sp>
-      <p:sp>
-        <p:nvSpPr>
-          <p:cNvPr id="3" name="Content Placeholder 2"/>
-          <p:cNvSpPr>
-            <a:spLocks noGrp="1"/>
-          </p:cNvSpPr>
-          <p:nvPr>
-            <p:ph idx="1"/>
-          </p:nvPr>
-        </p:nvSpPr>
-        <p:spPr/>
-        <p:txBody>
-          <a:bodyPr/>
-          <a:lstStyle/>
-          <a:p>
-            <a:r>
-              <a:t>Events: Full CRUD with filtering, pagination, sorting</a:t>
-            </a:r>
-          </a:p>
-          <a:p>
-            <a:pPr/>
-            <a:r>
-              <a:t>Attendees: Registration with unique email constraint</a:t>
-            </a:r>
-          </a:p>
-          <a:p>
-            <a:pPr/>
-            <a:r>
-              <a:t>RSVPs: Link attendees to events (going/maybe/not_going)</a:t>
-            </a:r>
-          </a:p>
-          <a:p>
-            <a:pPr/>
-            <a:r>
-              <a:t>Statistics: Real-time capacity tracking per event</a:t>
-            </a:r>
-          </a:p>
-          <a:p>
-            <a:pPr/>
-            <a:r>
-              <a:t>Authentication: JWT-based secure access for write operations</a:t>
-            </a:r>
-          </a:p>
-        </p:txBody>
-      </p:sp>
+          <p:cNvPr id="2" name="TextBox 1"/>
+          <p:cNvSpPr txBox="1"/>
+          <p:nvPr/>
+        </p:nvSpPr>
+        <p:spPr>
+          <a:xfrm>
+            <a:off x="731520" y="274320"/>
+            <a:ext cx="10058400" cy="731520"/>
+          </a:xfrm>
+          <a:prstGeom prst="rect">
+            <a:avLst/>
+          </a:prstGeom>
+          <a:noFill/>
+        </p:spPr>
+        <p:txBody>
+          <a:bodyPr wrap="square">
+            <a:spAutoFit/>
+          </a:bodyPr>
+          <a:lstStyle/>
+          <a:p>
+            <a:pPr algn="l">
+              <a:defRPr sz="4000" b="1">
+                <a:solidFill>
+                  <a:srgbClr val="00B4D8"/>
+                </a:solidFill>
+              </a:defRPr>
+            </a:pPr>
+            <a:r>
+              <a:t>System Architecture</a:t>
+            </a:r>
+          </a:p>
+        </p:txBody>
+      </p:sp>
+      <p:sp>
+        <p:nvSpPr>
+          <p:cNvPr id="3" name="Rectangle 2"/>
+          <p:cNvSpPr/>
+          <p:nvPr/>
+        </p:nvSpPr>
+        <p:spPr>
+          <a:xfrm>
+            <a:off x="731520" y="914400"/>
+            <a:ext cx="2743200" cy="45720"/>
+          </a:xfrm>
+          <a:prstGeom prst="rect">
+            <a:avLst/>
+          </a:prstGeom>
+          <a:solidFill>
+            <a:srgbClr val="00B4D8"/>
+          </a:solidFill>
+          <a:ln>
+            <a:noFill/>
+          </a:ln>
+        </p:spPr>
+        <p:style>
+          <a:lnRef idx="1">
+            <a:schemeClr val="accent1"/>
+          </a:lnRef>
+          <a:fillRef idx="3">
+            <a:schemeClr val="accent1"/>
+          </a:fillRef>
+          <a:effectRef idx="2">
+            <a:schemeClr val="accent1"/>
+          </a:effectRef>
+          <a:fontRef idx="minor">
+            <a:schemeClr val="lt1"/>
+          </a:fontRef>
+        </p:style>
+        <p:txBody>
+          <a:bodyPr rtlCol="0" anchor="ctr"/>
+          <a:lstStyle/>
+          <a:p>
+            <a:pPr algn="ctr"/>
+          </a:p>
+        </p:txBody>
+      </p:sp>
+      <p:pic>
+        <p:nvPicPr>
+          <p:cNvPr id="4" name="Picture 3" descr="architecture_diagram_1770726209520.png"/>
+          <p:cNvPicPr>
+            <a:picLocks noChangeAspect="1"/>
+          </p:cNvPicPr>
+          <p:nvPr/>
+        </p:nvPicPr>
+        <p:blipFill>
+          <a:blip r:embed="rId2"/>
+          <a:stretch>
+            <a:fillRect/>
+          </a:stretch>
+        </p:blipFill>
+        <p:spPr>
+          <a:xfrm>
+            <a:off x="457200" y="1188720"/>
+            <a:ext cx="11247120" cy="5303520"/>
+          </a:xfrm>
+          <a:prstGeom prst="rect">
+            <a:avLst/>
+          </a:prstGeom>
+        </p:spPr>
+      </p:pic>
     </p:spTree>
   </p:cSld>
   <p:clrMapOvr>
@@ -3583,6 +5701,14 @@
 <file path=ppt/slides/slide4.xml><?xml version="1.0" encoding="utf-8"?>
 <p:sld xmlns:a="http://schemas.openxmlformats.org/drawingml/2006/main" xmlns:p="http://schemas.openxmlformats.org/presentationml/2006/main" xmlns:r="http://schemas.openxmlformats.org/officeDocument/2006/relationships">
   <p:cSld>
+    <p:bg>
+      <p:bgPr>
+        <a:solidFill>
+          <a:srgbClr val="0F172A"/>
+        </a:solidFill>
+        <a:effectLst/>
+      </p:bgPr>
+    </p:bg>
     <p:spTree>
       <p:nvGrpSpPr>
         <p:cNvPr id="1" name=""/>
@@ -3592,66 +5718,257 @@
       <p:grpSpPr/>
       <p:sp>
         <p:nvSpPr>
-          <p:cNvPr id="2" name="Title 1"/>
-          <p:cNvSpPr>
-            <a:spLocks noGrp="1"/>
-          </p:cNvSpPr>
-          <p:nvPr>
-            <p:ph type="title"/>
-          </p:nvPr>
-        </p:nvSpPr>
-        <p:spPr/>
-        <p:txBody>
-          <a:bodyPr/>
-          <a:lstStyle/>
-          <a:p>
-            <a:r>
-              <a:t>Architecture &amp; Technology Stack</a:t>
-            </a:r>
-          </a:p>
-        </p:txBody>
-      </p:sp>
-      <p:sp>
-        <p:nvSpPr>
-          <p:cNvPr id="3" name="Content Placeholder 2"/>
-          <p:cNvSpPr>
-            <a:spLocks noGrp="1"/>
-          </p:cNvSpPr>
-          <p:nvPr>
-            <p:ph idx="1"/>
-          </p:nvPr>
-        </p:nvSpPr>
-        <p:spPr/>
-        <p:txBody>
-          <a:bodyPr/>
-          <a:lstStyle/>
-          <a:p>
-            <a:r>
-              <a:t>Framework: FastAPI (async, automatic OpenAPI docs)</a:t>
-            </a:r>
-          </a:p>
-          <a:p>
-            <a:pPr/>
-            <a:r>
-              <a:t>Database: SQLite (dev) / PostgreSQL (prod) via SQLAlchemy ORM</a:t>
-            </a:r>
-          </a:p>
-          <a:p>
-            <a:pPr/>
-            <a:r>
-              <a:t>Migrations: Alembic for version-controlled schema changes</a:t>
-            </a:r>
-          </a:p>
-          <a:p>
-            <a:pPr/>
-            <a:r>
-              <a:t>Auth: JWT tokens via python-jose + pbkdf2_sha256 hashing</a:t>
-            </a:r>
-          </a:p>
-          <a:p>
-            <a:pPr/>
-            <a:r>
-              <a:t>Layered design: Routes → CRUD → Models → Database</a:t>
+          <p:cNvPr id="2" name="TextBox 1"/>
+          <p:cNvSpPr txBox="1"/>
+          <p:nvPr/>
+        </p:nvSpPr>
+        <p:spPr>
+          <a:xfrm>
+            <a:off x="731520" y="274320"/>
+            <a:ext cx="10058400" cy="731520"/>
+          </a:xfrm>
+          <a:prstGeom prst="rect">
+            <a:avLst/>
+          </a:prstGeom>
+          <a:noFill/>
+        </p:spPr>
+        <p:txBody>
+          <a:bodyPr wrap="square">
+            <a:spAutoFit/>
+          </a:bodyPr>
+          <a:lstStyle/>
+          <a:p>
+            <a:pPr algn="l">
+              <a:defRPr sz="4000" b="1">
+                <a:solidFill>
+                  <a:srgbClr val="00B4D8"/>
+                </a:solidFill>
+              </a:defRPr>
+            </a:pPr>
+            <a:r>
+              <a:t>Security &amp; Advanced Features</a:t>
+            </a:r>
+          </a:p>
+        </p:txBody>
+      </p:sp>
+      <p:sp>
+        <p:nvSpPr>
+          <p:cNvPr id="3" name="Rectangle 2"/>
+          <p:cNvSpPr/>
+          <p:nvPr/>
+        </p:nvSpPr>
+        <p:spPr>
+          <a:xfrm>
+            <a:off x="731520" y="914400"/>
+            <a:ext cx="2743200" cy="45720"/>
+          </a:xfrm>
+          <a:prstGeom prst="rect">
+            <a:avLst/>
+          </a:prstGeom>
+          <a:solidFill>
+            <a:srgbClr val="00B4D8"/>
+          </a:solidFill>
+          <a:ln>
+            <a:noFill/>
+          </a:ln>
+        </p:spPr>
+        <p:style>
+          <a:lnRef idx="1">
+            <a:schemeClr val="accent1"/>
+          </a:lnRef>
+          <a:fillRef idx="3">
+            <a:schemeClr val="accent1"/>
+          </a:fillRef>
+          <a:effectRef idx="2">
+            <a:schemeClr val="accent1"/>
+          </a:effectRef>
+          <a:fontRef idx="minor">
+            <a:schemeClr val="lt1"/>
+          </a:fontRef>
+        </p:style>
+        <p:txBody>
+          <a:bodyPr rtlCol="0" anchor="ctr"/>
+          <a:lstStyle/>
+          <a:p>
+            <a:pPr algn="ctr"/>
+          </a:p>
+        </p:txBody>
+      </p:sp>
+      <p:pic>
+        <p:nvPicPr>
+          <p:cNvPr id="4" name="Picture 3" descr="security_features_1770726231019.png"/>
+          <p:cNvPicPr>
+            <a:picLocks noChangeAspect="1"/>
+          </p:cNvPicPr>
+          <p:nvPr/>
+        </p:nvPicPr>
+        <p:blipFill>
+          <a:blip r:embed="rId2"/>
+          <a:stretch>
+            <a:fillRect/>
+          </a:stretch>
+        </p:blipFill>
+        <p:spPr>
+          <a:xfrm>
+            <a:off x="274320" y="1188720"/>
+            <a:ext cx="5486400" cy="5303520"/>
+          </a:xfrm>
+          <a:prstGeom prst="rect">
+            <a:avLst/>
+          </a:prstGeom>
+        </p:spPr>
+      </p:pic>
+      <p:sp>
+        <p:nvSpPr>
+          <p:cNvPr id="5" name="TextBox 4"/>
+          <p:cNvSpPr txBox="1"/>
+          <p:nvPr/>
+        </p:nvSpPr>
+        <p:spPr>
+          <a:xfrm>
+            <a:off x="6217920" y="1371600"/>
+            <a:ext cx="5486400" cy="4572000"/>
+          </a:xfrm>
+          <a:prstGeom prst="rect">
+            <a:avLst/>
+          </a:prstGeom>
+          <a:noFill/>
+        </p:spPr>
+        <p:txBody>
+          <a:bodyPr wrap="square">
+            <a:spAutoFit/>
+          </a:bodyPr>
+          <a:lstStyle/>
+          <a:p>
+            <a:pPr>
+              <a:spcAft>
+                <a:spcPts val="600"/>
+              </a:spcAft>
+              <a:defRPr sz="1700">
+                <a:solidFill>
+                  <a:srgbClr val="B0B8C8"/>
+                </a:solidFill>
+              </a:defRPr>
+            </a:pPr>
+            <a:r>
+              <a:t>🔒  JWT (PBKDF2-SHA256, 30-min expiry)</a:t>
+            </a:r>
+          </a:p>
+          <a:p>
+            <a:pPr>
+              <a:spcAft>
+                <a:spcPts val="600"/>
+              </a:spcAft>
+              <a:defRPr sz="1700">
+                <a:solidFill>
+                  <a:srgbClr val="B0B8C8"/>
+                </a:solidFill>
+              </a:defRPr>
+            </a:pPr>
+            <a:r>
+              <a:t>🛡️  RBAC: /admin/* → 403 for non-admin</a:t>
+            </a:r>
+          </a:p>
+          <a:p>
+            <a:pPr>
+              <a:spcAft>
+                <a:spcPts val="600"/>
+              </a:spcAft>
+              <a:defRPr sz="1700">
+                <a:solidFill>
+                  <a:srgbClr val="B0B8C8"/>
+                </a:solidFill>
+              </a:defRPr>
+            </a:pPr>
+            <a:r>
+              <a:t>⚡  Rate Limiting: 120/min global, 10/min login</a:t>
+            </a:r>
+          </a:p>
+          <a:p>
+            <a:pPr>
+              <a:spcAft>
+                <a:spcPts val="600"/>
+              </a:spcAft>
+              <a:defRPr sz="1700">
+                <a:solidFill>
+                  <a:srgbClr val="B0B8C8"/>
+                </a:solidFill>
+              </a:defRPr>
+            </a:pPr>
+            <a:r>
+              <a:t>📋  7 Security Headers on ALL responses</a:t>
+            </a:r>
+          </a:p>
+          <a:p>
+            <a:pPr>
+              <a:spcAft>
+                <a:spcPts val="600"/>
+              </a:spcAft>
+              <a:defRPr sz="1700">
+                <a:solidFill>
+                  <a:srgbClr val="B0B8C8"/>
+                </a:solidFill>
+              </a:defRPr>
+            </a:pPr>
+            <a:r>
+              <a:t>🔄  ETag/304 (RFC 7232) on /events</a:t>
+            </a:r>
+          </a:p>
+          <a:p>
+            <a:pPr>
+              <a:spcAft>
+                <a:spcPts val="600"/>
+              </a:spcAft>
+              <a:defRPr sz="1700">
+                <a:solidFill>
+                  <a:srgbClr val="B0B8C8"/>
+                </a:solidFill>
+              </a:defRPr>
+            </a:pPr>
+            <a:r>
+              <a:t>🚫  500s sanitized — no stack traces</a:t>
+            </a:r>
+          </a:p>
+          <a:p>
+            <a:pPr>
+              <a:spcAft>
+                <a:spcPts val="600"/>
+              </a:spcAft>
+              <a:defRPr sz="1700">
+                <a:solidFill>
+                  <a:srgbClr val="B0B8C8"/>
+                </a:solidFill>
+              </a:defRPr>
+            </a:pPr>
+            <a:r>
+              <a:t>📍  X-Request-ID tracing on every response</a:t>
+            </a:r>
+          </a:p>
+          <a:p>
+            <a:pPr>
+              <a:spcAft>
+                <a:spcPts val="600"/>
+              </a:spcAft>
+              <a:defRPr sz="1700">
+                <a:solidFill>
+                  <a:srgbClr val="B0B8C8"/>
+                </a:solidFill>
+              </a:defRPr>
+            </a:pPr>
+          </a:p>
+          <a:p>
+            <a:pPr>
+              <a:spcAft>
+                <a:spcPts val="600"/>
+              </a:spcAft>
+              <a:defRPr sz="1700">
+                <a:solidFill>
+                  <a:srgbClr val="B0B8C8"/>
+                </a:solidFill>
+              </a:defRPr>
+            </a:pPr>
+            <a:r>
+              <a:t>All verified by 41 automated tests</a:t>
             </a:r>
           </a:p>
         </p:txBody>
@@ -3667,6 +5984,14 @@
 <file path=ppt/slides/slide5.xml><?xml version="1.0" encoding="utf-8"?>
 <p:sld xmlns:a="http://schemas.openxmlformats.org/drawingml/2006/main" xmlns:p="http://schemas.openxmlformats.org/presentationml/2006/main" xmlns:r="http://schemas.openxmlformats.org/officeDocument/2006/relationships">
   <p:cSld>
+    <p:bg>
+      <p:bgPr>
+        <a:solidFill>
+          <a:srgbClr val="0F172A"/>
+        </a:solidFill>
+        <a:effectLst/>
+      </p:bgPr>
+    </p:bg>
     <p:spTree>
       <p:nvGrpSpPr>
         <p:cNvPr id="1" name=""/>
@@ -3676,70 +6001,681 @@
       <p:grpSpPr/>
       <p:sp>
         <p:nvSpPr>
-          <p:cNvPr id="2" name="Title 1"/>
-          <p:cNvSpPr>
-            <a:spLocks noGrp="1"/>
-          </p:cNvSpPr>
-          <p:nvPr>
-            <p:ph type="title"/>
-          </p:nvPr>
-        </p:nvSpPr>
-        <p:spPr/>
-        <p:txBody>
-          <a:bodyPr/>
-          <a:lstStyle/>
-          <a:p>
-            <a:r>
-              <a:t>Database Schema</a:t>
-            </a:r>
-          </a:p>
-        </p:txBody>
-      </p:sp>
-      <p:sp>
-        <p:nvSpPr>
-          <p:cNvPr id="3" name="Content Placeholder 2"/>
-          <p:cNvSpPr>
-            <a:spLocks noGrp="1"/>
-          </p:cNvSpPr>
-          <p:nvPr>
-            <p:ph idx="1"/>
-          </p:nvPr>
-        </p:nvSpPr>
-        <p:spPr/>
-        <p:txBody>
-          <a:bodyPr/>
-          <a:lstStyle/>
-          <a:p>
-            <a:r>
-              <a:t>Core Tables: users, events, attendees, rsvps</a:t>
-            </a:r>
-          </a:p>
-          <a:p>
-            <a:pPr/>
-            <a:r>
-              <a:t>Provenance Tables: data_sources, import_runs (novel feature)</a:t>
-            </a:r>
-          </a:p>
-          <a:p>
-            <a:pPr/>
-            <a:r>
-              <a:t>Key Relationships: Event → RSVPs ← Attendee (M:N)</a:t>
-            </a:r>
-          </a:p>
-          <a:p>
-            <a:pPr/>
-            <a:r>
-              <a:t>Constraints: Unique emails, RSVP uniqueness per event</a:t>
-            </a:r>
-          </a:p>
-          <a:p>
-            <a:pPr/>
-            <a:r>
-              <a:t>Event Provenance: source_id links to external datasets</a:t>
-            </a:r>
-          </a:p>
-        </p:txBody>
-      </p:sp>
+          <p:cNvPr id="2" name="TextBox 1"/>
+          <p:cNvSpPr txBox="1"/>
+          <p:nvPr/>
+        </p:nvSpPr>
+        <p:spPr>
+          <a:xfrm>
+            <a:off x="731520" y="274320"/>
+            <a:ext cx="10058400" cy="731520"/>
+          </a:xfrm>
+          <a:prstGeom prst="rect">
+            <a:avLst/>
+          </a:prstGeom>
+          <a:noFill/>
+        </p:spPr>
+        <p:txBody>
+          <a:bodyPr wrap="square">
+            <a:spAutoFit/>
+          </a:bodyPr>
+          <a:lstStyle/>
+          <a:p>
+            <a:pPr algn="l">
+              <a:defRPr sz="4000" b="1">
+                <a:solidFill>
+                  <a:srgbClr val="00B4D8"/>
+                </a:solidFill>
+              </a:defRPr>
+            </a:pPr>
+            <a:r>
+              <a:t>21 API Endpoints</a:t>
+            </a:r>
+          </a:p>
+        </p:txBody>
+      </p:sp>
+      <p:sp>
+        <p:nvSpPr>
+          <p:cNvPr id="3" name="Rectangle 2"/>
+          <p:cNvSpPr/>
+          <p:nvPr/>
+        </p:nvSpPr>
+        <p:spPr>
+          <a:xfrm>
+            <a:off x="731520" y="914400"/>
+            <a:ext cx="2743200" cy="45720"/>
+          </a:xfrm>
+          <a:prstGeom prst="rect">
+            <a:avLst/>
+          </a:prstGeom>
+          <a:solidFill>
+            <a:srgbClr val="00B4D8"/>
+          </a:solidFill>
+          <a:ln>
+            <a:noFill/>
+          </a:ln>
+        </p:spPr>
+        <p:style>
+          <a:lnRef idx="1">
+            <a:schemeClr val="accent1"/>
+          </a:lnRef>
+          <a:fillRef idx="3">
+            <a:schemeClr val="accent1"/>
+          </a:fillRef>
+          <a:effectRef idx="2">
+            <a:schemeClr val="accent1"/>
+          </a:effectRef>
+          <a:fontRef idx="minor">
+            <a:schemeClr val="lt1"/>
+          </a:fontRef>
+        </p:style>
+        <p:txBody>
+          <a:bodyPr rtlCol="0" anchor="ctr"/>
+          <a:lstStyle/>
+          <a:p>
+            <a:pPr algn="ctr"/>
+          </a:p>
+        </p:txBody>
+      </p:sp>
+      <p:sp>
+        <p:nvSpPr>
+          <p:cNvPr id="4" name="TextBox 3"/>
+          <p:cNvSpPr txBox="1"/>
+          <p:nvPr/>
+        </p:nvSpPr>
+        <p:spPr>
+          <a:xfrm>
+            <a:off x="731520" y="1188720"/>
+            <a:ext cx="2103120" cy="365760"/>
+          </a:xfrm>
+          <a:prstGeom prst="rect">
+            <a:avLst/>
+          </a:prstGeom>
+          <a:noFill/>
+        </p:spPr>
+        <p:txBody>
+          <a:bodyPr wrap="square">
+            <a:spAutoFit/>
+          </a:bodyPr>
+          <a:lstStyle/>
+          <a:p>
+            <a:pPr algn="l">
+              <a:defRPr sz="1600" b="1">
+                <a:solidFill>
+                  <a:srgbClr val="2ECC71"/>
+                </a:solidFill>
+              </a:defRPr>
+            </a:pPr>
+            <a:r>
+              <a:t>Authentication</a:t>
+            </a:r>
+          </a:p>
+        </p:txBody>
+      </p:sp>
+      <p:sp>
+        <p:nvSpPr>
+          <p:cNvPr id="5" name="TextBox 4"/>
+          <p:cNvSpPr txBox="1"/>
+          <p:nvPr/>
+        </p:nvSpPr>
+        <p:spPr>
+          <a:xfrm>
+            <a:off x="731520" y="1554480"/>
+            <a:ext cx="2103120" cy="3657600"/>
+          </a:xfrm>
+          <a:prstGeom prst="rect">
+            <a:avLst/>
+          </a:prstGeom>
+          <a:noFill/>
+        </p:spPr>
+        <p:txBody>
+          <a:bodyPr wrap="square">
+            <a:spAutoFit/>
+          </a:bodyPr>
+          <a:lstStyle/>
+          <a:p>
+            <a:pPr>
+              <a:spcAft>
+                <a:spcPts val="600"/>
+              </a:spcAft>
+              <a:defRPr sz="1100">
+                <a:solidFill>
+                  <a:srgbClr val="B0B8C8"/>
+                </a:solidFill>
+              </a:defRPr>
+            </a:pPr>
+            <a:r>
+              <a:t>POST /auth/register</a:t>
+            </a:r>
+          </a:p>
+          <a:p>
+            <a:pPr>
+              <a:spcAft>
+                <a:spcPts val="600"/>
+              </a:spcAft>
+              <a:defRPr sz="1100">
+                <a:solidFill>
+                  <a:srgbClr val="B0B8C8"/>
+                </a:solidFill>
+              </a:defRPr>
+            </a:pPr>
+            <a:r>
+              <a:t>POST /auth/login</a:t>
+            </a:r>
+          </a:p>
+        </p:txBody>
+      </p:sp>
+      <p:sp>
+        <p:nvSpPr>
+          <p:cNvPr id="6" name="TextBox 5"/>
+          <p:cNvSpPr txBox="1"/>
+          <p:nvPr/>
+        </p:nvSpPr>
+        <p:spPr>
+          <a:xfrm>
+            <a:off x="3017520" y="1188720"/>
+            <a:ext cx="2103120" cy="365760"/>
+          </a:xfrm>
+          <a:prstGeom prst="rect">
+            <a:avLst/>
+          </a:prstGeom>
+          <a:noFill/>
+        </p:spPr>
+        <p:txBody>
+          <a:bodyPr wrap="square">
+            <a:spAutoFit/>
+          </a:bodyPr>
+          <a:lstStyle/>
+          <a:p>
+            <a:pPr algn="l">
+              <a:defRPr sz="1600" b="1">
+                <a:solidFill>
+                  <a:srgbClr val="00B4D8"/>
+                </a:solidFill>
+              </a:defRPr>
+            </a:pPr>
+            <a:r>
+              <a:t>Events CRUD</a:t>
+            </a:r>
+          </a:p>
+        </p:txBody>
+      </p:sp>
+      <p:sp>
+        <p:nvSpPr>
+          <p:cNvPr id="7" name="TextBox 6"/>
+          <p:cNvSpPr txBox="1"/>
+          <p:nvPr/>
+        </p:nvSpPr>
+        <p:spPr>
+          <a:xfrm>
+            <a:off x="3017520" y="1554480"/>
+            <a:ext cx="2103120" cy="3657600"/>
+          </a:xfrm>
+          <a:prstGeom prst="rect">
+            <a:avLst/>
+          </a:prstGeom>
+          <a:noFill/>
+        </p:spPr>
+        <p:txBody>
+          <a:bodyPr wrap="square">
+            <a:spAutoFit/>
+          </a:bodyPr>
+          <a:lstStyle/>
+          <a:p>
+            <a:pPr>
+              <a:spcAft>
+                <a:spcPts val="600"/>
+              </a:spcAft>
+              <a:defRPr sz="1100">
+                <a:solidFill>
+                  <a:srgbClr val="B0B8C8"/>
+                </a:solidFill>
+              </a:defRPr>
+            </a:pPr>
+            <a:r>
+              <a:t>POST /events (auth)</a:t>
+            </a:r>
+          </a:p>
+          <a:p>
+            <a:pPr>
+              <a:spcAft>
+                <a:spcPts val="600"/>
+              </a:spcAft>
+              <a:defRPr sz="1100">
+                <a:solidFill>
+                  <a:srgbClr val="B0B8C8"/>
+                </a:solidFill>
+              </a:defRPr>
+            </a:pPr>
+            <a:r>
+              <a:t>GET /events (paginated)</a:t>
+            </a:r>
+          </a:p>
+          <a:p>
+            <a:pPr>
+              <a:spcAft>
+                <a:spcPts val="600"/>
+              </a:spcAft>
+              <a:defRPr sz="1100">
+                <a:solidFill>
+                  <a:srgbClr val="B0B8C8"/>
+                </a:solidFill>
+              </a:defRPr>
+            </a:pPr>
+            <a:r>
+              <a:t>GET /events/{id}</a:t>
+            </a:r>
+          </a:p>
+          <a:p>
+            <a:pPr>
+              <a:spcAft>
+                <a:spcPts val="600"/>
+              </a:spcAft>
+              <a:defRPr sz="1100">
+                <a:solidFill>
+                  <a:srgbClr val="B0B8C8"/>
+                </a:solidFill>
+              </a:defRPr>
+            </a:pPr>
+            <a:r>
+              <a:t>PATCH /events/{id} (auth)</a:t>
+            </a:r>
+          </a:p>
+          <a:p>
+            <a:pPr>
+              <a:spcAft>
+                <a:spcPts val="600"/>
+              </a:spcAft>
+              <a:defRPr sz="1100">
+                <a:solidFill>
+                  <a:srgbClr val="B0B8C8"/>
+                </a:solidFill>
+              </a:defRPr>
+            </a:pPr>
+            <a:r>
+              <a:t>DELETE /events/{id} (auth)</a:t>
+            </a:r>
+          </a:p>
+        </p:txBody>
+      </p:sp>
+      <p:sp>
+        <p:nvSpPr>
+          <p:cNvPr id="8" name="TextBox 7"/>
+          <p:cNvSpPr txBox="1"/>
+          <p:nvPr/>
+        </p:nvSpPr>
+        <p:spPr>
+          <a:xfrm>
+            <a:off x="5303520" y="1188720"/>
+            <a:ext cx="2103120" cy="365760"/>
+          </a:xfrm>
+          <a:prstGeom prst="rect">
+            <a:avLst/>
+          </a:prstGeom>
+          <a:noFill/>
+        </p:spPr>
+        <p:txBody>
+          <a:bodyPr wrap="square">
+            <a:spAutoFit/>
+          </a:bodyPr>
+          <a:lstStyle/>
+          <a:p>
+            <a:pPr algn="l">
+              <a:defRPr sz="1600" b="1">
+                <a:solidFill>
+                  <a:srgbClr val="B0B8C8"/>
+                </a:solidFill>
+              </a:defRPr>
+            </a:pPr>
+            <a:r>
+              <a:t>Attendees &amp; RSVPs</a:t>
+            </a:r>
+          </a:p>
+        </p:txBody>
+      </p:sp>
+      <p:sp>
+        <p:nvSpPr>
+          <p:cNvPr id="9" name="TextBox 8"/>
+          <p:cNvSpPr txBox="1"/>
+          <p:nvPr/>
+        </p:nvSpPr>
+        <p:spPr>
+          <a:xfrm>
+            <a:off x="5303520" y="1554480"/>
+            <a:ext cx="2103120" cy="3657600"/>
+          </a:xfrm>
+          <a:prstGeom prst="rect">
+            <a:avLst/>
+          </a:prstGeom>
+          <a:noFill/>
+        </p:spPr>
+        <p:txBody>
+          <a:bodyPr wrap="square">
+            <a:spAutoFit/>
+          </a:bodyPr>
+          <a:lstStyle/>
+          <a:p>
+            <a:pPr>
+              <a:spcAft>
+                <a:spcPts val="600"/>
+              </a:spcAft>
+              <a:defRPr sz="1100">
+                <a:solidFill>
+                  <a:srgbClr val="B0B8C8"/>
+                </a:solidFill>
+              </a:defRPr>
+            </a:pPr>
+            <a:r>
+              <a:t>POST /attendees (auth)</a:t>
+            </a:r>
+          </a:p>
+          <a:p>
+            <a:pPr>
+              <a:spcAft>
+                <a:spcPts val="600"/>
+              </a:spcAft>
+              <a:defRPr sz="1100">
+                <a:solidFill>
+                  <a:srgbClr val="B0B8C8"/>
+                </a:solidFill>
+              </a:defRPr>
+            </a:pPr>
+            <a:r>
+              <a:t>GET /attendees/{id}</a:t>
+            </a:r>
+          </a:p>
+          <a:p>
+            <a:pPr>
+              <a:spcAft>
+                <a:spcPts val="600"/>
+              </a:spcAft>
+              <a:defRPr sz="1100">
+                <a:solidFill>
+                  <a:srgbClr val="B0B8C8"/>
+                </a:solidFill>
+              </a:defRPr>
+            </a:pPr>
+            <a:r>
+              <a:t>GET /attendees/{id}/events</a:t>
+            </a:r>
+          </a:p>
+          <a:p>
+            <a:pPr>
+              <a:spcAft>
+                <a:spcPts val="600"/>
+              </a:spcAft>
+              <a:defRPr sz="1100">
+                <a:solidFill>
+                  <a:srgbClr val="B0B8C8"/>
+                </a:solidFill>
+              </a:defRPr>
+            </a:pPr>
+            <a:r>
+              <a:t>POST /events/{id}/rsvps (auth)</a:t>
+            </a:r>
+          </a:p>
+          <a:p>
+            <a:pPr>
+              <a:spcAft>
+                <a:spcPts val="600"/>
+              </a:spcAft>
+              <a:defRPr sz="1100">
+                <a:solidFill>
+                  <a:srgbClr val="B0B8C8"/>
+                </a:solidFill>
+              </a:defRPr>
+            </a:pPr>
+            <a:r>
+              <a:t>GET /events/{id}/rsvps</a:t>
+            </a:r>
+          </a:p>
+          <a:p>
+            <a:pPr>
+              <a:spcAft>
+                <a:spcPts val="600"/>
+              </a:spcAft>
+              <a:defRPr sz="1100">
+                <a:solidFill>
+                  <a:srgbClr val="B0B8C8"/>
+                </a:solidFill>
+              </a:defRPr>
+            </a:pPr>
+            <a:r>
+              <a:t>DELETE /events/{id}/rsvps/{id} (auth)</a:t>
+            </a:r>
+          </a:p>
+        </p:txBody>
+      </p:sp>
+      <p:sp>
+        <p:nvSpPr>
+          <p:cNvPr id="10" name="TextBox 9"/>
+          <p:cNvSpPr txBox="1"/>
+          <p:nvPr/>
+        </p:nvSpPr>
+        <p:spPr>
+          <a:xfrm>
+            <a:off x="7589520" y="1188720"/>
+            <a:ext cx="2103120" cy="365760"/>
+          </a:xfrm>
+          <a:prstGeom prst="rect">
+            <a:avLst/>
+          </a:prstGeom>
+          <a:noFill/>
+        </p:spPr>
+        <p:txBody>
+          <a:bodyPr wrap="square">
+            <a:spAutoFit/>
+          </a:bodyPr>
+          <a:lstStyle/>
+          <a:p>
+            <a:pPr algn="l">
+              <a:defRPr sz="1600" b="1">
+                <a:solidFill>
+                  <a:srgbClr val="F39C12"/>
+                </a:solidFill>
+              </a:defRPr>
+            </a:pPr>
+            <a:r>
+              <a:t>Analytics</a:t>
+            </a:r>
+          </a:p>
+        </p:txBody>
+      </p:sp>
+      <p:sp>
+        <p:nvSpPr>
+          <p:cNvPr id="11" name="TextBox 10"/>
+          <p:cNvSpPr txBox="1"/>
+          <p:nvPr/>
+        </p:nvSpPr>
+        <p:spPr>
+          <a:xfrm>
+            <a:off x="7589520" y="1554480"/>
+            <a:ext cx="2103120" cy="3657600"/>
+          </a:xfrm>
+          <a:prstGeom prst="rect">
+            <a:avLst/>
+          </a:prstGeom>
+          <a:noFill/>
+        </p:spPr>
+        <p:txBody>
+          <a:bodyPr wrap="square">
+            <a:spAutoFit/>
+          </a:bodyPr>
+          <a:lstStyle/>
+          <a:p>
+            <a:pPr>
+              <a:spcAft>
+                <a:spcPts val="600"/>
+              </a:spcAft>
+              <a:defRPr sz="1100">
+                <a:solidFill>
+                  <a:srgbClr val="B0B8C8"/>
+                </a:solidFill>
+              </a:defRPr>
+            </a:pPr>
+            <a:r>
+              <a:t>GET /analytics/events/seasonality</a:t>
+            </a:r>
+          </a:p>
+          <a:p>
+            <a:pPr>
+              <a:spcAft>
+                <a:spcPts val="600"/>
+              </a:spcAft>
+              <a:defRPr sz="1100">
+                <a:solidFill>
+                  <a:srgbClr val="B0B8C8"/>
+                </a:solidFill>
+              </a:defRPr>
+            </a:pPr>
+            <a:r>
+              <a:t>GET /analytics/events/trending</a:t>
+            </a:r>
+          </a:p>
+          <a:p>
+            <a:pPr>
+              <a:spcAft>
+                <a:spcPts val="600"/>
+              </a:spcAft>
+              <a:defRPr sz="1100">
+                <a:solidFill>
+                  <a:srgbClr val="B0B8C8"/>
+                </a:solidFill>
+              </a:defRPr>
+            </a:pPr>
+            <a:r>
+              <a:t>GET /events/recommendations (auth)</a:t>
+            </a:r>
+          </a:p>
+        </p:txBody>
+      </p:sp>
+      <p:sp>
+        <p:nvSpPr>
+          <p:cNvPr id="12" name="TextBox 11"/>
+          <p:cNvSpPr txBox="1"/>
+          <p:nvPr/>
+        </p:nvSpPr>
+        <p:spPr>
+          <a:xfrm>
+            <a:off x="9875520" y="1188720"/>
+            <a:ext cx="2103120" cy="365760"/>
+          </a:xfrm>
+          <a:prstGeom prst="rect">
+            <a:avLst/>
+          </a:prstGeom>
+          <a:noFill/>
+        </p:spPr>
+        <p:txBody>
+          <a:bodyPr wrap="square">
+            <a:spAutoFit/>
+          </a:bodyPr>
+          <a:lstStyle/>
+          <a:p>
+            <a:pPr algn="l">
+              <a:defRPr sz="1600" b="1">
+                <a:solidFill>
+                  <a:srgbClr val="E74C3C"/>
+                </a:solidFill>
+              </a:defRPr>
+            </a:pPr>
+            <a:r>
+              <a:t>Admin (RBAC)</a:t>
+            </a:r>
+          </a:p>
+        </p:txBody>
+      </p:sp>
+      <p:sp>
+        <p:nvSpPr>
+          <p:cNvPr id="13" name="TextBox 12"/>
+          <p:cNvSpPr txBox="1"/>
+          <p:nvPr/>
+        </p:nvSpPr>
+        <p:spPr>
+          <a:xfrm>
+            <a:off x="9875520" y="1554480"/>
+            <a:ext cx="2103120" cy="3657600"/>
+          </a:xfrm>
+          <a:prstGeom prst="rect">
+            <a:avLst/>
+          </a:prstGeom>
+          <a:noFill/>
+        </p:spPr>
+        <p:txBody>
+          <a:bodyPr wrap="square">
+            <a:spAutoFit/>
+          </a:bodyPr>
+          <a:lstStyle/>
+          <a:p>
+            <a:pPr>
+              <a:spcAft>
+                <a:spcPts val="600"/>
+              </a:spcAft>
+              <a:defRPr sz="1100">
+                <a:solidFill>
+                  <a:srgbClr val="B0B8C8"/>
+                </a:solidFill>
+              </a:defRPr>
+            </a:pPr>
+            <a:r>
+              <a:t>POST /admin/imports/run</a:t>
+            </a:r>
+          </a:p>
+          <a:p>
+            <a:pPr>
+              <a:spcAft>
+                <a:spcPts val="600"/>
+              </a:spcAft>
+              <a:defRPr sz="1100">
+                <a:solidFill>
+                  <a:srgbClr val="B0B8C8"/>
+                </a:solidFill>
+              </a:defRPr>
+            </a:pPr>
+            <a:r>
+              <a:t>GET /admin/imports</a:t>
+            </a:r>
+          </a:p>
+          <a:p>
+            <a:pPr>
+              <a:spcAft>
+                <a:spcPts val="600"/>
+              </a:spcAft>
+              <a:defRPr sz="1100">
+                <a:solidFill>
+                  <a:srgbClr val="B0B8C8"/>
+                </a:solidFill>
+              </a:defRPr>
+            </a:pPr>
+            <a:r>
+              <a:t>GET /admin/dataset/meta</a:t>
+            </a:r>
+          </a:p>
+        </p:txBody>
+      </p:sp>
+      <p:pic>
+        <p:nvPicPr>
+          <p:cNvPr id="14" name="Picture 13" descr="swagger_ui_bottom_1770726089996.png"/>
+          <p:cNvPicPr>
+            <a:picLocks noChangeAspect="1"/>
+          </p:cNvPicPr>
+          <p:nvPr/>
+        </p:nvPicPr>
+        <p:blipFill>
+          <a:blip r:embed="rId2"/>
+          <a:stretch>
+            <a:fillRect/>
+          </a:stretch>
+        </p:blipFill>
+        <p:spPr>
+          <a:xfrm>
+            <a:off x="7772400" y="1188720"/>
+            <a:ext cx="4114800" cy="5029200"/>
+          </a:xfrm>
+          <a:prstGeom prst="rect">
+            <a:avLst/>
+          </a:prstGeom>
+        </p:spPr>
+      </p:pic>
     </p:spTree>
   </p:cSld>
   <p:clrMapOvr>
@@ -3751,6 +6687,14 @@
 <file path=ppt/slides/slide6.xml><?xml version="1.0" encoding="utf-8"?>
 <p:sld xmlns:a="http://schemas.openxmlformats.org/drawingml/2006/main" xmlns:p="http://schemas.openxmlformats.org/presentationml/2006/main" xmlns:r="http://schemas.openxmlformats.org/officeDocument/2006/relationships">
   <p:cSld>
+    <p:bg>
+      <p:bgPr>
+        <a:solidFill>
+          <a:srgbClr val="0F172A"/>
+        </a:solidFill>
+        <a:effectLst/>
+      </p:bgPr>
+    </p:bg>
     <p:spTree>
       <p:nvGrpSpPr>
         <p:cNvPr id="1" name=""/>
@@ -3760,66 +6704,653 @@
       <p:grpSpPr/>
       <p:sp>
         <p:nvSpPr>
-          <p:cNvPr id="2" name="Title 1"/>
-          <p:cNvSpPr>
-            <a:spLocks noGrp="1"/>
-          </p:cNvSpPr>
-          <p:nvPr>
-            <p:ph type="title"/>
-          </p:nvPr>
-        </p:nvSpPr>
-        <p:spPr/>
-        <p:txBody>
-          <a:bodyPr/>
-          <a:lstStyle/>
-          <a:p>
-            <a:r>
-              <a:t>Novel Feature: Data Integration &amp; Provenance</a:t>
-            </a:r>
-          </a:p>
-        </p:txBody>
-      </p:sp>
-      <p:sp>
-        <p:nvSpPr>
-          <p:cNvPr id="3" name="Content Placeholder 2"/>
-          <p:cNvSpPr>
-            <a:spLocks noGrp="1"/>
-          </p:cNvSpPr>
-          <p:nvPr>
-            <p:ph idx="1"/>
-          </p:nvPr>
-        </p:nvSpPr>
-        <p:spPr/>
-        <p:txBody>
-          <a:bodyPr/>
-          <a:lstStyle/>
-          <a:p>
-            <a:r>
-              <a:t>Problem: How to import external event datasets reliably?</a:t>
-            </a:r>
-          </a:p>
-          <a:p>
-            <a:pPr/>
-            <a:r>
-              <a:t>Solution: Idempotent import pipeline with full tracking</a:t>
-            </a:r>
-          </a:p>
-          <a:p>
-            <a:pPr/>
-            <a:r>
-              <a:t>DataSource table: Records origin (name, URL, license)</a:t>
-            </a:r>
-          </a:p>
-          <a:p>
-            <a:pPr/>
-            <a:r>
-              <a:t>ImportRun table: Logs each import (rows, errors, status)</a:t>
-            </a:r>
-          </a:p>
-          <a:p>
-            <a:pPr/>
-            <a:r>
-              <a:t>Script: scripts/import_dataset.py with --csv parameter</a:t>
+          <p:cNvPr id="2" name="TextBox 1"/>
+          <p:cNvSpPr txBox="1"/>
+          <p:nvPr/>
+        </p:nvSpPr>
+        <p:spPr>
+          <a:xfrm>
+            <a:off x="731520" y="274320"/>
+            <a:ext cx="10058400" cy="731520"/>
+          </a:xfrm>
+          <a:prstGeom prst="rect">
+            <a:avLst/>
+          </a:prstGeom>
+          <a:noFill/>
+        </p:spPr>
+        <p:txBody>
+          <a:bodyPr wrap="square">
+            <a:spAutoFit/>
+          </a:bodyPr>
+          <a:lstStyle/>
+          <a:p>
+            <a:pPr algn="l">
+              <a:defRPr sz="4000" b="1">
+                <a:solidFill>
+                  <a:srgbClr val="00B4D8"/>
+                </a:solidFill>
+              </a:defRPr>
+            </a:pPr>
+            <a:r>
+              <a:t>Novel Data Integration</a:t>
+            </a:r>
+          </a:p>
+        </p:txBody>
+      </p:sp>
+      <p:sp>
+        <p:nvSpPr>
+          <p:cNvPr id="3" name="Rectangle 2"/>
+          <p:cNvSpPr/>
+          <p:nvPr/>
+        </p:nvSpPr>
+        <p:spPr>
+          <a:xfrm>
+            <a:off x="731520" y="914400"/>
+            <a:ext cx="2743200" cy="45720"/>
+          </a:xfrm>
+          <a:prstGeom prst="rect">
+            <a:avLst/>
+          </a:prstGeom>
+          <a:solidFill>
+            <a:srgbClr val="00B4D8"/>
+          </a:solidFill>
+          <a:ln>
+            <a:noFill/>
+          </a:ln>
+        </p:spPr>
+        <p:style>
+          <a:lnRef idx="1">
+            <a:schemeClr val="accent1"/>
+          </a:lnRef>
+          <a:fillRef idx="3">
+            <a:schemeClr val="accent1"/>
+          </a:fillRef>
+          <a:effectRef idx="2">
+            <a:schemeClr val="accent1"/>
+          </a:effectRef>
+          <a:fontRef idx="minor">
+            <a:schemeClr val="lt1"/>
+          </a:fontRef>
+        </p:style>
+        <p:txBody>
+          <a:bodyPr rtlCol="0" anchor="ctr"/>
+          <a:lstStyle/>
+          <a:p>
+            <a:pPr algn="ctr"/>
+          </a:p>
+        </p:txBody>
+      </p:sp>
+      <p:sp>
+        <p:nvSpPr>
+          <p:cNvPr id="4" name="Rounded Rectangle 3"/>
+          <p:cNvSpPr/>
+          <p:nvPr/>
+        </p:nvSpPr>
+        <p:spPr>
+          <a:xfrm>
+            <a:off x="731520" y="1371600"/>
+            <a:ext cx="5029200" cy="4754880"/>
+          </a:xfrm>
+          <a:prstGeom prst="roundRect">
+            <a:avLst/>
+          </a:prstGeom>
+          <a:solidFill>
+            <a:srgbClr val="1A253C"/>
+          </a:solidFill>
+          <a:ln>
+            <a:noFill/>
+          </a:ln>
+        </p:spPr>
+        <p:style>
+          <a:lnRef idx="1">
+            <a:schemeClr val="accent1"/>
+          </a:lnRef>
+          <a:fillRef idx="3">
+            <a:schemeClr val="accent1"/>
+          </a:fillRef>
+          <a:effectRef idx="2">
+            <a:schemeClr val="accent1"/>
+          </a:effectRef>
+          <a:fontRef idx="minor">
+            <a:schemeClr val="lt1"/>
+          </a:fontRef>
+        </p:style>
+        <p:txBody>
+          <a:bodyPr rtlCol="0" anchor="ctr"/>
+          <a:lstStyle/>
+          <a:p>
+            <a:pPr algn="ctr"/>
+          </a:p>
+        </p:txBody>
+      </p:sp>
+      <p:sp>
+        <p:nvSpPr>
+          <p:cNvPr id="5" name="TextBox 4"/>
+          <p:cNvSpPr txBox="1"/>
+          <p:nvPr/>
+        </p:nvSpPr>
+        <p:spPr>
+          <a:xfrm>
+            <a:off x="1097280" y="1554480"/>
+            <a:ext cx="4572000" cy="457200"/>
+          </a:xfrm>
+          <a:prstGeom prst="rect">
+            <a:avLst/>
+          </a:prstGeom>
+          <a:noFill/>
+        </p:spPr>
+        <p:txBody>
+          <a:bodyPr wrap="square">
+            <a:spAutoFit/>
+          </a:bodyPr>
+          <a:lstStyle/>
+          <a:p>
+            <a:pPr algn="l">
+              <a:defRPr sz="2400" b="1">
+                <a:solidFill>
+                  <a:srgbClr val="00B4D8"/>
+                </a:solidFill>
+              </a:defRPr>
+            </a:pPr>
+            <a:r>
+              <a:t>Leeds City Council</a:t>
+            </a:r>
+          </a:p>
+        </p:txBody>
+      </p:sp>
+      <p:sp>
+        <p:nvSpPr>
+          <p:cNvPr id="6" name="TextBox 5"/>
+          <p:cNvSpPr txBox="1"/>
+          <p:nvPr/>
+        </p:nvSpPr>
+        <p:spPr>
+          <a:xfrm>
+            <a:off x="1097280" y="2011680"/>
+            <a:ext cx="4572000" cy="457200"/>
+          </a:xfrm>
+          <a:prstGeom prst="rect">
+            <a:avLst/>
+          </a:prstGeom>
+          <a:noFill/>
+        </p:spPr>
+        <p:txBody>
+          <a:bodyPr wrap="square">
+            <a:spAutoFit/>
+          </a:bodyPr>
+          <a:lstStyle/>
+          <a:p>
+            <a:pPr algn="l">
+              <a:defRPr sz="2000" b="0">
+                <a:solidFill>
+                  <a:srgbClr val="FFFFFF"/>
+                </a:solidFill>
+              </a:defRPr>
+            </a:pPr>
+            <a:r>
+              <a:t>Temporary Event Notices (TEN)</a:t>
+            </a:r>
+          </a:p>
+        </p:txBody>
+      </p:sp>
+      <p:sp>
+        <p:nvSpPr>
+          <p:cNvPr id="7" name="TextBox 6"/>
+          <p:cNvSpPr txBox="1"/>
+          <p:nvPr/>
+        </p:nvSpPr>
+        <p:spPr>
+          <a:xfrm>
+            <a:off x="1097280" y="2560320"/>
+            <a:ext cx="4389120" cy="3657600"/>
+          </a:xfrm>
+          <a:prstGeom prst="rect">
+            <a:avLst/>
+          </a:prstGeom>
+          <a:noFill/>
+        </p:spPr>
+        <p:txBody>
+          <a:bodyPr wrap="square">
+            <a:spAutoFit/>
+          </a:bodyPr>
+          <a:lstStyle/>
+          <a:p>
+            <a:pPr>
+              <a:spcAft>
+                <a:spcPts val="600"/>
+              </a:spcAft>
+              <a:defRPr sz="1500">
+                <a:solidFill>
+                  <a:srgbClr val="B0B8C8"/>
+                </a:solidFill>
+              </a:defRPr>
+            </a:pPr>
+            <a:r>
+              <a:t>📦  Source: Data Mill North (XML format)</a:t>
+            </a:r>
+          </a:p>
+          <a:p>
+            <a:pPr>
+              <a:spcAft>
+                <a:spcPts val="600"/>
+              </a:spcAft>
+              <a:defRPr sz="1500">
+                <a:solidFill>
+                  <a:srgbClr val="B0B8C8"/>
+                </a:solidFill>
+              </a:defRPr>
+            </a:pPr>
+            <a:r>
+              <a:t>📜  License: Open Government Licence v3.0</a:t>
+            </a:r>
+          </a:p>
+          <a:p>
+            <a:pPr>
+              <a:spcAft>
+                <a:spcPts val="600"/>
+              </a:spcAft>
+              <a:defRPr sz="1500">
+                <a:solidFill>
+                  <a:srgbClr val="B0B8C8"/>
+                </a:solidFill>
+              </a:defRPr>
+            </a:pPr>
+            <a:r>
+              <a:t>🔗  Auto-import via /admin/imports/run</a:t>
+            </a:r>
+          </a:p>
+          <a:p>
+            <a:pPr>
+              <a:spcAft>
+                <a:spcPts val="600"/>
+              </a:spcAft>
+              <a:defRPr sz="1500">
+                <a:solidFill>
+                  <a:srgbClr val="B0B8C8"/>
+                </a:solidFill>
+              </a:defRPr>
+            </a:pPr>
+          </a:p>
+          <a:p>
+            <a:pPr>
+              <a:spcAft>
+                <a:spcPts val="600"/>
+              </a:spcAft>
+              <a:defRPr sz="1500">
+                <a:solidFill>
+                  <a:srgbClr val="B0B8C8"/>
+                </a:solidFill>
+              </a:defRPr>
+            </a:pPr>
+            <a:r>
+              <a:t>Provenance Tracking:</a:t>
+            </a:r>
+          </a:p>
+          <a:p>
+            <a:pPr>
+              <a:spcAft>
+                <a:spcPts val="600"/>
+              </a:spcAft>
+              <a:defRPr sz="1500">
+                <a:solidFill>
+                  <a:srgbClr val="B0B8C8"/>
+                </a:solidFill>
+              </a:defRPr>
+            </a:pPr>
+            <a:r>
+              <a:t>   • SHA256 hash of source file</a:t>
+            </a:r>
+          </a:p>
+          <a:p>
+            <a:pPr>
+              <a:spcAft>
+                <a:spcPts val="600"/>
+              </a:spcAft>
+              <a:defRPr sz="1500">
+                <a:solidFill>
+                  <a:srgbClr val="B0B8C8"/>
+                </a:solidFill>
+              </a:defRPr>
+            </a:pPr>
+            <a:r>
+              <a:t>   • ImportRun audit table</a:t>
+            </a:r>
+          </a:p>
+          <a:p>
+            <a:pPr>
+              <a:spcAft>
+                <a:spcPts val="600"/>
+              </a:spcAft>
+              <a:defRPr sz="1500">
+                <a:solidFill>
+                  <a:srgbClr val="B0B8C8"/>
+                </a:solidFill>
+              </a:defRPr>
+            </a:pPr>
+            <a:r>
+              <a:t>   • Timestamp, duration, row counts</a:t>
+            </a:r>
+          </a:p>
+          <a:p>
+            <a:pPr>
+              <a:spcAft>
+                <a:spcPts val="600"/>
+              </a:spcAft>
+              <a:defRPr sz="1500">
+                <a:solidFill>
+                  <a:srgbClr val="B0B8C8"/>
+                </a:solidFill>
+              </a:defRPr>
+            </a:pPr>
+            <a:r>
+              <a:t>   • Source URL + version metadata</a:t>
+            </a:r>
+          </a:p>
+          <a:p>
+            <a:pPr>
+              <a:spcAft>
+                <a:spcPts val="600"/>
+              </a:spcAft>
+              <a:defRPr sz="1500">
+                <a:solidFill>
+                  <a:srgbClr val="B0B8C8"/>
+                </a:solidFill>
+              </a:defRPr>
+            </a:pPr>
+          </a:p>
+          <a:p>
+            <a:pPr>
+              <a:spcAft>
+                <a:spcPts val="600"/>
+              </a:spcAft>
+              <a:defRPr sz="1500">
+                <a:solidFill>
+                  <a:srgbClr val="B0B8C8"/>
+                </a:solidFill>
+              </a:defRPr>
+            </a:pPr>
+            <a:r>
+              <a:t>Why this dataset?</a:t>
+            </a:r>
+          </a:p>
+          <a:p>
+            <a:pPr>
+              <a:spcAft>
+                <a:spcPts val="600"/>
+              </a:spcAft>
+              <a:defRPr sz="1500">
+                <a:solidFill>
+                  <a:srgbClr val="B0B8C8"/>
+                </a:solidFill>
+              </a:defRPr>
+            </a:pPr>
+            <a:r>
+              <a:t>   • Real UK public events data</a:t>
+            </a:r>
+          </a:p>
+          <a:p>
+            <a:pPr>
+              <a:spcAft>
+                <a:spcPts val="600"/>
+              </a:spcAft>
+              <a:defRPr sz="1500">
+                <a:solidFill>
+                  <a:srgbClr val="B0B8C8"/>
+                </a:solidFill>
+              </a:defRPr>
+            </a:pPr>
+            <a:r>
+              <a:t>   • XML parsing demonstrates data pipeline skills</a:t>
+            </a:r>
+          </a:p>
+          <a:p>
+            <a:pPr>
+              <a:spcAft>
+                <a:spcPts val="600"/>
+              </a:spcAft>
+              <a:defRPr sz="1500">
+                <a:solidFill>
+                  <a:srgbClr val="B0B8C8"/>
+                </a:solidFill>
+              </a:defRPr>
+            </a:pPr>
+            <a:r>
+              <a:t>   • Provenance = enterprise-grade audit trail</a:t>
+            </a:r>
+          </a:p>
+        </p:txBody>
+      </p:sp>
+      <p:sp>
+        <p:nvSpPr>
+          <p:cNvPr id="8" name="TextBox 7"/>
+          <p:cNvSpPr txBox="1"/>
+          <p:nvPr/>
+        </p:nvSpPr>
+        <p:spPr>
+          <a:xfrm>
+            <a:off x="6400800" y="1554480"/>
+            <a:ext cx="4572000" cy="457200"/>
+          </a:xfrm>
+          <a:prstGeom prst="rect">
+            <a:avLst/>
+          </a:prstGeom>
+          <a:noFill/>
+        </p:spPr>
+        <p:txBody>
+          <a:bodyPr wrap="square">
+            <a:spAutoFit/>
+          </a:bodyPr>
+          <a:lstStyle/>
+          <a:p>
+            <a:pPr algn="l">
+              <a:defRPr sz="2400" b="1">
+                <a:solidFill>
+                  <a:srgbClr val="00B4D8"/>
+                </a:solidFill>
+              </a:defRPr>
+            </a:pPr>
+            <a:r>
+              <a:t>Import Pipeline</a:t>
+            </a:r>
+          </a:p>
+        </p:txBody>
+      </p:sp>
+      <p:sp>
+        <p:nvSpPr>
+          <p:cNvPr id="9" name="TextBox 8"/>
+          <p:cNvSpPr txBox="1"/>
+          <p:nvPr/>
+        </p:nvSpPr>
+        <p:spPr>
+          <a:xfrm>
+            <a:off x="6400800" y="2103120"/>
+            <a:ext cx="5029200" cy="4572000"/>
+          </a:xfrm>
+          <a:prstGeom prst="rect">
+            <a:avLst/>
+          </a:prstGeom>
+          <a:noFill/>
+        </p:spPr>
+        <p:txBody>
+          <a:bodyPr wrap="square">
+            <a:spAutoFit/>
+          </a:bodyPr>
+          <a:lstStyle/>
+          <a:p>
+            <a:pPr>
+              <a:spcAft>
+                <a:spcPts val="600"/>
+              </a:spcAft>
+              <a:defRPr sz="1500">
+                <a:solidFill>
+                  <a:srgbClr val="B0B8C8"/>
+                </a:solidFill>
+              </a:defRPr>
+            </a:pPr>
+            <a:r>
+              <a:t>1. Admin triggers POST /admin/imports/run</a:t>
+            </a:r>
+          </a:p>
+          <a:p>
+            <a:pPr>
+              <a:spcAft>
+                <a:spcPts val="600"/>
+              </a:spcAft>
+              <a:defRPr sz="1500">
+                <a:solidFill>
+                  <a:srgbClr val="B0B8C8"/>
+                </a:solidFill>
+              </a:defRPr>
+            </a:pPr>
+            <a:r>
+              <a:t>2. System fetches XML from Data Mill North</a:t>
+            </a:r>
+          </a:p>
+          <a:p>
+            <a:pPr>
+              <a:spcAft>
+                <a:spcPts val="600"/>
+              </a:spcAft>
+              <a:defRPr sz="1500">
+                <a:solidFill>
+                  <a:srgbClr val="B0B8C8"/>
+                </a:solidFill>
+              </a:defRPr>
+            </a:pPr>
+            <a:r>
+              <a:t>3. SHA256 hash computed for provenance</a:t>
+            </a:r>
+          </a:p>
+          <a:p>
+            <a:pPr>
+              <a:spcAft>
+                <a:spcPts val="600"/>
+              </a:spcAft>
+              <a:defRPr sz="1500">
+                <a:solidFill>
+                  <a:srgbClr val="B0B8C8"/>
+                </a:solidFill>
+              </a:defRPr>
+            </a:pPr>
+            <a:r>
+              <a:t>4. XML parsed → Event objects created</a:t>
+            </a:r>
+          </a:p>
+          <a:p>
+            <a:pPr>
+              <a:spcAft>
+                <a:spcPts val="600"/>
+              </a:spcAft>
+              <a:defRPr sz="1500">
+                <a:solidFill>
+                  <a:srgbClr val="B0B8C8"/>
+                </a:solidFill>
+              </a:defRPr>
+            </a:pPr>
+            <a:r>
+              <a:t>5. ImportRun record saved with metadata:</a:t>
+            </a:r>
+          </a:p>
+          <a:p>
+            <a:pPr>
+              <a:spcAft>
+                <a:spcPts val="600"/>
+              </a:spcAft>
+              <a:defRPr sz="1500">
+                <a:solidFill>
+                  <a:srgbClr val="B0B8C8"/>
+                </a:solidFill>
+              </a:defRPr>
+            </a:pPr>
+            <a:r>
+              <a:t>   • source_url, sha256_hash</a:t>
+            </a:r>
+          </a:p>
+          <a:p>
+            <a:pPr>
+              <a:spcAft>
+                <a:spcPts val="600"/>
+              </a:spcAft>
+              <a:defRPr sz="1500">
+                <a:solidFill>
+                  <a:srgbClr val="B0B8C8"/>
+                </a:solidFill>
+              </a:defRPr>
+            </a:pPr>
+            <a:r>
+              <a:t>   • rows_imported, rows_skipped</a:t>
+            </a:r>
+          </a:p>
+          <a:p>
+            <a:pPr>
+              <a:spcAft>
+                <a:spcPts val="600"/>
+              </a:spcAft>
+              <a:defRPr sz="1500">
+                <a:solidFill>
+                  <a:srgbClr val="B0B8C8"/>
+                </a:solidFill>
+              </a:defRPr>
+            </a:pPr>
+            <a:r>
+              <a:t>   • duration_seconds</a:t>
+            </a:r>
+          </a:p>
+          <a:p>
+            <a:pPr>
+              <a:spcAft>
+                <a:spcPts val="600"/>
+              </a:spcAft>
+              <a:defRPr sz="1500">
+                <a:solidFill>
+                  <a:srgbClr val="B0B8C8"/>
+                </a:solidFill>
+              </a:defRPr>
+            </a:pPr>
+            <a:r>
+              <a:t>6. Events available via GET /events</a:t>
+            </a:r>
+          </a:p>
+          <a:p>
+            <a:pPr>
+              <a:spcAft>
+                <a:spcPts val="600"/>
+              </a:spcAft>
+              <a:defRPr sz="1500">
+                <a:solidFill>
+                  <a:srgbClr val="B0B8C8"/>
+                </a:solidFill>
+              </a:defRPr>
+            </a:pPr>
+          </a:p>
+          <a:p>
+            <a:pPr>
+              <a:spcAft>
+                <a:spcPts val="600"/>
+              </a:spcAft>
+              <a:defRPr sz="1500">
+                <a:solidFill>
+                  <a:srgbClr val="B0B8C8"/>
+                </a:solidFill>
+              </a:defRPr>
+            </a:pPr>
+            <a:r>
+              <a:t>GET /admin/imports → full audit history</a:t>
+            </a:r>
+          </a:p>
+          <a:p>
+            <a:pPr>
+              <a:spcAft>
+                <a:spcPts val="600"/>
+              </a:spcAft>
+              <a:defRPr sz="1500">
+                <a:solidFill>
+                  <a:srgbClr val="B0B8C8"/>
+                </a:solidFill>
+              </a:defRPr>
+            </a:pPr>
+            <a:r>
+              <a:t>GET /admin/dataset/meta → source metadata</a:t>
             </a:r>
           </a:p>
         </p:txBody>
@@ -3835,6 +7366,14 @@
 <file path=ppt/slides/slide7.xml><?xml version="1.0" encoding="utf-8"?>
 <p:sld xmlns:a="http://schemas.openxmlformats.org/drawingml/2006/main" xmlns:p="http://schemas.openxmlformats.org/presentationml/2006/main" xmlns:r="http://schemas.openxmlformats.org/officeDocument/2006/relationships">
   <p:cSld>
+    <p:bg>
+      <p:bgPr>
+        <a:solidFill>
+          <a:srgbClr val="0F172A"/>
+        </a:solidFill>
+        <a:effectLst/>
+      </p:bgPr>
+    </p:bg>
     <p:spTree>
       <p:nvGrpSpPr>
         <p:cNvPr id="1" name=""/>
@@ -3844,66 +7383,629 @@
       <p:grpSpPr/>
       <p:sp>
         <p:nvSpPr>
-          <p:cNvPr id="2" name="Title 1"/>
-          <p:cNvSpPr>
-            <a:spLocks noGrp="1"/>
-          </p:cNvSpPr>
-          <p:nvPr>
-            <p:ph type="title"/>
-          </p:nvPr>
-        </p:nvSpPr>
-        <p:spPr/>
-        <p:txBody>
-          <a:bodyPr/>
-          <a:lstStyle/>
-          <a:p>
-            <a:r>
-              <a:t>Analytics &amp; Recommendations</a:t>
-            </a:r>
-          </a:p>
-        </p:txBody>
-      </p:sp>
-      <p:sp>
-        <p:nvSpPr>
-          <p:cNvPr id="3" name="Content Placeholder 2"/>
-          <p:cNvSpPr>
-            <a:spLocks noGrp="1"/>
-          </p:cNvSpPr>
-          <p:nvPr>
-            <p:ph idx="1"/>
-          </p:nvPr>
-        </p:nvSpPr>
-        <p:spPr/>
-        <p:txBody>
-          <a:bodyPr/>
-          <a:lstStyle/>
-          <a:p>
-            <a:r>
-              <a:t>/analytics/events/seasonality – Monthly event aggregation</a:t>
-            </a:r>
-          </a:p>
-          <a:p>
-            <a:pPr/>
-            <a:r>
-              <a:t>/analytics/events/trending – RSVP-based trending score</a:t>
-            </a:r>
-          </a:p>
-          <a:p>
-            <a:pPr/>
-            <a:r>
-              <a:t>Formula: score = (recent_rsvps × 1.5) + (total_rsvps × 0.5)</a:t>
-            </a:r>
-          </a:p>
-          <a:p>
-            <a:pPr/>
-            <a:r>
-              <a:t>/events/recommendations – Personalised based on history</a:t>
-            </a:r>
-          </a:p>
-          <a:p>
-            <a:pPr/>
-            <a:r>
-              <a:t>Cold start handling: Top upcoming events for new users</a:t>
+          <p:cNvPr id="2" name="TextBox 1"/>
+          <p:cNvSpPr txBox="1"/>
+          <p:nvPr/>
+        </p:nvSpPr>
+        <p:spPr>
+          <a:xfrm>
+            <a:off x="731520" y="274320"/>
+            <a:ext cx="10058400" cy="731520"/>
+          </a:xfrm>
+          <a:prstGeom prst="rect">
+            <a:avLst/>
+          </a:prstGeom>
+          <a:noFill/>
+        </p:spPr>
+        <p:txBody>
+          <a:bodyPr wrap="square">
+            <a:spAutoFit/>
+          </a:bodyPr>
+          <a:lstStyle/>
+          <a:p>
+            <a:pPr algn="l">
+              <a:defRPr sz="4000" b="1">
+                <a:solidFill>
+                  <a:srgbClr val="00B4D8"/>
+                </a:solidFill>
+              </a:defRPr>
+            </a:pPr>
+            <a:r>
+              <a:t>Testing &amp; Error Handling</a:t>
+            </a:r>
+          </a:p>
+        </p:txBody>
+      </p:sp>
+      <p:sp>
+        <p:nvSpPr>
+          <p:cNvPr id="3" name="Rectangle 2"/>
+          <p:cNvSpPr/>
+          <p:nvPr/>
+        </p:nvSpPr>
+        <p:spPr>
+          <a:xfrm>
+            <a:off x="731520" y="914400"/>
+            <a:ext cx="2743200" cy="45720"/>
+          </a:xfrm>
+          <a:prstGeom prst="rect">
+            <a:avLst/>
+          </a:prstGeom>
+          <a:solidFill>
+            <a:srgbClr val="00B4D8"/>
+          </a:solidFill>
+          <a:ln>
+            <a:noFill/>
+          </a:ln>
+        </p:spPr>
+        <p:style>
+          <a:lnRef idx="1">
+            <a:schemeClr val="accent1"/>
+          </a:lnRef>
+          <a:fillRef idx="3">
+            <a:schemeClr val="accent1"/>
+          </a:fillRef>
+          <a:effectRef idx="2">
+            <a:schemeClr val="accent1"/>
+          </a:effectRef>
+          <a:fontRef idx="minor">
+            <a:schemeClr val="lt1"/>
+          </a:fontRef>
+        </p:style>
+        <p:txBody>
+          <a:bodyPr rtlCol="0" anchor="ctr"/>
+          <a:lstStyle/>
+          <a:p>
+            <a:pPr algn="ctr"/>
+          </a:p>
+        </p:txBody>
+      </p:sp>
+      <p:sp>
+        <p:nvSpPr>
+          <p:cNvPr id="4" name="Rounded Rectangle 3"/>
+          <p:cNvSpPr/>
+          <p:nvPr/>
+        </p:nvSpPr>
+        <p:spPr>
+          <a:xfrm>
+            <a:off x="731520" y="1371600"/>
+            <a:ext cx="3200400" cy="1828800"/>
+          </a:xfrm>
+          <a:prstGeom prst="roundRect">
+            <a:avLst/>
+          </a:prstGeom>
+          <a:solidFill>
+            <a:srgbClr val="1A253C"/>
+          </a:solidFill>
+          <a:ln>
+            <a:noFill/>
+          </a:ln>
+        </p:spPr>
+        <p:style>
+          <a:lnRef idx="1">
+            <a:schemeClr val="accent1"/>
+          </a:lnRef>
+          <a:fillRef idx="3">
+            <a:schemeClr val="accent1"/>
+          </a:fillRef>
+          <a:effectRef idx="2">
+            <a:schemeClr val="accent1"/>
+          </a:effectRef>
+          <a:fontRef idx="minor">
+            <a:schemeClr val="lt1"/>
+          </a:fontRef>
+        </p:style>
+        <p:txBody>
+          <a:bodyPr rtlCol="0" anchor="ctr"/>
+          <a:lstStyle/>
+          <a:p>
+            <a:pPr algn="ctr"/>
+          </a:p>
+        </p:txBody>
+      </p:sp>
+      <p:sp>
+        <p:nvSpPr>
+          <p:cNvPr id="5" name="TextBox 4"/>
+          <p:cNvSpPr txBox="1"/>
+          <p:nvPr/>
+        </p:nvSpPr>
+        <p:spPr>
+          <a:xfrm>
+            <a:off x="1371600" y="1554480"/>
+            <a:ext cx="1828800" cy="822960"/>
+          </a:xfrm>
+          <a:prstGeom prst="rect">
+            <a:avLst/>
+          </a:prstGeom>
+          <a:noFill/>
+        </p:spPr>
+        <p:txBody>
+          <a:bodyPr wrap="square">
+            <a:spAutoFit/>
+          </a:bodyPr>
+          <a:lstStyle/>
+          <a:p>
+            <a:pPr algn="ctr">
+              <a:defRPr sz="7200" b="1">
+                <a:solidFill>
+                  <a:srgbClr val="2ECC71"/>
+                </a:solidFill>
+              </a:defRPr>
+            </a:pPr>
+            <a:r>
+              <a:t>41</a:t>
+            </a:r>
+          </a:p>
+        </p:txBody>
+      </p:sp>
+      <p:sp>
+        <p:nvSpPr>
+          <p:cNvPr id="6" name="TextBox 5"/>
+          <p:cNvSpPr txBox="1"/>
+          <p:nvPr/>
+        </p:nvSpPr>
+        <p:spPr>
+          <a:xfrm>
+            <a:off x="1371600" y="2377440"/>
+            <a:ext cx="1828800" cy="457200"/>
+          </a:xfrm>
+          <a:prstGeom prst="rect">
+            <a:avLst/>
+          </a:prstGeom>
+          <a:noFill/>
+        </p:spPr>
+        <p:txBody>
+          <a:bodyPr wrap="square">
+            <a:spAutoFit/>
+          </a:bodyPr>
+          <a:lstStyle/>
+          <a:p>
+            <a:pPr algn="ctr">
+              <a:defRPr sz="2000" b="0">
+                <a:solidFill>
+                  <a:srgbClr val="B0B8C8"/>
+                </a:solidFill>
+              </a:defRPr>
+            </a:pPr>
+            <a:r>
+              <a:t>tests passing</a:t>
+            </a:r>
+          </a:p>
+        </p:txBody>
+      </p:sp>
+      <p:sp>
+        <p:nvSpPr>
+          <p:cNvPr id="7" name="TextBox 6"/>
+          <p:cNvSpPr txBox="1"/>
+          <p:nvPr/>
+        </p:nvSpPr>
+        <p:spPr>
+          <a:xfrm>
+            <a:off x="4389120" y="1371600"/>
+            <a:ext cx="4572000" cy="5029200"/>
+          </a:xfrm>
+          <a:prstGeom prst="rect">
+            <a:avLst/>
+          </a:prstGeom>
+          <a:noFill/>
+        </p:spPr>
+        <p:txBody>
+          <a:bodyPr wrap="square">
+            <a:spAutoFit/>
+          </a:bodyPr>
+          <a:lstStyle/>
+          <a:p>
+            <a:pPr>
+              <a:spcAft>
+                <a:spcPts val="600"/>
+              </a:spcAft>
+              <a:defRPr sz="1400">
+                <a:solidFill>
+                  <a:srgbClr val="B0B8C8"/>
+                </a:solidFill>
+              </a:defRPr>
+            </a:pPr>
+            <a:r>
+              <a:t>✅  test_auth.py — JWT register/login/token</a:t>
+            </a:r>
+          </a:p>
+          <a:p>
+            <a:pPr>
+              <a:spcAft>
+                <a:spcPts val="600"/>
+              </a:spcAft>
+              <a:defRPr sz="1400">
+                <a:solidFill>
+                  <a:srgbClr val="B0B8C8"/>
+                </a:solidFill>
+              </a:defRPr>
+            </a:pPr>
+            <a:r>
+              <a:t>✅  test_events.py — Full CRUD lifecycle</a:t>
+            </a:r>
+          </a:p>
+          <a:p>
+            <a:pPr>
+              <a:spcAft>
+                <a:spcPts val="600"/>
+              </a:spcAft>
+              <a:defRPr sz="1400">
+                <a:solidFill>
+                  <a:srgbClr val="B0B8C8"/>
+                </a:solidFill>
+              </a:defRPr>
+            </a:pPr>
+            <a:r>
+              <a:t>✅  test_attendees.py — Attendee management</a:t>
+            </a:r>
+          </a:p>
+          <a:p>
+            <a:pPr>
+              <a:spcAft>
+                <a:spcPts val="600"/>
+              </a:spcAft>
+              <a:defRPr sz="1400">
+                <a:solidFill>
+                  <a:srgbClr val="B0B8C8"/>
+                </a:solidFill>
+              </a:defRPr>
+            </a:pPr>
+            <a:r>
+              <a:t>✅  test_rsvps.py — RSVP + duplicate rejection</a:t>
+            </a:r>
+          </a:p>
+          <a:p>
+            <a:pPr>
+              <a:spcAft>
+                <a:spcPts val="600"/>
+              </a:spcAft>
+              <a:defRPr sz="1400">
+                <a:solidFill>
+                  <a:srgbClr val="B0B8C8"/>
+                </a:solidFill>
+              </a:defRPr>
+            </a:pPr>
+            <a:r>
+              <a:t>✅  test_analytics.py — Seasonality/trending</a:t>
+            </a:r>
+          </a:p>
+          <a:p>
+            <a:pPr>
+              <a:spcAft>
+                <a:spcPts val="600"/>
+              </a:spcAft>
+              <a:defRPr sz="1400">
+                <a:solidFill>
+                  <a:srgbClr val="B0B8C8"/>
+                </a:solidFill>
+              </a:defRPr>
+            </a:pPr>
+            <a:r>
+              <a:t>✅  test_admin.py — Import + dataset meta</a:t>
+            </a:r>
+          </a:p>
+          <a:p>
+            <a:pPr>
+              <a:spcAft>
+                <a:spcPts val="600"/>
+              </a:spcAft>
+              <a:defRPr sz="1400">
+                <a:solidFill>
+                  <a:srgbClr val="B0B8C8"/>
+                </a:solidFill>
+              </a:defRPr>
+            </a:pPr>
+            <a:r>
+              <a:t>✅  test_admin_security.py — RBAC 401/403</a:t>
+            </a:r>
+          </a:p>
+          <a:p>
+            <a:pPr>
+              <a:spcAft>
+                <a:spcPts val="600"/>
+              </a:spcAft>
+              <a:defRPr sz="1400">
+                <a:solidFill>
+                  <a:srgbClr val="B0B8C8"/>
+                </a:solidFill>
+              </a:defRPr>
+            </a:pPr>
+            <a:r>
+              <a:t>✅  test_etags.py — ETag + 304</a:t>
+            </a:r>
+          </a:p>
+          <a:p>
+            <a:pPr>
+              <a:spcAft>
+                <a:spcPts val="600"/>
+              </a:spcAft>
+              <a:defRPr sz="1400">
+                <a:solidFill>
+                  <a:srgbClr val="B0B8C8"/>
+                </a:solidFill>
+              </a:defRPr>
+            </a:pPr>
+            <a:r>
+              <a:t>✅  test_headers_security.py — 7 headers</a:t>
+            </a:r>
+          </a:p>
+          <a:p>
+            <a:pPr>
+              <a:spcAft>
+                <a:spcPts val="600"/>
+              </a:spcAft>
+              <a:defRPr sz="1400">
+                <a:solidFill>
+                  <a:srgbClr val="B0B8C8"/>
+                </a:solidFill>
+              </a:defRPr>
+            </a:pPr>
+            <a:r>
+              <a:t>✅  test_middleware.py — Rate limit 429</a:t>
+            </a:r>
+          </a:p>
+          <a:p>
+            <a:pPr>
+              <a:spcAft>
+                <a:spcPts val="600"/>
+              </a:spcAft>
+              <a:defRPr sz="1400">
+                <a:solidFill>
+                  <a:srgbClr val="B0B8C8"/>
+                </a:solidFill>
+              </a:defRPr>
+            </a:pPr>
+            <a:r>
+              <a:t>✅  test_dataset_provenance.py — SHA256</a:t>
+            </a:r>
+          </a:p>
+          <a:p>
+            <a:pPr>
+              <a:spcAft>
+                <a:spcPts val="600"/>
+              </a:spcAft>
+              <a:defRPr sz="1400">
+                <a:solidFill>
+                  <a:srgbClr val="B0B8C8"/>
+                </a:solidFill>
+              </a:defRPr>
+            </a:pPr>
+            <a:r>
+              <a:t>✅  test_health.py — /health fields</a:t>
+            </a:r>
+          </a:p>
+          <a:p>
+            <a:pPr>
+              <a:spcAft>
+                <a:spcPts val="600"/>
+              </a:spcAft>
+              <a:defRPr sz="1400">
+                <a:solidFill>
+                  <a:srgbClr val="B0B8C8"/>
+                </a:solidFill>
+              </a:defRPr>
+            </a:pPr>
+            <a:r>
+              <a:t>✅  test_admin_errors.py — Error cases</a:t>
+            </a:r>
+          </a:p>
+          <a:p>
+            <a:pPr>
+              <a:spcAft>
+                <a:spcPts val="600"/>
+              </a:spcAft>
+              <a:defRPr sz="1400">
+                <a:solidFill>
+                  <a:srgbClr val="B0B8C8"/>
+                </a:solidFill>
+              </a:defRPr>
+            </a:pPr>
+            <a:r>
+              <a:t>✅  test_import.py — Import pipeline</a:t>
+            </a:r>
+          </a:p>
+        </p:txBody>
+      </p:sp>
+      <p:sp>
+        <p:nvSpPr>
+          <p:cNvPr id="8" name="TextBox 7"/>
+          <p:cNvSpPr txBox="1"/>
+          <p:nvPr/>
+        </p:nvSpPr>
+        <p:spPr>
+          <a:xfrm>
+            <a:off x="9601200" y="1371600"/>
+            <a:ext cx="2286000" cy="457200"/>
+          </a:xfrm>
+          <a:prstGeom prst="rect">
+            <a:avLst/>
+          </a:prstGeom>
+          <a:noFill/>
+        </p:spPr>
+        <p:txBody>
+          <a:bodyPr wrap="square">
+            <a:spAutoFit/>
+          </a:bodyPr>
+          <a:lstStyle/>
+          <a:p>
+            <a:pPr algn="l">
+              <a:defRPr sz="2000" b="1">
+                <a:solidFill>
+                  <a:srgbClr val="F39C12"/>
+                </a:solidFill>
+              </a:defRPr>
+            </a:pPr>
+            <a:r>
+              <a:t>Error Handling</a:t>
+            </a:r>
+          </a:p>
+        </p:txBody>
+      </p:sp>
+      <p:sp>
+        <p:nvSpPr>
+          <p:cNvPr id="9" name="TextBox 8"/>
+          <p:cNvSpPr txBox="1"/>
+          <p:nvPr/>
+        </p:nvSpPr>
+        <p:spPr>
+          <a:xfrm>
+            <a:off x="9601200" y="1920240"/>
+            <a:ext cx="2286000" cy="3657600"/>
+          </a:xfrm>
+          <a:prstGeom prst="rect">
+            <a:avLst/>
+          </a:prstGeom>
+          <a:noFill/>
+        </p:spPr>
+        <p:txBody>
+          <a:bodyPr wrap="square">
+            <a:spAutoFit/>
+          </a:bodyPr>
+          <a:lstStyle/>
+          <a:p>
+            <a:pPr>
+              <a:spcAft>
+                <a:spcPts val="600"/>
+              </a:spcAft>
+              <a:defRPr sz="1300">
+                <a:solidFill>
+                  <a:srgbClr val="B0B8C8"/>
+                </a:solidFill>
+              </a:defRPr>
+            </a:pPr>
+            <a:r>
+              <a:t>404 — not found</a:t>
+            </a:r>
+          </a:p>
+          <a:p>
+            <a:pPr>
+              <a:spcAft>
+                <a:spcPts val="600"/>
+              </a:spcAft>
+              <a:defRPr sz="1300">
+                <a:solidFill>
+                  <a:srgbClr val="B0B8C8"/>
+                </a:solidFill>
+              </a:defRPr>
+            </a:pPr>
+            <a:r>
+              <a:t>401 — unauthorised</a:t>
+            </a:r>
+          </a:p>
+          <a:p>
+            <a:pPr>
+              <a:spcAft>
+                <a:spcPts val="600"/>
+              </a:spcAft>
+              <a:defRPr sz="1300">
+                <a:solidFill>
+                  <a:srgbClr val="B0B8C8"/>
+                </a:solidFill>
+              </a:defRPr>
+            </a:pPr>
+            <a:r>
+              <a:t>403 — forbidden (RBAC)</a:t>
+            </a:r>
+          </a:p>
+          <a:p>
+            <a:pPr>
+              <a:spcAft>
+                <a:spcPts val="600"/>
+              </a:spcAft>
+              <a:defRPr sz="1300">
+                <a:solidFill>
+                  <a:srgbClr val="B0B8C8"/>
+                </a:solidFill>
+              </a:defRPr>
+            </a:pPr>
+            <a:r>
+              <a:t>409 — duplicate</a:t>
+            </a:r>
+          </a:p>
+          <a:p>
+            <a:pPr>
+              <a:spcAft>
+                <a:spcPts val="600"/>
+              </a:spcAft>
+              <a:defRPr sz="1300">
+                <a:solidFill>
+                  <a:srgbClr val="B0B8C8"/>
+                </a:solidFill>
+              </a:defRPr>
+            </a:pPr>
+            <a:r>
+              <a:t>429 — rate limited</a:t>
+            </a:r>
+          </a:p>
+          <a:p>
+            <a:pPr>
+              <a:spcAft>
+                <a:spcPts val="600"/>
+              </a:spcAft>
+              <a:defRPr sz="1300">
+                <a:solidFill>
+                  <a:srgbClr val="B0B8C8"/>
+                </a:solidFill>
+              </a:defRPr>
+            </a:pPr>
+            <a:r>
+              <a:t>500 — sanitized</a:t>
+            </a:r>
+          </a:p>
+          <a:p>
+            <a:pPr>
+              <a:spcAft>
+                <a:spcPts val="600"/>
+              </a:spcAft>
+              <a:defRPr sz="1300">
+                <a:solidFill>
+                  <a:srgbClr val="B0B8C8"/>
+                </a:solidFill>
+              </a:defRPr>
+            </a:pPr>
+          </a:p>
+          <a:p>
+            <a:pPr>
+              <a:spcAft>
+                <a:spcPts val="600"/>
+              </a:spcAft>
+              <a:defRPr sz="1300">
+                <a:solidFill>
+                  <a:srgbClr val="B0B8C8"/>
+                </a:solidFill>
+              </a:defRPr>
+            </a:pPr>
+            <a:r>
+              <a:t>All include:</a:t>
+            </a:r>
+          </a:p>
+          <a:p>
+            <a:pPr>
+              <a:spcAft>
+                <a:spcPts val="600"/>
+              </a:spcAft>
+              <a:defRPr sz="1300">
+                <a:solidFill>
+                  <a:srgbClr val="B0B8C8"/>
+                </a:solidFill>
+              </a:defRPr>
+            </a:pPr>
+            <a:r>
+              <a:t>  X-Request-ID</a:t>
+            </a:r>
+          </a:p>
+          <a:p>
+            <a:pPr>
+              <a:spcAft>
+                <a:spcPts val="600"/>
+              </a:spcAft>
+              <a:defRPr sz="1300">
+                <a:solidFill>
+                  <a:srgbClr val="B0B8C8"/>
+                </a:solidFill>
+              </a:defRPr>
+            </a:pPr>
+            <a:r>
+              <a:t>  Security headers</a:t>
             </a:r>
           </a:p>
         </p:txBody>
@@ -3919,6 +8021,14 @@
 <file path=ppt/slides/slide8.xml><?xml version="1.0" encoding="utf-8"?>
 <p:sld xmlns:a="http://schemas.openxmlformats.org/drawingml/2006/main" xmlns:p="http://schemas.openxmlformats.org/presentationml/2006/main" xmlns:r="http://schemas.openxmlformats.org/officeDocument/2006/relationships">
   <p:cSld>
+    <p:bg>
+      <p:bgPr>
+        <a:solidFill>
+          <a:srgbClr val="0F172A"/>
+        </a:solidFill>
+        <a:effectLst/>
+      </p:bgPr>
+    </p:bg>
     <p:spTree>
       <p:nvGrpSpPr>
         <p:cNvPr id="1" name=""/>
@@ -3928,70 +8038,453 @@
       <p:grpSpPr/>
       <p:sp>
         <p:nvSpPr>
-          <p:cNvPr id="2" name="Title 1"/>
-          <p:cNvSpPr>
-            <a:spLocks noGrp="1"/>
-          </p:cNvSpPr>
-          <p:nvPr>
-            <p:ph type="title"/>
-          </p:nvPr>
-        </p:nvSpPr>
-        <p:spPr/>
-        <p:txBody>
-          <a:bodyPr/>
-          <a:lstStyle/>
-          <a:p>
-            <a:r>
-              <a:t>Testing &amp; Quality Assurance</a:t>
-            </a:r>
-          </a:p>
-        </p:txBody>
-      </p:sp>
-      <p:sp>
-        <p:nvSpPr>
-          <p:cNvPr id="3" name="Content Placeholder 2"/>
-          <p:cNvSpPr>
-            <a:spLocks noGrp="1"/>
-          </p:cNvSpPr>
-          <p:nvPr>
-            <p:ph idx="1"/>
-          </p:nvPr>
-        </p:nvSpPr>
-        <p:spPr/>
-        <p:txBody>
-          <a:bodyPr/>
-          <a:lstStyle/>
-          <a:p>
-            <a:r>
-              <a:t>25 automated tests using pytest + TestClient</a:t>
-            </a:r>
-          </a:p>
-          <a:p>
-            <a:pPr/>
-            <a:r>
-              <a:t>In-memory SQLite with StaticPool for isolation</a:t>
-            </a:r>
-          </a:p>
-          <a:p>
-            <a:pPr/>
-            <a:r>
-              <a:t>Coverage: Auth, Events, Attendees, RSVPs, Analytics</a:t>
-            </a:r>
-          </a:p>
-          <a:p>
-            <a:pPr/>
-            <a:r>
-              <a:t>Both success paths and error cases (401, 404, 409, 422)</a:t>
-            </a:r>
-          </a:p>
-          <a:p>
-            <a:pPr/>
-            <a:r>
-              <a:t>All tests passing: pytest -q → 25 passed</a:t>
-            </a:r>
-          </a:p>
-        </p:txBody>
-      </p:sp>
+          <p:cNvPr id="2" name="TextBox 1"/>
+          <p:cNvSpPr txBox="1"/>
+          <p:nvPr/>
+        </p:nvSpPr>
+        <p:spPr>
+          <a:xfrm>
+            <a:off x="731520" y="274320"/>
+            <a:ext cx="10058400" cy="731520"/>
+          </a:xfrm>
+          <a:prstGeom prst="rect">
+            <a:avLst/>
+          </a:prstGeom>
+          <a:noFill/>
+        </p:spPr>
+        <p:txBody>
+          <a:bodyPr wrap="square">
+            <a:spAutoFit/>
+          </a:bodyPr>
+          <a:lstStyle/>
+          <a:p>
+            <a:pPr algn="l">
+              <a:defRPr sz="4000" b="1">
+                <a:solidFill>
+                  <a:srgbClr val="00B4D8"/>
+                </a:solidFill>
+              </a:defRPr>
+            </a:pPr>
+            <a:r>
+              <a:t>Live Deployment</a:t>
+            </a:r>
+          </a:p>
+        </p:txBody>
+      </p:sp>
+      <p:sp>
+        <p:nvSpPr>
+          <p:cNvPr id="3" name="Rectangle 2"/>
+          <p:cNvSpPr/>
+          <p:nvPr/>
+        </p:nvSpPr>
+        <p:spPr>
+          <a:xfrm>
+            <a:off x="731520" y="914400"/>
+            <a:ext cx="2743200" cy="45720"/>
+          </a:xfrm>
+          <a:prstGeom prst="rect">
+            <a:avLst/>
+          </a:prstGeom>
+          <a:solidFill>
+            <a:srgbClr val="00B4D8"/>
+          </a:solidFill>
+          <a:ln>
+            <a:noFill/>
+          </a:ln>
+        </p:spPr>
+        <p:style>
+          <a:lnRef idx="1">
+            <a:schemeClr val="accent1"/>
+          </a:lnRef>
+          <a:fillRef idx="3">
+            <a:schemeClr val="accent1"/>
+          </a:fillRef>
+          <a:effectRef idx="2">
+            <a:schemeClr val="accent1"/>
+          </a:effectRef>
+          <a:fontRef idx="minor">
+            <a:schemeClr val="lt1"/>
+          </a:fontRef>
+        </p:style>
+        <p:txBody>
+          <a:bodyPr rtlCol="0" anchor="ctr"/>
+          <a:lstStyle/>
+          <a:p>
+            <a:pPr algn="ctr"/>
+          </a:p>
+        </p:txBody>
+      </p:sp>
+      <p:sp>
+        <p:nvSpPr>
+          <p:cNvPr id="4" name="Rounded Rectangle 3"/>
+          <p:cNvSpPr/>
+          <p:nvPr/>
+        </p:nvSpPr>
+        <p:spPr>
+          <a:xfrm>
+            <a:off x="731520" y="1371600"/>
+            <a:ext cx="5029200" cy="4754880"/>
+          </a:xfrm>
+          <a:prstGeom prst="roundRect">
+            <a:avLst/>
+          </a:prstGeom>
+          <a:solidFill>
+            <a:srgbClr val="1A253C"/>
+          </a:solidFill>
+          <a:ln>
+            <a:noFill/>
+          </a:ln>
+        </p:spPr>
+        <p:style>
+          <a:lnRef idx="1">
+            <a:schemeClr val="accent1"/>
+          </a:lnRef>
+          <a:fillRef idx="3">
+            <a:schemeClr val="accent1"/>
+          </a:fillRef>
+          <a:effectRef idx="2">
+            <a:schemeClr val="accent1"/>
+          </a:effectRef>
+          <a:fontRef idx="minor">
+            <a:schemeClr val="lt1"/>
+          </a:fontRef>
+        </p:style>
+        <p:txBody>
+          <a:bodyPr rtlCol="0" anchor="ctr"/>
+          <a:lstStyle/>
+          <a:p>
+            <a:pPr algn="ctr"/>
+          </a:p>
+        </p:txBody>
+      </p:sp>
+      <p:sp>
+        <p:nvSpPr>
+          <p:cNvPr id="5" name="TextBox 4"/>
+          <p:cNvSpPr txBox="1"/>
+          <p:nvPr/>
+        </p:nvSpPr>
+        <p:spPr>
+          <a:xfrm>
+            <a:off x="1097280" y="1554480"/>
+            <a:ext cx="4572000" cy="457200"/>
+          </a:xfrm>
+          <a:prstGeom prst="rect">
+            <a:avLst/>
+          </a:prstGeom>
+          <a:noFill/>
+        </p:spPr>
+        <p:txBody>
+          <a:bodyPr wrap="square">
+            <a:spAutoFit/>
+          </a:bodyPr>
+          <a:lstStyle/>
+          <a:p>
+            <a:pPr algn="l">
+              <a:defRPr sz="2400" b="1">
+                <a:solidFill>
+                  <a:srgbClr val="00B4D8"/>
+                </a:solidFill>
+              </a:defRPr>
+            </a:pPr>
+            <a:r>
+              <a:t>Render.com</a:t>
+            </a:r>
+          </a:p>
+        </p:txBody>
+      </p:sp>
+      <p:sp>
+        <p:nvSpPr>
+          <p:cNvPr id="6" name="TextBox 5"/>
+          <p:cNvSpPr txBox="1"/>
+          <p:nvPr/>
+        </p:nvSpPr>
+        <p:spPr>
+          <a:xfrm>
+            <a:off x="1097280" y="2103120"/>
+            <a:ext cx="4389120" cy="4114800"/>
+          </a:xfrm>
+          <a:prstGeom prst="rect">
+            <a:avLst/>
+          </a:prstGeom>
+          <a:noFill/>
+        </p:spPr>
+        <p:txBody>
+          <a:bodyPr wrap="square">
+            <a:spAutoFit/>
+          </a:bodyPr>
+          <a:lstStyle/>
+          <a:p>
+            <a:pPr>
+              <a:spcAft>
+                <a:spcPts val="600"/>
+              </a:spcAft>
+              <a:defRPr sz="1500">
+                <a:solidFill>
+                  <a:srgbClr val="B0B8C8"/>
+                </a:solidFill>
+              </a:defRPr>
+            </a:pPr>
+            <a:r>
+              <a:t>🌐  comp3011-cw1-api.onrender.com</a:t>
+            </a:r>
+          </a:p>
+          <a:p>
+            <a:pPr>
+              <a:spcAft>
+                <a:spcPts val="600"/>
+              </a:spcAft>
+              <a:defRPr sz="1500">
+                <a:solidFill>
+                  <a:srgbClr val="B0B8C8"/>
+                </a:solidFill>
+              </a:defRPr>
+            </a:pPr>
+          </a:p>
+          <a:p>
+            <a:pPr>
+              <a:spcAft>
+                <a:spcPts val="600"/>
+              </a:spcAft>
+              <a:defRPr sz="1500">
+                <a:solidFill>
+                  <a:srgbClr val="B0B8C8"/>
+                </a:solidFill>
+              </a:defRPr>
+            </a:pPr>
+            <a:r>
+              <a:t>Infrastructure:</a:t>
+            </a:r>
+          </a:p>
+          <a:p>
+            <a:pPr>
+              <a:spcAft>
+                <a:spcPts val="600"/>
+              </a:spcAft>
+              <a:defRPr sz="1500">
+                <a:solidFill>
+                  <a:srgbClr val="B0B8C8"/>
+                </a:solidFill>
+              </a:defRPr>
+            </a:pPr>
+            <a:r>
+              <a:t>   • Python 3.x runtime</a:t>
+            </a:r>
+          </a:p>
+          <a:p>
+            <a:pPr>
+              <a:spcAft>
+                <a:spcPts val="600"/>
+              </a:spcAft>
+              <a:defRPr sz="1500">
+                <a:solidFill>
+                  <a:srgbClr val="B0B8C8"/>
+                </a:solidFill>
+              </a:defRPr>
+            </a:pPr>
+            <a:r>
+              <a:t>   • Managed PostgreSQL database</a:t>
+            </a:r>
+          </a:p>
+          <a:p>
+            <a:pPr>
+              <a:spcAft>
+                <a:spcPts val="600"/>
+              </a:spcAft>
+              <a:defRPr sz="1500">
+                <a:solidFill>
+                  <a:srgbClr val="B0B8C8"/>
+                </a:solidFill>
+              </a:defRPr>
+            </a:pPr>
+            <a:r>
+              <a:t>   • Auto-deploy from GitHub main branch</a:t>
+            </a:r>
+          </a:p>
+          <a:p>
+            <a:pPr>
+              <a:spcAft>
+                <a:spcPts val="600"/>
+              </a:spcAft>
+              <a:defRPr sz="1500">
+                <a:solidFill>
+                  <a:srgbClr val="B0B8C8"/>
+                </a:solidFill>
+              </a:defRPr>
+            </a:pPr>
+            <a:r>
+              <a:t>   • render.yaml (Infrastructure as Code)</a:t>
+            </a:r>
+          </a:p>
+          <a:p>
+            <a:pPr>
+              <a:spcAft>
+                <a:spcPts val="600"/>
+              </a:spcAft>
+              <a:defRPr sz="1500">
+                <a:solidFill>
+                  <a:srgbClr val="B0B8C8"/>
+                </a:solidFill>
+              </a:defRPr>
+            </a:pPr>
+          </a:p>
+          <a:p>
+            <a:pPr>
+              <a:spcAft>
+                <a:spcPts val="600"/>
+              </a:spcAft>
+              <a:defRPr sz="1500">
+                <a:solidFill>
+                  <a:srgbClr val="B0B8C8"/>
+                </a:solidFill>
+              </a:defRPr>
+            </a:pPr>
+            <a:r>
+              <a:t>Configuration:</a:t>
+            </a:r>
+          </a:p>
+          <a:p>
+            <a:pPr>
+              <a:spcAft>
+                <a:spcPts val="600"/>
+              </a:spcAft>
+              <a:defRPr sz="1500">
+                <a:solidFill>
+                  <a:srgbClr val="B0B8C8"/>
+                </a:solidFill>
+              </a:defRPr>
+            </a:pPr>
+            <a:r>
+              <a:t>   • ENVIRONMENT = prod</a:t>
+            </a:r>
+          </a:p>
+          <a:p>
+            <a:pPr>
+              <a:spcAft>
+                <a:spcPts val="600"/>
+              </a:spcAft>
+              <a:defRPr sz="1500">
+                <a:solidFill>
+                  <a:srgbClr val="B0B8C8"/>
+                </a:solidFill>
+              </a:defRPr>
+            </a:pPr>
+            <a:r>
+              <a:t>   • RATE_LIMIT_ENABLED = true</a:t>
+            </a:r>
+          </a:p>
+          <a:p>
+            <a:pPr>
+              <a:spcAft>
+                <a:spcPts val="600"/>
+              </a:spcAft>
+              <a:defRPr sz="1500">
+                <a:solidFill>
+                  <a:srgbClr val="B0B8C8"/>
+                </a:solidFill>
+              </a:defRPr>
+            </a:pPr>
+            <a:r>
+              <a:t>   • ALLOWED_ORIGINS = restricted</a:t>
+            </a:r>
+          </a:p>
+          <a:p>
+            <a:pPr>
+              <a:spcAft>
+                <a:spcPts val="600"/>
+              </a:spcAft>
+              <a:defRPr sz="1500">
+                <a:solidFill>
+                  <a:srgbClr val="B0B8C8"/>
+                </a:solidFill>
+              </a:defRPr>
+            </a:pPr>
+            <a:r>
+              <a:t>   • SECRET_KEY = auto-generated</a:t>
+            </a:r>
+          </a:p>
+          <a:p>
+            <a:pPr>
+              <a:spcAft>
+                <a:spcPts val="600"/>
+              </a:spcAft>
+              <a:defRPr sz="1500">
+                <a:solidFill>
+                  <a:srgbClr val="B0B8C8"/>
+                </a:solidFill>
+              </a:defRPr>
+            </a:pPr>
+          </a:p>
+          <a:p>
+            <a:pPr>
+              <a:spcAft>
+                <a:spcPts val="600"/>
+              </a:spcAft>
+              <a:defRPr sz="1500">
+                <a:solidFill>
+                  <a:srgbClr val="B0B8C8"/>
+                </a:solidFill>
+              </a:defRPr>
+            </a:pPr>
+            <a:r>
+              <a:t>Environment Detection:</a:t>
+            </a:r>
+          </a:p>
+          <a:p>
+            <a:pPr>
+              <a:spcAft>
+                <a:spcPts val="600"/>
+              </a:spcAft>
+              <a:defRPr sz="1500">
+                <a:solidFill>
+                  <a:srgbClr val="B0B8C8"/>
+                </a:solidFill>
+              </a:defRPr>
+            </a:pPr>
+            <a:r>
+              <a:t>   RENDER env var → always prod</a:t>
+            </a:r>
+          </a:p>
+          <a:p>
+            <a:pPr>
+              <a:spcAft>
+                <a:spcPts val="600"/>
+              </a:spcAft>
+              <a:defRPr sz="1500">
+                <a:solidFill>
+                  <a:srgbClr val="B0B8C8"/>
+                </a:solidFill>
+              </a:defRPr>
+            </a:pPr>
+            <a:r>
+              <a:t>   load_dotenv() skipped on Render</a:t>
+            </a:r>
+          </a:p>
+        </p:txBody>
+      </p:sp>
+      <p:pic>
+        <p:nvPicPr>
+          <p:cNvPr id="7" name="Picture 6" descr="health_check_prod_1770726122453.png"/>
+          <p:cNvPicPr>
+            <a:picLocks noChangeAspect="1"/>
+          </p:cNvPicPr>
+          <p:nvPr/>
+        </p:nvPicPr>
+        <p:blipFill>
+          <a:blip r:embed="rId2"/>
+          <a:stretch>
+            <a:fillRect/>
+          </a:stretch>
+        </p:blipFill>
+        <p:spPr>
+          <a:xfrm>
+            <a:off x="6400800" y="1371600"/>
+            <a:ext cx="5029200" cy="4754880"/>
+          </a:xfrm>
+          <a:prstGeom prst="rect">
+            <a:avLst/>
+          </a:prstGeom>
+        </p:spPr>
+      </p:pic>
     </p:spTree>
   </p:cSld>
   <p:clrMapOvr>
@@ -4003,6 +8496,14 @@
 <file path=ppt/slides/slide9.xml><?xml version="1.0" encoding="utf-8"?>
 <p:sld xmlns:a="http://schemas.openxmlformats.org/drawingml/2006/main" xmlns:p="http://schemas.openxmlformats.org/presentationml/2006/main" xmlns:r="http://schemas.openxmlformats.org/officeDocument/2006/relationships">
   <p:cSld>
+    <p:bg>
+      <p:bgPr>
+        <a:solidFill>
+          <a:srgbClr val="0F172A"/>
+        </a:solidFill>
+        <a:effectLst/>
+      </p:bgPr>
+    </p:bg>
     <p:spTree>
       <p:nvGrpSpPr>
         <p:cNvPr id="1" name=""/>
@@ -4012,66 +8513,748 @@
       <p:grpSpPr/>
       <p:sp>
         <p:nvSpPr>
-          <p:cNvPr id="2" name="Title 1"/>
-          <p:cNvSpPr>
-            <a:spLocks noGrp="1"/>
-          </p:cNvSpPr>
-          <p:nvPr>
-            <p:ph type="title"/>
-          </p:nvPr>
-        </p:nvSpPr>
-        <p:spPr/>
-        <p:txBody>
-          <a:bodyPr/>
-          <a:lstStyle/>
-          <a:p>
-            <a:r>
-              <a:t>Deployment on Render.com</a:t>
-            </a:r>
-          </a:p>
-        </p:txBody>
-      </p:sp>
-      <p:sp>
-        <p:nvSpPr>
-          <p:cNvPr id="3" name="Content Placeholder 2"/>
-          <p:cNvSpPr>
-            <a:spLocks noGrp="1"/>
-          </p:cNvSpPr>
-          <p:nvPr>
-            <p:ph idx="1"/>
-          </p:nvPr>
-        </p:nvSpPr>
-        <p:spPr/>
-        <p:txBody>
-          <a:bodyPr/>
-          <a:lstStyle/>
-          <a:p>
-            <a:r>
-              <a:t>Platform: Render.com with GitHub integration</a:t>
-            </a:r>
-          </a:p>
-          <a:p>
-            <a:pPr/>
-            <a:r>
-              <a:t>Auto-deploy: Push to main → automatic build &amp; deploy</a:t>
-            </a:r>
-          </a:p>
-          <a:p>
-            <a:pPr/>
-            <a:r>
-              <a:t>Environment: DATABASE_URL, SECRET_KEY configured</a:t>
-            </a:r>
-          </a:p>
-          <a:p>
-            <a:pPr/>
-            <a:r>
-              <a:t>Live URL: comp3011-cw1-api.onrender.com</a:t>
-            </a:r>
-          </a:p>
-          <a:p>
-            <a:pPr/>
-            <a:r>
-              <a:t>Swagger UI available at /docs</a:t>
+          <p:cNvPr id="2" name="TextBox 1"/>
+          <p:cNvSpPr txBox="1"/>
+          <p:nvPr/>
+        </p:nvSpPr>
+        <p:spPr>
+          <a:xfrm>
+            <a:off x="731520" y="274320"/>
+            <a:ext cx="10058400" cy="731520"/>
+          </a:xfrm>
+          <a:prstGeom prst="rect">
+            <a:avLst/>
+          </a:prstGeom>
+          <a:noFill/>
+        </p:spPr>
+        <p:txBody>
+          <a:bodyPr wrap="square">
+            <a:spAutoFit/>
+          </a:bodyPr>
+          <a:lstStyle/>
+          <a:p>
+            <a:pPr algn="l">
+              <a:defRPr sz="4000" b="1">
+                <a:solidFill>
+                  <a:srgbClr val="00B4D8"/>
+                </a:solidFill>
+              </a:defRPr>
+            </a:pPr>
+            <a:r>
+              <a:t>Version Control &amp; Commit Discipline</a:t>
+            </a:r>
+          </a:p>
+        </p:txBody>
+      </p:sp>
+      <p:sp>
+        <p:nvSpPr>
+          <p:cNvPr id="3" name="Rectangle 2"/>
+          <p:cNvSpPr/>
+          <p:nvPr/>
+        </p:nvSpPr>
+        <p:spPr>
+          <a:xfrm>
+            <a:off x="731520" y="914400"/>
+            <a:ext cx="2743200" cy="45720"/>
+          </a:xfrm>
+          <a:prstGeom prst="rect">
+            <a:avLst/>
+          </a:prstGeom>
+          <a:solidFill>
+            <a:srgbClr val="00B4D8"/>
+          </a:solidFill>
+          <a:ln>
+            <a:noFill/>
+          </a:ln>
+        </p:spPr>
+        <p:style>
+          <a:lnRef idx="1">
+            <a:schemeClr val="accent1"/>
+          </a:lnRef>
+          <a:fillRef idx="3">
+            <a:schemeClr val="accent1"/>
+          </a:fillRef>
+          <a:effectRef idx="2">
+            <a:schemeClr val="accent1"/>
+          </a:effectRef>
+          <a:fontRef idx="minor">
+            <a:schemeClr val="lt1"/>
+          </a:fontRef>
+        </p:style>
+        <p:txBody>
+          <a:bodyPr rtlCol="0" anchor="ctr"/>
+          <a:lstStyle/>
+          <a:p>
+            <a:pPr algn="ctr"/>
+          </a:p>
+        </p:txBody>
+      </p:sp>
+      <p:sp>
+        <p:nvSpPr>
+          <p:cNvPr id="4" name="Rounded Rectangle 3"/>
+          <p:cNvSpPr/>
+          <p:nvPr/>
+        </p:nvSpPr>
+        <p:spPr>
+          <a:xfrm>
+            <a:off x="731520" y="1371600"/>
+            <a:ext cx="2743200" cy="1371600"/>
+          </a:xfrm>
+          <a:prstGeom prst="roundRect">
+            <a:avLst/>
+          </a:prstGeom>
+          <a:solidFill>
+            <a:srgbClr val="1A253C"/>
+          </a:solidFill>
+          <a:ln>
+            <a:noFill/>
+          </a:ln>
+        </p:spPr>
+        <p:style>
+          <a:lnRef idx="1">
+            <a:schemeClr val="accent1"/>
+          </a:lnRef>
+          <a:fillRef idx="3">
+            <a:schemeClr val="accent1"/>
+          </a:fillRef>
+          <a:effectRef idx="2">
+            <a:schemeClr val="accent1"/>
+          </a:effectRef>
+          <a:fontRef idx="minor">
+            <a:schemeClr val="lt1"/>
+          </a:fontRef>
+        </p:style>
+        <p:txBody>
+          <a:bodyPr rtlCol="0" anchor="ctr"/>
+          <a:lstStyle/>
+          <a:p>
+            <a:pPr algn="ctr"/>
+          </a:p>
+        </p:txBody>
+      </p:sp>
+      <p:sp>
+        <p:nvSpPr>
+          <p:cNvPr id="5" name="TextBox 4"/>
+          <p:cNvSpPr txBox="1"/>
+          <p:nvPr/>
+        </p:nvSpPr>
+        <p:spPr>
+          <a:xfrm>
+            <a:off x="1097280" y="1463040"/>
+            <a:ext cx="1828800" cy="822960"/>
+          </a:xfrm>
+          <a:prstGeom prst="rect">
+            <a:avLst/>
+          </a:prstGeom>
+          <a:noFill/>
+        </p:spPr>
+        <p:txBody>
+          <a:bodyPr wrap="square">
+            <a:spAutoFit/>
+          </a:bodyPr>
+          <a:lstStyle/>
+          <a:p>
+            <a:pPr algn="ctr">
+              <a:defRPr sz="5600" b="1">
+                <a:solidFill>
+                  <a:srgbClr val="2ECC71"/>
+                </a:solidFill>
+              </a:defRPr>
+            </a:pPr>
+            <a:r>
+              <a:t>126+</a:t>
+            </a:r>
+          </a:p>
+        </p:txBody>
+      </p:sp>
+      <p:sp>
+        <p:nvSpPr>
+          <p:cNvPr id="6" name="TextBox 5"/>
+          <p:cNvSpPr txBox="1"/>
+          <p:nvPr/>
+        </p:nvSpPr>
+        <p:spPr>
+          <a:xfrm>
+            <a:off x="1097280" y="2103120"/>
+            <a:ext cx="1828800" cy="365760"/>
+          </a:xfrm>
+          <a:prstGeom prst="rect">
+            <a:avLst/>
+          </a:prstGeom>
+          <a:noFill/>
+        </p:spPr>
+        <p:txBody>
+          <a:bodyPr wrap="square">
+            <a:spAutoFit/>
+          </a:bodyPr>
+          <a:lstStyle/>
+          <a:p>
+            <a:pPr algn="ctr">
+              <a:defRPr sz="1800" b="0">
+                <a:solidFill>
+                  <a:srgbClr val="B0B8C8"/>
+                </a:solidFill>
+              </a:defRPr>
+            </a:pPr>
+            <a:r>
+              <a:t>commits</a:t>
+            </a:r>
+          </a:p>
+        </p:txBody>
+      </p:sp>
+      <p:sp>
+        <p:nvSpPr>
+          <p:cNvPr id="7" name="TextBox 6"/>
+          <p:cNvSpPr txBox="1"/>
+          <p:nvPr/>
+        </p:nvSpPr>
+        <p:spPr>
+          <a:xfrm>
+            <a:off x="731520" y="3017520"/>
+            <a:ext cx="5486400" cy="365760"/>
+          </a:xfrm>
+          <a:prstGeom prst="rect">
+            <a:avLst/>
+          </a:prstGeom>
+          <a:noFill/>
+        </p:spPr>
+        <p:txBody>
+          <a:bodyPr wrap="square">
+            <a:spAutoFit/>
+          </a:bodyPr>
+          <a:lstStyle/>
+          <a:p>
+            <a:pPr algn="l">
+              <a:defRPr sz="1800" b="1">
+                <a:solidFill>
+                  <a:srgbClr val="00B4D8"/>
+                </a:solidFill>
+              </a:defRPr>
+            </a:pPr>
+            <a:r>
+              <a:t>Recent Commits (git log --oneline)</a:t>
+            </a:r>
+          </a:p>
+        </p:txBody>
+      </p:sp>
+      <p:sp>
+        <p:nvSpPr>
+          <p:cNvPr id="8" name="TextBox 7"/>
+          <p:cNvSpPr txBox="1"/>
+          <p:nvPr/>
+        </p:nvSpPr>
+        <p:spPr>
+          <a:xfrm>
+            <a:off x="731520" y="3474720"/>
+            <a:ext cx="5486400" cy="3200400"/>
+          </a:xfrm>
+          <a:prstGeom prst="rect">
+            <a:avLst/>
+          </a:prstGeom>
+          <a:noFill/>
+        </p:spPr>
+        <p:txBody>
+          <a:bodyPr wrap="square">
+            <a:spAutoFit/>
+          </a:bodyPr>
+          <a:lstStyle/>
+          <a:p>
+            <a:pPr>
+              <a:spcAft>
+                <a:spcPts val="600"/>
+              </a:spcAft>
+              <a:defRPr sz="1200">
+                <a:solidFill>
+                  <a:srgbClr val="B0B8C8"/>
+                </a:solidFill>
+              </a:defRPr>
+            </a:pPr>
+            <a:r>
+              <a:t>f30a13b fix(docs): correct header count 6→7</a:t>
+            </a:r>
+          </a:p>
+          <a:p>
+            <a:pPr>
+              <a:spcAft>
+                <a:spcPts val="600"/>
+              </a:spcAft>
+              <a:defRPr sz="1200">
+                <a:solidFill>
+                  <a:srgbClr val="B0B8C8"/>
+                </a:solidFill>
+              </a:defRPr>
+            </a:pPr>
+            <a:r>
+              <a:t>a7eb512 fix(config): bulletproof env detection</a:t>
+            </a:r>
+          </a:p>
+          <a:p>
+            <a:pPr>
+              <a:spcAft>
+                <a:spcPts val="600"/>
+              </a:spcAft>
+              <a:defRPr sz="1200">
+                <a:solidFill>
+                  <a:srgbClr val="B0B8C8"/>
+                </a:solidFill>
+              </a:defRPr>
+            </a:pPr>
+            <a:r>
+              <a:t>51c27c1 fix(test): use fixture in header tests</a:t>
+            </a:r>
+          </a:p>
+          <a:p>
+            <a:pPr>
+              <a:spcAft>
+                <a:spcPts val="600"/>
+              </a:spcAft>
+              <a:defRPr sz="1200">
+                <a:solidFill>
+                  <a:srgbClr val="B0B8C8"/>
+                </a:solidFill>
+              </a:defRPr>
+            </a:pPr>
+            <a:r>
+              <a:t>dca5aa6 docs(claude): regenerate PDFs</a:t>
+            </a:r>
+          </a:p>
+          <a:p>
+            <a:pPr>
+              <a:spcAft>
+                <a:spcPts val="600"/>
+              </a:spcAft>
+              <a:defRPr sz="1200">
+                <a:solidFill>
+                  <a:srgbClr val="B0B8C8"/>
+                </a:solidFill>
+              </a:defRPr>
+            </a:pPr>
+            <a:r>
+              <a:t>23b7054 fix(test): use fixture for etag tests</a:t>
+            </a:r>
+          </a:p>
+          <a:p>
+            <a:pPr>
+              <a:spcAft>
+                <a:spcPts val="600"/>
+              </a:spcAft>
+              <a:defRPr sz="1200">
+                <a:solidFill>
+                  <a:srgbClr val="B0B8C8"/>
+                </a:solidFill>
+              </a:defRPr>
+            </a:pPr>
+            <a:r>
+              <a:t>f72a36b fix(config): rate limit true/1 + clean zip</a:t>
+            </a:r>
+          </a:p>
+          <a:p>
+            <a:pPr>
+              <a:spcAft>
+                <a:spcPts val="600"/>
+              </a:spcAft>
+              <a:defRPr sz="1200">
+                <a:solidFill>
+                  <a:srgbClr val="B0B8C8"/>
+                </a:solidFill>
+              </a:defRPr>
+            </a:pPr>
+            <a:r>
+              <a:t>fa1f4e5 docs(verify): bulletproof verification steps</a:t>
+            </a:r>
+          </a:p>
+          <a:p>
+            <a:pPr>
+              <a:spcAft>
+                <a:spcPts val="600"/>
+              </a:spcAft>
+              <a:defRPr sz="1200">
+                <a:solidFill>
+                  <a:srgbClr val="B0B8C8"/>
+                </a:solidFill>
+              </a:defRPr>
+            </a:pPr>
+            <a:r>
+              <a:t>6d2a33d docs(slides): align narrative + viva prep</a:t>
+            </a:r>
+          </a:p>
+          <a:p>
+            <a:pPr>
+              <a:spcAft>
+                <a:spcPts val="600"/>
+              </a:spcAft>
+              <a:defRPr sz="1200">
+                <a:solidFill>
+                  <a:srgbClr val="B0B8C8"/>
+                </a:solidFill>
+              </a:defRPr>
+            </a:pPr>
+            <a:r>
+              <a:t>acfb22c docs(genai): final audit-ready logs</a:t>
+            </a:r>
+          </a:p>
+          <a:p>
+            <a:pPr>
+              <a:spcAft>
+                <a:spcPts val="600"/>
+              </a:spcAft>
+              <a:defRPr sz="1200">
+                <a:solidFill>
+                  <a:srgbClr val="B0B8C8"/>
+                </a:solidFill>
+              </a:defRPr>
+            </a:pPr>
+            <a:r>
+              <a:t>5d31b97 docs(report): finalize evidence + tradeoffs</a:t>
+            </a:r>
+          </a:p>
+          <a:p>
+            <a:pPr>
+              <a:spcAft>
+                <a:spcPts val="600"/>
+              </a:spcAft>
+              <a:defRPr sz="1200">
+                <a:solidFill>
+                  <a:srgbClr val="B0B8C8"/>
+                </a:solidFill>
+              </a:defRPr>
+            </a:pPr>
+            <a:r>
+              <a:t>38168e5 docs(api): finalize errors/headers/etag</a:t>
+            </a:r>
+          </a:p>
+          <a:p>
+            <a:pPr>
+              <a:spcAft>
+                <a:spcPts val="600"/>
+              </a:spcAft>
+              <a:defRPr sz="1200">
+                <a:solidFill>
+                  <a:srgbClr val="B0B8C8"/>
+                </a:solidFill>
+              </a:defRPr>
+            </a:pPr>
+            <a:r>
+              <a:t>f9d7fe6 docs(readme): sync final features</a:t>
+            </a:r>
+          </a:p>
+          <a:p>
+            <a:pPr>
+              <a:spcAft>
+                <a:spcPts val="600"/>
+              </a:spcAft>
+              <a:defRPr sz="1200">
+                <a:solidFill>
+                  <a:srgbClr val="B0B8C8"/>
+                </a:solidFill>
+              </a:defRPr>
+            </a:pPr>
+            <a:r>
+              <a:t>cfaca6c test(final): ensure &gt;=39 tests and green</a:t>
+            </a:r>
+          </a:p>
+          <a:p>
+            <a:pPr>
+              <a:spcAft>
+                <a:spcPts val="600"/>
+              </a:spcAft>
+              <a:defRPr sz="1200">
+                <a:solidFill>
+                  <a:srgbClr val="B0B8C8"/>
+                </a:solidFill>
+              </a:defRPr>
+            </a:pPr>
+            <a:r>
+              <a:t>342473d fix(errors): sanitize all 500s, no leakage</a:t>
+            </a:r>
+          </a:p>
+          <a:p>
+            <a:pPr>
+              <a:spcAft>
+                <a:spcPts val="600"/>
+              </a:spcAft>
+              <a:defRPr sz="1200">
+                <a:solidFill>
+                  <a:srgbClr val="B0B8C8"/>
+                </a:solidFill>
+              </a:defRPr>
+            </a:pPr>
+            <a:r>
+              <a:t>37d5574 feat(etag): ETag + 304 for list + detail</a:t>
+            </a:r>
+          </a:p>
+        </p:txBody>
+      </p:sp>
+      <p:sp>
+        <p:nvSpPr>
+          <p:cNvPr id="9" name="TextBox 8"/>
+          <p:cNvSpPr txBox="1"/>
+          <p:nvPr/>
+        </p:nvSpPr>
+        <p:spPr>
+          <a:xfrm>
+            <a:off x="6858000" y="1371600"/>
+            <a:ext cx="4572000" cy="365760"/>
+          </a:xfrm>
+          <a:prstGeom prst="rect">
+            <a:avLst/>
+          </a:prstGeom>
+          <a:noFill/>
+        </p:spPr>
+        <p:txBody>
+          <a:bodyPr wrap="square">
+            <a:spAutoFit/>
+          </a:bodyPr>
+          <a:lstStyle/>
+          <a:p>
+            <a:pPr algn="l">
+              <a:defRPr sz="2400" b="1">
+                <a:solidFill>
+                  <a:srgbClr val="00B4D8"/>
+                </a:solidFill>
+              </a:defRPr>
+            </a:pPr>
+            <a:r>
+              <a:t>Methodology</a:t>
+            </a:r>
+          </a:p>
+        </p:txBody>
+      </p:sp>
+      <p:sp>
+        <p:nvSpPr>
+          <p:cNvPr id="10" name="TextBox 9"/>
+          <p:cNvSpPr txBox="1"/>
+          <p:nvPr/>
+        </p:nvSpPr>
+        <p:spPr>
+          <a:xfrm>
+            <a:off x="6858000" y="1828800"/>
+            <a:ext cx="4572000" cy="4572000"/>
+          </a:xfrm>
+          <a:prstGeom prst="rect">
+            <a:avLst/>
+          </a:prstGeom>
+          <a:noFill/>
+        </p:spPr>
+        <p:txBody>
+          <a:bodyPr wrap="square">
+            <a:spAutoFit/>
+          </a:bodyPr>
+          <a:lstStyle/>
+          <a:p>
+            <a:pPr>
+              <a:spcAft>
+                <a:spcPts val="600"/>
+              </a:spcAft>
+              <a:defRPr sz="1500">
+                <a:solidFill>
+                  <a:srgbClr val="B0B8C8"/>
+                </a:solidFill>
+              </a:defRPr>
+            </a:pPr>
+            <a:r>
+              <a:t>Conventional Commits:</a:t>
+            </a:r>
+          </a:p>
+          <a:p>
+            <a:pPr>
+              <a:spcAft>
+                <a:spcPts val="600"/>
+              </a:spcAft>
+              <a:defRPr sz="1500">
+                <a:solidFill>
+                  <a:srgbClr val="B0B8C8"/>
+                </a:solidFill>
+              </a:defRPr>
+            </a:pPr>
+            <a:r>
+              <a:t>   feat: / fix: / docs: / test: / chore:</a:t>
+            </a:r>
+          </a:p>
+          <a:p>
+            <a:pPr>
+              <a:spcAft>
+                <a:spcPts val="600"/>
+              </a:spcAft>
+              <a:defRPr sz="1500">
+                <a:solidFill>
+                  <a:srgbClr val="B0B8C8"/>
+                </a:solidFill>
+              </a:defRPr>
+            </a:pPr>
+          </a:p>
+          <a:p>
+            <a:pPr>
+              <a:spcAft>
+                <a:spcPts val="600"/>
+              </a:spcAft>
+              <a:defRPr sz="1500">
+                <a:solidFill>
+                  <a:srgbClr val="B0B8C8"/>
+                </a:solidFill>
+              </a:defRPr>
+            </a:pPr>
+            <a:r>
+              <a:t>Each commit is:</a:t>
+            </a:r>
+          </a:p>
+          <a:p>
+            <a:pPr>
+              <a:spcAft>
+                <a:spcPts val="600"/>
+              </a:spcAft>
+              <a:defRPr sz="1500">
+                <a:solidFill>
+                  <a:srgbClr val="B0B8C8"/>
+                </a:solidFill>
+              </a:defRPr>
+            </a:pPr>
+            <a:r>
+              <a:t>   • Logically atomic</a:t>
+            </a:r>
+          </a:p>
+          <a:p>
+            <a:pPr>
+              <a:spcAft>
+                <a:spcPts val="600"/>
+              </a:spcAft>
+              <a:defRPr sz="1500">
+                <a:solidFill>
+                  <a:srgbClr val="B0B8C8"/>
+                </a:solidFill>
+              </a:defRPr>
+            </a:pPr>
+            <a:r>
+              <a:t>   • Verified by test suite</a:t>
+            </a:r>
+          </a:p>
+          <a:p>
+            <a:pPr>
+              <a:spcAft>
+                <a:spcPts val="600"/>
+              </a:spcAft>
+              <a:defRPr sz="1500">
+                <a:solidFill>
+                  <a:srgbClr val="B0B8C8"/>
+                </a:solidFill>
+              </a:defRPr>
+            </a:pPr>
+            <a:r>
+              <a:t>   • Reviewable in isolation</a:t>
+            </a:r>
+          </a:p>
+          <a:p>
+            <a:pPr>
+              <a:spcAft>
+                <a:spcPts val="600"/>
+              </a:spcAft>
+              <a:defRPr sz="1500">
+                <a:solidFill>
+                  <a:srgbClr val="B0B8C8"/>
+                </a:solidFill>
+              </a:defRPr>
+            </a:pPr>
+          </a:p>
+          <a:p>
+            <a:pPr>
+              <a:spcAft>
+                <a:spcPts val="600"/>
+              </a:spcAft>
+              <a:defRPr sz="1500">
+                <a:solidFill>
+                  <a:srgbClr val="B0B8C8"/>
+                </a:solidFill>
+              </a:defRPr>
+            </a:pPr>
+            <a:r>
+              <a:t>Branch strategy:</a:t>
+            </a:r>
+          </a:p>
+          <a:p>
+            <a:pPr>
+              <a:spcAft>
+                <a:spcPts val="600"/>
+              </a:spcAft>
+              <a:defRPr sz="1500">
+                <a:solidFill>
+                  <a:srgbClr val="B0B8C8"/>
+                </a:solidFill>
+              </a:defRPr>
+            </a:pPr>
+            <a:r>
+              <a:t>   • Direct to main (solo project)</a:t>
+            </a:r>
+          </a:p>
+          <a:p>
+            <a:pPr>
+              <a:spcAft>
+                <a:spcPts val="600"/>
+              </a:spcAft>
+              <a:defRPr sz="1500">
+                <a:solidFill>
+                  <a:srgbClr val="B0B8C8"/>
+                </a:solidFill>
+              </a:defRPr>
+            </a:pPr>
+            <a:r>
+              <a:t>   • CI equivalent: pytest on every change</a:t>
+            </a:r>
+          </a:p>
+          <a:p>
+            <a:pPr>
+              <a:spcAft>
+                <a:spcPts val="600"/>
+              </a:spcAft>
+              <a:defRPr sz="1500">
+                <a:solidFill>
+                  <a:srgbClr val="B0B8C8"/>
+                </a:solidFill>
+              </a:defRPr>
+            </a:pPr>
+          </a:p>
+          <a:p>
+            <a:pPr>
+              <a:spcAft>
+                <a:spcPts val="600"/>
+              </a:spcAft>
+              <a:defRPr sz="1500">
+                <a:solidFill>
+                  <a:srgbClr val="B0B8C8"/>
+                </a:solidFill>
+              </a:defRPr>
+            </a:pPr>
+            <a:r>
+              <a:t>No monolithic dumps</a:t>
+            </a:r>
+          </a:p>
+          <a:p>
+            <a:pPr>
+              <a:spcAft>
+                <a:spcPts val="600"/>
+              </a:spcAft>
+              <a:defRPr sz="1500">
+                <a:solidFill>
+                  <a:srgbClr val="B0B8C8"/>
+                </a:solidFill>
+              </a:defRPr>
+            </a:pPr>
+            <a:r>
+              <a:t>Clear separation of concerns</a:t>
+            </a:r>
+          </a:p>
+          <a:p>
+            <a:pPr>
+              <a:spcAft>
+                <a:spcPts val="600"/>
+              </a:spcAft>
+              <a:defRPr sz="1500">
+                <a:solidFill>
+                  <a:srgbClr val="B0B8C8"/>
+                </a:solidFill>
+              </a:defRPr>
+            </a:pPr>
+            <a:r>
+              <a:t>Feature → Bug Fix → Docs → Test</a:t>
             </a:r>
           </a:p>
         </p:txBody>
